--- a/template.pptx
+++ b/template.pptx
@@ -6,13 +6,22 @@
   </p:sldMasterIdLst>
   <p:sldIdLst>
     <p:sldId id="257" r:id="rId2"/>
-    <p:sldId id="258" r:id="rId3"/>
-    <p:sldId id="259" r:id="rId4"/>
-    <p:sldId id="260" r:id="rId5"/>
-    <p:sldId id="261" r:id="rId6"/>
-    <p:sldId id="262" r:id="rId7"/>
-    <p:sldId id="263" r:id="rId8"/>
-    <p:sldId id="264" r:id="rId9"/>
+    <p:sldId id="266" r:id="rId3"/>
+    <p:sldId id="267" r:id="rId4"/>
+    <p:sldId id="265" r:id="rId5"/>
+    <p:sldId id="272" r:id="rId6"/>
+    <p:sldId id="273" r:id="rId7"/>
+    <p:sldId id="268" r:id="rId8"/>
+    <p:sldId id="269" r:id="rId9"/>
+    <p:sldId id="270" r:id="rId10"/>
+    <p:sldId id="271" r:id="rId11"/>
+    <p:sldId id="278" r:id="rId12"/>
+    <p:sldId id="279" r:id="rId13"/>
+    <p:sldId id="280" r:id="rId14"/>
+    <p:sldId id="275" r:id="rId15"/>
+    <p:sldId id="276" r:id="rId16"/>
+    <p:sldId id="281" r:id="rId17"/>
+    <p:sldId id="277" r:id="rId18"/>
   </p:sldIdLst>
   <p:sldSz cx="9144000" cy="5143500" type="screen16x9"/>
   <p:notesSz cx="6858000" cy="9144000"/>
@@ -349,7 +358,7 @@
               <a:pPr>
                 <a:defRPr/>
               </a:pPr>
-              <a:t>08/01/2019</a:t>
+              <a:t>09/01/2019</a:t>
             </a:fld>
             <a:endParaRPr lang="fr-FR"/>
           </a:p>
@@ -408,7 +417,7 @@
               <a:pPr>
                 <a:defRPr/>
               </a:pPr>
-              <a:t>‹#›</a:t>
+              <a:t>‹N°›</a:t>
             </a:fld>
             <a:endParaRPr lang="fr-FR"/>
           </a:p>
@@ -544,7 +553,7 @@
               <a:pPr>
                 <a:defRPr/>
               </a:pPr>
-              <a:t>08/01/2019</a:t>
+              <a:t>09/01/2019</a:t>
             </a:fld>
             <a:endParaRPr lang="fr-FR"/>
           </a:p>
@@ -603,7 +612,7 @@
               <a:pPr>
                 <a:defRPr/>
               </a:pPr>
-              <a:t>‹#›</a:t>
+              <a:t>‹N°›</a:t>
             </a:fld>
             <a:endParaRPr lang="fr-FR"/>
           </a:p>
@@ -749,7 +758,7 @@
               <a:pPr>
                 <a:defRPr/>
               </a:pPr>
-              <a:t>08/01/2019</a:t>
+              <a:t>09/01/2019</a:t>
             </a:fld>
             <a:endParaRPr lang="fr-FR"/>
           </a:p>
@@ -808,7 +817,7 @@
               <a:pPr>
                 <a:defRPr/>
               </a:pPr>
-              <a:t>‹#›</a:t>
+              <a:t>‹N°›</a:t>
             </a:fld>
             <a:endParaRPr lang="fr-FR"/>
           </a:p>
@@ -944,7 +953,7 @@
               <a:pPr>
                 <a:defRPr/>
               </a:pPr>
-              <a:t>08/01/2019</a:t>
+              <a:t>09/01/2019</a:t>
             </a:fld>
             <a:endParaRPr lang="fr-FR"/>
           </a:p>
@@ -1003,7 +1012,7 @@
               <a:pPr>
                 <a:defRPr/>
               </a:pPr>
-              <a:t>‹#›</a:t>
+              <a:t>‹N°›</a:t>
             </a:fld>
             <a:endParaRPr lang="fr-FR"/>
           </a:p>
@@ -1216,7 +1225,7 @@
               <a:pPr>
                 <a:defRPr/>
               </a:pPr>
-              <a:t>08/01/2019</a:t>
+              <a:t>09/01/2019</a:t>
             </a:fld>
             <a:endParaRPr lang="fr-FR"/>
           </a:p>
@@ -1275,7 +1284,7 @@
               <a:pPr>
                 <a:defRPr/>
               </a:pPr>
-              <a:t>‹#›</a:t>
+              <a:t>‹N°›</a:t>
             </a:fld>
             <a:endParaRPr lang="fr-FR"/>
           </a:p>
@@ -1528,7 +1537,7 @@
               <a:pPr>
                 <a:defRPr/>
               </a:pPr>
-              <a:t>08/01/2019</a:t>
+              <a:t>09/01/2019</a:t>
             </a:fld>
             <a:endParaRPr lang="fr-FR"/>
           </a:p>
@@ -1587,7 +1596,7 @@
               <a:pPr>
                 <a:defRPr/>
               </a:pPr>
-              <a:t>‹#›</a:t>
+              <a:t>‹N°›</a:t>
             </a:fld>
             <a:endParaRPr lang="fr-FR"/>
           </a:p>
@@ -1974,7 +1983,7 @@
               <a:pPr>
                 <a:defRPr/>
               </a:pPr>
-              <a:t>08/01/2019</a:t>
+              <a:t>09/01/2019</a:t>
             </a:fld>
             <a:endParaRPr lang="fr-FR"/>
           </a:p>
@@ -2033,7 +2042,7 @@
               <a:pPr>
                 <a:defRPr/>
               </a:pPr>
-              <a:t>‹#›</a:t>
+              <a:t>‹N°›</a:t>
             </a:fld>
             <a:endParaRPr lang="fr-FR"/>
           </a:p>
@@ -2118,7 +2127,7 @@
               <a:pPr>
                 <a:defRPr/>
               </a:pPr>
-              <a:t>08/01/2019</a:t>
+              <a:t>09/01/2019</a:t>
             </a:fld>
             <a:endParaRPr lang="fr-FR"/>
           </a:p>
@@ -2177,7 +2186,7 @@
               <a:pPr>
                 <a:defRPr/>
               </a:pPr>
-              <a:t>‹#›</a:t>
+              <a:t>‹N°›</a:t>
             </a:fld>
             <a:endParaRPr lang="fr-FR"/>
           </a:p>
@@ -2240,7 +2249,7 @@
               <a:pPr>
                 <a:defRPr/>
               </a:pPr>
-              <a:t>08/01/2019</a:t>
+              <a:t>09/01/2019</a:t>
             </a:fld>
             <a:endParaRPr lang="fr-FR"/>
           </a:p>
@@ -2299,7 +2308,7 @@
               <a:pPr>
                 <a:defRPr/>
               </a:pPr>
-              <a:t>‹#›</a:t>
+              <a:t>‹N°›</a:t>
             </a:fld>
             <a:endParaRPr lang="fr-FR"/>
           </a:p>
@@ -2542,7 +2551,7 @@
               <a:pPr>
                 <a:defRPr/>
               </a:pPr>
-              <a:t>08/01/2019</a:t>
+              <a:t>09/01/2019</a:t>
             </a:fld>
             <a:endParaRPr lang="fr-FR"/>
           </a:p>
@@ -2601,7 +2610,7 @@
               <a:pPr>
                 <a:defRPr/>
               </a:pPr>
-              <a:t>‹#›</a:t>
+              <a:t>‹N°›</a:t>
             </a:fld>
             <a:endParaRPr lang="fr-FR"/>
           </a:p>
@@ -2827,7 +2836,7 @@
               <a:pPr>
                 <a:defRPr/>
               </a:pPr>
-              <a:t>08/01/2019</a:t>
+              <a:t>09/01/2019</a:t>
             </a:fld>
             <a:endParaRPr lang="fr-FR"/>
           </a:p>
@@ -2886,7 +2895,7 @@
               <a:pPr>
                 <a:defRPr/>
               </a:pPr>
-              <a:t>‹#›</a:t>
+              <a:t>‹N°›</a:t>
             </a:fld>
             <a:endParaRPr lang="fr-FR"/>
           </a:p>
@@ -2958,14 +2967,14 @@
           </a:ln>
           <a:extLst>
             <a:ext uri="{909E8E84-426E-40dd-AFC4-6F175D3DCCD1}">
-              <a14:hiddenFill xmlns="" xmlns:a14="http://schemas.microsoft.com/office/drawing/2010/main">
+              <a14:hiddenFill xmlns:a14="http://schemas.microsoft.com/office/drawing/2010/main" xmlns="">
                 <a:solidFill>
                   <a:srgbClr val="FFFFFF"/>
                 </a:solidFill>
               </a14:hiddenFill>
             </a:ext>
             <a:ext uri="{91240B29-F687-4f45-9708-019B960494DF}">
-              <a14:hiddenLine xmlns="" xmlns:a14="http://schemas.microsoft.com/office/drawing/2010/main" w="9525">
+              <a14:hiddenLine xmlns:a14="http://schemas.microsoft.com/office/drawing/2010/main" xmlns="" w="9525">
                 <a:solidFill>
                   <a:srgbClr val="000000"/>
                 </a:solidFill>
@@ -2975,7 +2984,7 @@
               </a14:hiddenLine>
             </a:ext>
             <a:ext uri="{FAA26D3D-D897-4be2-8F04-BA451C77F1D7}">
-              <ma14:placeholderFlag xmlns="" xmlns:ma14="http://schemas.microsoft.com/office/mac/drawingml/2011/main" val="1"/>
+              <ma14:placeholderFlag xmlns:ma14="http://schemas.microsoft.com/office/mac/drawingml/2011/main" xmlns="" val="1"/>
             </a:ext>
           </a:extLst>
         </p:spPr>
@@ -3019,14 +3028,14 @@
           </a:ln>
           <a:extLst>
             <a:ext uri="{909E8E84-426E-40dd-AFC4-6F175D3DCCD1}">
-              <a14:hiddenFill xmlns="" xmlns:a14="http://schemas.microsoft.com/office/drawing/2010/main">
+              <a14:hiddenFill xmlns:a14="http://schemas.microsoft.com/office/drawing/2010/main" xmlns="">
                 <a:solidFill>
                   <a:srgbClr val="FFFFFF"/>
                 </a:solidFill>
               </a14:hiddenFill>
             </a:ext>
             <a:ext uri="{91240B29-F687-4f45-9708-019B960494DF}">
-              <a14:hiddenLine xmlns="" xmlns:a14="http://schemas.microsoft.com/office/drawing/2010/main" w="9525">
+              <a14:hiddenLine xmlns:a14="http://schemas.microsoft.com/office/drawing/2010/main" xmlns="" w="9525">
                 <a:solidFill>
                   <a:srgbClr val="000000"/>
                 </a:solidFill>
@@ -3036,7 +3045,7 @@
               </a14:hiddenLine>
             </a:ext>
             <a:ext uri="{FAA26D3D-D897-4be2-8F04-BA451C77F1D7}">
-              <ma14:placeholderFlag xmlns="" xmlns:ma14="http://schemas.microsoft.com/office/mac/drawingml/2011/main" val="1"/>
+              <ma14:placeholderFlag xmlns:ma14="http://schemas.microsoft.com/office/mac/drawingml/2011/main" xmlns="" val="1"/>
             </a:ext>
           </a:extLst>
         </p:spPr>
@@ -3134,7 +3143,7 @@
               <a:pPr>
                 <a:defRPr/>
               </a:pPr>
-              <a:t>08/01/2019</a:t>
+              <a:t>09/01/2019</a:t>
             </a:fld>
             <a:endParaRPr lang="fr-FR"/>
           </a:p>
@@ -3239,7 +3248,7 @@
               <a:pPr>
                 <a:defRPr/>
               </a:pPr>
-              <a:t>‹#›</a:t>
+              <a:t>‹N°›</a:t>
             </a:fld>
             <a:endParaRPr lang="fr-FR"/>
           </a:p>
@@ -3800,67 +3809,97 @@
           </a:bodyPr>
           <a:lstStyle/>
           <a:p>
-            <a:pPr indent="-171450">
+            <a:pPr indent="-171450" algn="l">
               <a:buFont typeface="Arial" panose="020B0604020202020204" pitchFamily="34" charset="0"/>
               <a:buChar char="•"/>
             </a:pPr>
             <a:r>
-              <a:rPr lang="en-US" sz="1800">
+              <a:rPr lang="en-US" sz="1800" dirty="0" err="1">
                 <a:solidFill>
                   <a:schemeClr val="tx2">
                     <a:lumMod val="90000"/>
                   </a:schemeClr>
                 </a:solidFill>
               </a:rPr>
-              <a:t>Costes Dorian</a:t>
-            </a:r>
-          </a:p>
-          <a:p>
-            <a:pPr indent="-171450">
+              <a:t>Coste</a:t>
+            </a:r>
+            <a:r>
+              <a:rPr lang="en-US" sz="1800" dirty="0">
+                <a:solidFill>
+                  <a:schemeClr val="tx2">
+                    <a:lumMod val="90000"/>
+                  </a:schemeClr>
+                </a:solidFill>
+              </a:rPr>
+              <a:t> Dorian</a:t>
+            </a:r>
+          </a:p>
+          <a:p>
+            <a:pPr indent="-171450" algn="l">
               <a:buFont typeface="Arial" panose="020B0604020202020204" pitchFamily="34" charset="0"/>
               <a:buChar char="•"/>
             </a:pPr>
             <a:r>
-              <a:rPr lang="en-US" sz="1800">
+              <a:rPr lang="en-US" sz="1800" dirty="0" err="1">
                 <a:solidFill>
                   <a:schemeClr val="tx2">
                     <a:lumMod val="90000"/>
                   </a:schemeClr>
                 </a:solidFill>
               </a:rPr>
-              <a:t>Tobelem sam</a:t>
-            </a:r>
-          </a:p>
-          <a:p>
-            <a:pPr indent="-171450">
+              <a:t>Tobelem</a:t>
+            </a:r>
+            <a:r>
+              <a:rPr lang="en-US" sz="1800" dirty="0">
+                <a:solidFill>
+                  <a:schemeClr val="tx2">
+                    <a:lumMod val="90000"/>
+                  </a:schemeClr>
+                </a:solidFill>
+              </a:rPr>
+              <a:t> Sam</a:t>
+            </a:r>
+          </a:p>
+          <a:p>
+            <a:pPr indent="-171450" algn="l">
               <a:buFont typeface="Arial" panose="020B0604020202020204" pitchFamily="34" charset="0"/>
               <a:buChar char="•"/>
             </a:pPr>
             <a:r>
-              <a:rPr lang="en-US" sz="1800">
+              <a:rPr lang="en-US" sz="1800" dirty="0">
                 <a:solidFill>
                   <a:schemeClr val="tx2">
                     <a:lumMod val="90000"/>
                   </a:schemeClr>
                 </a:solidFill>
               </a:rPr>
-              <a:t>Li zhen</a:t>
-            </a:r>
-          </a:p>
-          <a:p>
-            <a:pPr indent="-171450">
+              <a:t>Li Zhen</a:t>
+            </a:r>
+          </a:p>
+          <a:p>
+            <a:pPr indent="-171450" algn="l">
               <a:buFont typeface="Arial" panose="020B0604020202020204" pitchFamily="34" charset="0"/>
               <a:buChar char="•"/>
             </a:pPr>
             <a:r>
-              <a:rPr lang="en-US" sz="1800">
+              <a:rPr lang="en-US" sz="1800" dirty="0" err="1">
                 <a:solidFill>
                   <a:schemeClr val="tx2">
                     <a:lumMod val="90000"/>
                   </a:schemeClr>
                 </a:solidFill>
               </a:rPr>
-              <a:t>Pouget lilian</a:t>
+              <a:t>Pouget</a:t>
+            </a:r>
+            <a:r>
+              <a:rPr lang="en-US" sz="1800" dirty="0">
+                <a:solidFill>
+                  <a:schemeClr val="tx2">
+                    <a:lumMod val="90000"/>
+                  </a:schemeClr>
+                </a:solidFill>
+              </a:rPr>
+              <a:t> Lilian</a:t>
             </a:r>
           </a:p>
         </p:txBody>
@@ -3869,6 +3908,3131 @@
     <p:extLst>
       <p:ext uri="{BB962C8B-B14F-4D97-AF65-F5344CB8AC3E}">
         <p14:creationId xmlns:p14="http://schemas.microsoft.com/office/powerpoint/2010/main" val="1047792500"/>
+      </p:ext>
+    </p:extLst>
+  </p:cSld>
+  <p:clrMapOvr>
+    <a:masterClrMapping/>
+  </p:clrMapOvr>
+</p:sld>
+</file>
+
+<file path=ppt/slides/slide10.xml><?xml version="1.0" encoding="utf-8"?>
+<p:sld xmlns:a="http://schemas.openxmlformats.org/drawingml/2006/main" xmlns:r="http://schemas.openxmlformats.org/officeDocument/2006/relationships" xmlns:p="http://schemas.openxmlformats.org/presentationml/2006/main">
+  <p:cSld>
+    <p:spTree>
+      <p:nvGrpSpPr>
+        <p:cNvPr id="1" name=""/>
+        <p:cNvGrpSpPr/>
+        <p:nvPr/>
+      </p:nvGrpSpPr>
+      <p:grpSpPr>
+        <a:xfrm>
+          <a:off x="0" y="0"/>
+          <a:ext cx="0" cy="0"/>
+          <a:chOff x="0" y="0"/>
+          <a:chExt cx="0" cy="0"/>
+        </a:xfrm>
+      </p:grpSpPr>
+      <p:sp>
+        <p:nvSpPr>
+          <p:cNvPr id="2" name="Titre 1">
+            <a:extLst>
+              <a:ext uri="{FF2B5EF4-FFF2-40B4-BE49-F238E27FC236}">
+                <a16:creationId xmlns:a16="http://schemas.microsoft.com/office/drawing/2014/main" id="{944E7732-A98F-324A-B564-9F44EE032C9D}"/>
+              </a:ext>
+            </a:extLst>
+          </p:cNvPr>
+          <p:cNvSpPr>
+            <a:spLocks noGrp="1"/>
+          </p:cNvSpPr>
+          <p:nvPr>
+            <p:ph type="title"/>
+          </p:nvPr>
+        </p:nvSpPr>
+        <p:spPr/>
+        <p:txBody>
+          <a:bodyPr/>
+          <a:lstStyle/>
+          <a:p>
+            <a:r>
+              <a:rPr lang="fr-FR" dirty="0"/>
+              <a:t>Filtre utilisant AC3</a:t>
+            </a:r>
+          </a:p>
+        </p:txBody>
+      </p:sp>
+      <p:sp>
+        <p:nvSpPr>
+          <p:cNvPr id="3" name="Espace réservé du contenu 2">
+            <a:extLst>
+              <a:ext uri="{FF2B5EF4-FFF2-40B4-BE49-F238E27FC236}">
+                <a16:creationId xmlns:a16="http://schemas.microsoft.com/office/drawing/2014/main" id="{7956809A-725D-A145-92ED-3BFC242256AA}"/>
+              </a:ext>
+            </a:extLst>
+          </p:cNvPr>
+          <p:cNvSpPr>
+            <a:spLocks noGrp="1"/>
+          </p:cNvSpPr>
+          <p:nvPr>
+            <p:ph idx="1"/>
+          </p:nvPr>
+        </p:nvSpPr>
+        <p:spPr>
+          <a:xfrm>
+            <a:off x="836427" y="1203695"/>
+            <a:ext cx="861237" cy="3394472"/>
+          </a:xfrm>
+        </p:spPr>
+        <p:txBody>
+          <a:bodyPr/>
+          <a:lstStyle/>
+          <a:p>
+            <a:pPr marL="0" indent="0" algn="ctr">
+              <a:buNone/>
+            </a:pPr>
+            <a:r>
+              <a:rPr lang="fr-FR" sz="2000" dirty="0"/>
+              <a:t>Avion i</a:t>
+            </a:r>
+          </a:p>
+          <a:p>
+            <a:pPr marL="0" indent="0" algn="ctr">
+              <a:buNone/>
+            </a:pPr>
+            <a:r>
+              <a:rPr lang="fr-FR" dirty="0"/>
+              <a:t>1</a:t>
+            </a:r>
+          </a:p>
+          <a:p>
+            <a:pPr marL="0" indent="0" algn="ctr">
+              <a:buNone/>
+            </a:pPr>
+            <a:r>
+              <a:rPr lang="fr-FR" dirty="0"/>
+              <a:t>2</a:t>
+            </a:r>
+          </a:p>
+          <a:p>
+            <a:pPr marL="0" indent="0" algn="ctr">
+              <a:buNone/>
+            </a:pPr>
+            <a:r>
+              <a:rPr lang="fr-FR" dirty="0"/>
+              <a:t>3</a:t>
+            </a:r>
+          </a:p>
+          <a:p>
+            <a:pPr marL="0" indent="0" algn="ctr">
+              <a:buNone/>
+            </a:pPr>
+            <a:r>
+              <a:rPr lang="fr-FR" dirty="0"/>
+              <a:t>4</a:t>
+            </a:r>
+          </a:p>
+        </p:txBody>
+      </p:sp>
+      <p:sp>
+        <p:nvSpPr>
+          <p:cNvPr id="4" name="Espace réservé du contenu 2">
+            <a:extLst>
+              <a:ext uri="{FF2B5EF4-FFF2-40B4-BE49-F238E27FC236}">
+                <a16:creationId xmlns:a16="http://schemas.microsoft.com/office/drawing/2014/main" id="{3ED65A30-2E36-FA4C-9821-AD1BBA1BA743}"/>
+              </a:ext>
+            </a:extLst>
+          </p:cNvPr>
+          <p:cNvSpPr txBox="1">
+            <a:spLocks/>
+          </p:cNvSpPr>
+          <p:nvPr/>
+        </p:nvSpPr>
+        <p:spPr bwMode="auto">
+          <a:xfrm>
+            <a:off x="1850064" y="1220088"/>
+            <a:ext cx="861237" cy="3394472"/>
+          </a:xfrm>
+          <a:prstGeom prst="rect">
+            <a:avLst/>
+          </a:prstGeom>
+          <a:noFill/>
+          <a:ln>
+            <a:noFill/>
+          </a:ln>
+          <a:extLst>
+            <a:ext uri="{909E8E84-426E-40dd-AFC4-6F175D3DCCD1}">
+              <a14:hiddenFill xmlns="" xmlns:a14="http://schemas.microsoft.com/office/drawing/2010/main">
+                <a:solidFill>
+                  <a:srgbClr val="FFFFFF"/>
+                </a:solidFill>
+              </a14:hiddenFill>
+            </a:ext>
+            <a:ext uri="{91240B29-F687-4f45-9708-019B960494DF}">
+              <a14:hiddenLine xmlns="" xmlns:a14="http://schemas.microsoft.com/office/drawing/2010/main" w="9525">
+                <a:solidFill>
+                  <a:srgbClr val="000000"/>
+                </a:solidFill>
+                <a:miter lim="800000"/>
+                <a:headEnd/>
+                <a:tailEnd/>
+              </a14:hiddenLine>
+            </a:ext>
+            <a:ext uri="{FAA26D3D-D897-4be2-8F04-BA451C77F1D7}">
+              <ma14:placeholderFlag xmlns="" xmlns:ma14="http://schemas.microsoft.com/office/mac/drawingml/2011/main" val="1"/>
+            </a:ext>
+          </a:extLst>
+        </p:spPr>
+        <p:txBody>
+          <a:bodyPr vert="horz" wrap="square" lIns="91440" tIns="45720" rIns="91440" bIns="45720" numCol="1" anchor="t" anchorCtr="0" compatLnSpc="1">
+            <a:prstTxWarp prst="textNoShape">
+              <a:avLst/>
+            </a:prstTxWarp>
+          </a:bodyPr>
+          <a:lstStyle>
+            <a:lvl1pPr marL="342900" indent="-342900" algn="l" defTabSz="457200" rtl="0" eaLnBrk="1" fontAlgn="base" hangingPunct="1">
+              <a:spcBef>
+                <a:spcPct val="20000"/>
+              </a:spcBef>
+              <a:spcAft>
+                <a:spcPct val="0"/>
+              </a:spcAft>
+              <a:buFont typeface="Arial" charset="0"/>
+              <a:buChar char="•"/>
+              <a:defRPr sz="3200" kern="1200">
+                <a:solidFill>
+                  <a:schemeClr val="tx1"/>
+                </a:solidFill>
+                <a:latin typeface="+mn-lt"/>
+                <a:ea typeface="ＭＳ Ｐゴシック" charset="0"/>
+                <a:cs typeface="ＭＳ Ｐゴシック" charset="0"/>
+              </a:defRPr>
+            </a:lvl1pPr>
+            <a:lvl2pPr marL="742950" indent="-285750" algn="l" defTabSz="457200" rtl="0" eaLnBrk="1" fontAlgn="base" hangingPunct="1">
+              <a:spcBef>
+                <a:spcPct val="20000"/>
+              </a:spcBef>
+              <a:spcAft>
+                <a:spcPct val="0"/>
+              </a:spcAft>
+              <a:buFont typeface="Arial" charset="0"/>
+              <a:buChar char="–"/>
+              <a:defRPr sz="2800" kern="1200">
+                <a:solidFill>
+                  <a:schemeClr val="tx1"/>
+                </a:solidFill>
+                <a:latin typeface="+mn-lt"/>
+                <a:ea typeface="ＭＳ Ｐゴシック" charset="0"/>
+                <a:cs typeface="+mn-cs"/>
+              </a:defRPr>
+            </a:lvl2pPr>
+            <a:lvl3pPr marL="1143000" indent="-228600" algn="l" defTabSz="457200" rtl="0" eaLnBrk="1" fontAlgn="base" hangingPunct="1">
+              <a:spcBef>
+                <a:spcPct val="20000"/>
+              </a:spcBef>
+              <a:spcAft>
+                <a:spcPct val="0"/>
+              </a:spcAft>
+              <a:buFont typeface="Arial" charset="0"/>
+              <a:buChar char="•"/>
+              <a:defRPr sz="2400" kern="1200">
+                <a:solidFill>
+                  <a:schemeClr val="tx1"/>
+                </a:solidFill>
+                <a:latin typeface="+mn-lt"/>
+                <a:ea typeface="ＭＳ Ｐゴシック" charset="0"/>
+                <a:cs typeface="+mn-cs"/>
+              </a:defRPr>
+            </a:lvl3pPr>
+            <a:lvl4pPr marL="1600200" indent="-228600" algn="l" defTabSz="457200" rtl="0" eaLnBrk="1" fontAlgn="base" hangingPunct="1">
+              <a:spcBef>
+                <a:spcPct val="20000"/>
+              </a:spcBef>
+              <a:spcAft>
+                <a:spcPct val="0"/>
+              </a:spcAft>
+              <a:buFont typeface="Arial" charset="0"/>
+              <a:buChar char="–"/>
+              <a:defRPr sz="2000" kern="1200">
+                <a:solidFill>
+                  <a:schemeClr val="tx1"/>
+                </a:solidFill>
+                <a:latin typeface="+mn-lt"/>
+                <a:ea typeface="ＭＳ Ｐゴシック" charset="0"/>
+                <a:cs typeface="+mn-cs"/>
+              </a:defRPr>
+            </a:lvl4pPr>
+            <a:lvl5pPr marL="2057400" indent="-228600" algn="l" defTabSz="457200" rtl="0" eaLnBrk="1" fontAlgn="base" hangingPunct="1">
+              <a:spcBef>
+                <a:spcPct val="20000"/>
+              </a:spcBef>
+              <a:spcAft>
+                <a:spcPct val="0"/>
+              </a:spcAft>
+              <a:buFont typeface="Arial" charset="0"/>
+              <a:buChar char="»"/>
+              <a:defRPr sz="2000" kern="1200">
+                <a:solidFill>
+                  <a:schemeClr val="tx1"/>
+                </a:solidFill>
+                <a:latin typeface="+mn-lt"/>
+                <a:ea typeface="ＭＳ Ｐゴシック" charset="0"/>
+                <a:cs typeface="+mn-cs"/>
+              </a:defRPr>
+            </a:lvl5pPr>
+            <a:lvl6pPr marL="2514600" indent="-228600" algn="l" defTabSz="457200" rtl="0" eaLnBrk="1" latinLnBrk="0" hangingPunct="1">
+              <a:spcBef>
+                <a:spcPct val="20000"/>
+              </a:spcBef>
+              <a:buFont typeface="Arial"/>
+              <a:buChar char="•"/>
+              <a:defRPr sz="2000" kern="1200">
+                <a:solidFill>
+                  <a:schemeClr val="tx1"/>
+                </a:solidFill>
+                <a:latin typeface="+mn-lt"/>
+                <a:ea typeface="+mn-ea"/>
+                <a:cs typeface="+mn-cs"/>
+              </a:defRPr>
+            </a:lvl6pPr>
+            <a:lvl7pPr marL="2971800" indent="-228600" algn="l" defTabSz="457200" rtl="0" eaLnBrk="1" latinLnBrk="0" hangingPunct="1">
+              <a:spcBef>
+                <a:spcPct val="20000"/>
+              </a:spcBef>
+              <a:buFont typeface="Arial"/>
+              <a:buChar char="•"/>
+              <a:defRPr sz="2000" kern="1200">
+                <a:solidFill>
+                  <a:schemeClr val="tx1"/>
+                </a:solidFill>
+                <a:latin typeface="+mn-lt"/>
+                <a:ea typeface="+mn-ea"/>
+                <a:cs typeface="+mn-cs"/>
+              </a:defRPr>
+            </a:lvl7pPr>
+            <a:lvl8pPr marL="3429000" indent="-228600" algn="l" defTabSz="457200" rtl="0" eaLnBrk="1" latinLnBrk="0" hangingPunct="1">
+              <a:spcBef>
+                <a:spcPct val="20000"/>
+              </a:spcBef>
+              <a:buFont typeface="Arial"/>
+              <a:buChar char="•"/>
+              <a:defRPr sz="2000" kern="1200">
+                <a:solidFill>
+                  <a:schemeClr val="tx1"/>
+                </a:solidFill>
+                <a:latin typeface="+mn-lt"/>
+                <a:ea typeface="+mn-ea"/>
+                <a:cs typeface="+mn-cs"/>
+              </a:defRPr>
+            </a:lvl8pPr>
+            <a:lvl9pPr marL="3886200" indent="-228600" algn="l" defTabSz="457200" rtl="0" eaLnBrk="1" latinLnBrk="0" hangingPunct="1">
+              <a:spcBef>
+                <a:spcPct val="20000"/>
+              </a:spcBef>
+              <a:buFont typeface="Arial"/>
+              <a:buChar char="•"/>
+              <a:defRPr sz="2000" kern="1200">
+                <a:solidFill>
+                  <a:schemeClr val="tx1"/>
+                </a:solidFill>
+                <a:latin typeface="+mn-lt"/>
+                <a:ea typeface="+mn-ea"/>
+                <a:cs typeface="+mn-cs"/>
+              </a:defRPr>
+            </a:lvl9pPr>
+          </a:lstStyle>
+          <a:p>
+            <a:pPr marL="0" indent="0" algn="ctr">
+              <a:buFont typeface="Arial" charset="0"/>
+              <a:buNone/>
+            </a:pPr>
+            <a:r>
+              <a:rPr lang="fr-FR" sz="2000" dirty="0"/>
+              <a:t>Avion j</a:t>
+            </a:r>
+          </a:p>
+          <a:p>
+            <a:pPr marL="0" indent="0" algn="ctr">
+              <a:buFont typeface="Arial" charset="0"/>
+              <a:buNone/>
+            </a:pPr>
+            <a:r>
+              <a:rPr lang="fr-FR" dirty="0"/>
+              <a:t>1</a:t>
+            </a:r>
+          </a:p>
+          <a:p>
+            <a:pPr marL="0" indent="0" algn="ctr">
+              <a:buFont typeface="Arial" charset="0"/>
+              <a:buNone/>
+            </a:pPr>
+            <a:r>
+              <a:rPr lang="fr-FR" dirty="0"/>
+              <a:t>2</a:t>
+            </a:r>
+          </a:p>
+          <a:p>
+            <a:pPr marL="0" indent="0" algn="ctr">
+              <a:buFont typeface="Arial" charset="0"/>
+              <a:buNone/>
+            </a:pPr>
+            <a:r>
+              <a:rPr lang="fr-FR" dirty="0"/>
+              <a:t>3</a:t>
+            </a:r>
+          </a:p>
+          <a:p>
+            <a:pPr marL="0" indent="0" algn="ctr">
+              <a:buFont typeface="Arial" charset="0"/>
+              <a:buNone/>
+            </a:pPr>
+            <a:r>
+              <a:rPr lang="fr-FR" dirty="0"/>
+              <a:t>4</a:t>
+            </a:r>
+          </a:p>
+        </p:txBody>
+      </p:sp>
+      <p:sp>
+        <p:nvSpPr>
+          <p:cNvPr id="5" name="Espace réservé du contenu 2">
+            <a:extLst>
+              <a:ext uri="{FF2B5EF4-FFF2-40B4-BE49-F238E27FC236}">
+                <a16:creationId xmlns:a16="http://schemas.microsoft.com/office/drawing/2014/main" id="{6EEB99B9-E953-3C44-8393-596A28713B9A}"/>
+              </a:ext>
+            </a:extLst>
+          </p:cNvPr>
+          <p:cNvSpPr txBox="1">
+            <a:spLocks/>
+          </p:cNvSpPr>
+          <p:nvPr/>
+        </p:nvSpPr>
+        <p:spPr bwMode="auto">
+          <a:xfrm>
+            <a:off x="2863701" y="1220088"/>
+            <a:ext cx="861237" cy="3394472"/>
+          </a:xfrm>
+          <a:prstGeom prst="rect">
+            <a:avLst/>
+          </a:prstGeom>
+          <a:noFill/>
+          <a:ln>
+            <a:noFill/>
+          </a:ln>
+          <a:extLst>
+            <a:ext uri="{909E8E84-426E-40dd-AFC4-6F175D3DCCD1}">
+              <a14:hiddenFill xmlns="" xmlns:a14="http://schemas.microsoft.com/office/drawing/2010/main">
+                <a:solidFill>
+                  <a:srgbClr val="FFFFFF"/>
+                </a:solidFill>
+              </a14:hiddenFill>
+            </a:ext>
+            <a:ext uri="{91240B29-F687-4f45-9708-019B960494DF}">
+              <a14:hiddenLine xmlns="" xmlns:a14="http://schemas.microsoft.com/office/drawing/2010/main" w="9525">
+                <a:solidFill>
+                  <a:srgbClr val="000000"/>
+                </a:solidFill>
+                <a:miter lim="800000"/>
+                <a:headEnd/>
+                <a:tailEnd/>
+              </a14:hiddenLine>
+            </a:ext>
+            <a:ext uri="{FAA26D3D-D897-4be2-8F04-BA451C77F1D7}">
+              <ma14:placeholderFlag xmlns="" xmlns:ma14="http://schemas.microsoft.com/office/mac/drawingml/2011/main" val="1"/>
+            </a:ext>
+          </a:extLst>
+        </p:spPr>
+        <p:txBody>
+          <a:bodyPr vert="horz" wrap="square" lIns="91440" tIns="45720" rIns="91440" bIns="45720" numCol="1" anchor="t" anchorCtr="0" compatLnSpc="1">
+            <a:prstTxWarp prst="textNoShape">
+              <a:avLst/>
+            </a:prstTxWarp>
+          </a:bodyPr>
+          <a:lstStyle>
+            <a:lvl1pPr marL="342900" indent="-342900" algn="l" defTabSz="457200" rtl="0" eaLnBrk="1" fontAlgn="base" hangingPunct="1">
+              <a:spcBef>
+                <a:spcPct val="20000"/>
+              </a:spcBef>
+              <a:spcAft>
+                <a:spcPct val="0"/>
+              </a:spcAft>
+              <a:buFont typeface="Arial" charset="0"/>
+              <a:buChar char="•"/>
+              <a:defRPr sz="3200" kern="1200">
+                <a:solidFill>
+                  <a:schemeClr val="tx1"/>
+                </a:solidFill>
+                <a:latin typeface="+mn-lt"/>
+                <a:ea typeface="ＭＳ Ｐゴシック" charset="0"/>
+                <a:cs typeface="ＭＳ Ｐゴシック" charset="0"/>
+              </a:defRPr>
+            </a:lvl1pPr>
+            <a:lvl2pPr marL="742950" indent="-285750" algn="l" defTabSz="457200" rtl="0" eaLnBrk="1" fontAlgn="base" hangingPunct="1">
+              <a:spcBef>
+                <a:spcPct val="20000"/>
+              </a:spcBef>
+              <a:spcAft>
+                <a:spcPct val="0"/>
+              </a:spcAft>
+              <a:buFont typeface="Arial" charset="0"/>
+              <a:buChar char="–"/>
+              <a:defRPr sz="2800" kern="1200">
+                <a:solidFill>
+                  <a:schemeClr val="tx1"/>
+                </a:solidFill>
+                <a:latin typeface="+mn-lt"/>
+                <a:ea typeface="ＭＳ Ｐゴシック" charset="0"/>
+                <a:cs typeface="+mn-cs"/>
+              </a:defRPr>
+            </a:lvl2pPr>
+            <a:lvl3pPr marL="1143000" indent="-228600" algn="l" defTabSz="457200" rtl="0" eaLnBrk="1" fontAlgn="base" hangingPunct="1">
+              <a:spcBef>
+                <a:spcPct val="20000"/>
+              </a:spcBef>
+              <a:spcAft>
+                <a:spcPct val="0"/>
+              </a:spcAft>
+              <a:buFont typeface="Arial" charset="0"/>
+              <a:buChar char="•"/>
+              <a:defRPr sz="2400" kern="1200">
+                <a:solidFill>
+                  <a:schemeClr val="tx1"/>
+                </a:solidFill>
+                <a:latin typeface="+mn-lt"/>
+                <a:ea typeface="ＭＳ Ｐゴシック" charset="0"/>
+                <a:cs typeface="+mn-cs"/>
+              </a:defRPr>
+            </a:lvl3pPr>
+            <a:lvl4pPr marL="1600200" indent="-228600" algn="l" defTabSz="457200" rtl="0" eaLnBrk="1" fontAlgn="base" hangingPunct="1">
+              <a:spcBef>
+                <a:spcPct val="20000"/>
+              </a:spcBef>
+              <a:spcAft>
+                <a:spcPct val="0"/>
+              </a:spcAft>
+              <a:buFont typeface="Arial" charset="0"/>
+              <a:buChar char="–"/>
+              <a:defRPr sz="2000" kern="1200">
+                <a:solidFill>
+                  <a:schemeClr val="tx1"/>
+                </a:solidFill>
+                <a:latin typeface="+mn-lt"/>
+                <a:ea typeface="ＭＳ Ｐゴシック" charset="0"/>
+                <a:cs typeface="+mn-cs"/>
+              </a:defRPr>
+            </a:lvl4pPr>
+            <a:lvl5pPr marL="2057400" indent="-228600" algn="l" defTabSz="457200" rtl="0" eaLnBrk="1" fontAlgn="base" hangingPunct="1">
+              <a:spcBef>
+                <a:spcPct val="20000"/>
+              </a:spcBef>
+              <a:spcAft>
+                <a:spcPct val="0"/>
+              </a:spcAft>
+              <a:buFont typeface="Arial" charset="0"/>
+              <a:buChar char="»"/>
+              <a:defRPr sz="2000" kern="1200">
+                <a:solidFill>
+                  <a:schemeClr val="tx1"/>
+                </a:solidFill>
+                <a:latin typeface="+mn-lt"/>
+                <a:ea typeface="ＭＳ Ｐゴシック" charset="0"/>
+                <a:cs typeface="+mn-cs"/>
+              </a:defRPr>
+            </a:lvl5pPr>
+            <a:lvl6pPr marL="2514600" indent="-228600" algn="l" defTabSz="457200" rtl="0" eaLnBrk="1" latinLnBrk="0" hangingPunct="1">
+              <a:spcBef>
+                <a:spcPct val="20000"/>
+              </a:spcBef>
+              <a:buFont typeface="Arial"/>
+              <a:buChar char="•"/>
+              <a:defRPr sz="2000" kern="1200">
+                <a:solidFill>
+                  <a:schemeClr val="tx1"/>
+                </a:solidFill>
+                <a:latin typeface="+mn-lt"/>
+                <a:ea typeface="+mn-ea"/>
+                <a:cs typeface="+mn-cs"/>
+              </a:defRPr>
+            </a:lvl6pPr>
+            <a:lvl7pPr marL="2971800" indent="-228600" algn="l" defTabSz="457200" rtl="0" eaLnBrk="1" latinLnBrk="0" hangingPunct="1">
+              <a:spcBef>
+                <a:spcPct val="20000"/>
+              </a:spcBef>
+              <a:buFont typeface="Arial"/>
+              <a:buChar char="•"/>
+              <a:defRPr sz="2000" kern="1200">
+                <a:solidFill>
+                  <a:schemeClr val="tx1"/>
+                </a:solidFill>
+                <a:latin typeface="+mn-lt"/>
+                <a:ea typeface="+mn-ea"/>
+                <a:cs typeface="+mn-cs"/>
+              </a:defRPr>
+            </a:lvl7pPr>
+            <a:lvl8pPr marL="3429000" indent="-228600" algn="l" defTabSz="457200" rtl="0" eaLnBrk="1" latinLnBrk="0" hangingPunct="1">
+              <a:spcBef>
+                <a:spcPct val="20000"/>
+              </a:spcBef>
+              <a:buFont typeface="Arial"/>
+              <a:buChar char="•"/>
+              <a:defRPr sz="2000" kern="1200">
+                <a:solidFill>
+                  <a:schemeClr val="tx1"/>
+                </a:solidFill>
+                <a:latin typeface="+mn-lt"/>
+                <a:ea typeface="+mn-ea"/>
+                <a:cs typeface="+mn-cs"/>
+              </a:defRPr>
+            </a:lvl8pPr>
+            <a:lvl9pPr marL="3886200" indent="-228600" algn="l" defTabSz="457200" rtl="0" eaLnBrk="1" latinLnBrk="0" hangingPunct="1">
+              <a:spcBef>
+                <a:spcPct val="20000"/>
+              </a:spcBef>
+              <a:buFont typeface="Arial"/>
+              <a:buChar char="•"/>
+              <a:defRPr sz="2000" kern="1200">
+                <a:solidFill>
+                  <a:schemeClr val="tx1"/>
+                </a:solidFill>
+                <a:latin typeface="+mn-lt"/>
+                <a:ea typeface="+mn-ea"/>
+                <a:cs typeface="+mn-cs"/>
+              </a:defRPr>
+            </a:lvl9pPr>
+          </a:lstStyle>
+          <a:p>
+            <a:pPr marL="0" indent="0" algn="ctr">
+              <a:buFont typeface="Arial" charset="0"/>
+              <a:buNone/>
+            </a:pPr>
+            <a:r>
+              <a:rPr lang="fr-FR" sz="2000" dirty="0"/>
+              <a:t>Avion k</a:t>
+            </a:r>
+          </a:p>
+          <a:p>
+            <a:pPr marL="0" indent="0" algn="ctr">
+              <a:buFont typeface="Arial" charset="0"/>
+              <a:buNone/>
+            </a:pPr>
+            <a:r>
+              <a:rPr lang="fr-FR" dirty="0"/>
+              <a:t>1</a:t>
+            </a:r>
+          </a:p>
+          <a:p>
+            <a:pPr marL="0" indent="0" algn="ctr">
+              <a:buFont typeface="Arial" charset="0"/>
+              <a:buNone/>
+            </a:pPr>
+            <a:r>
+              <a:rPr lang="fr-FR" dirty="0"/>
+              <a:t>2</a:t>
+            </a:r>
+          </a:p>
+          <a:p>
+            <a:pPr marL="0" indent="0" algn="ctr">
+              <a:buFont typeface="Arial" charset="0"/>
+              <a:buNone/>
+            </a:pPr>
+            <a:r>
+              <a:rPr lang="fr-FR" dirty="0"/>
+              <a:t>3</a:t>
+            </a:r>
+          </a:p>
+          <a:p>
+            <a:pPr marL="0" indent="0" algn="ctr">
+              <a:buFont typeface="Arial" charset="0"/>
+              <a:buNone/>
+            </a:pPr>
+            <a:r>
+              <a:rPr lang="fr-FR" dirty="0"/>
+              <a:t>4</a:t>
+            </a:r>
+          </a:p>
+        </p:txBody>
+      </p:sp>
+      <p:cxnSp>
+        <p:nvCxnSpPr>
+          <p:cNvPr id="7" name="Connecteur droit avec flèche 6">
+            <a:extLst>
+              <a:ext uri="{FF2B5EF4-FFF2-40B4-BE49-F238E27FC236}">
+                <a16:creationId xmlns:a16="http://schemas.microsoft.com/office/drawing/2014/main" id="{92C1CFB6-F854-0E4F-82A0-5EA488F74910}"/>
+              </a:ext>
+            </a:extLst>
+          </p:cNvPr>
+          <p:cNvCxnSpPr/>
+          <p:nvPr/>
+        </p:nvCxnSpPr>
+        <p:spPr>
+          <a:xfrm>
+            <a:off x="4136065" y="2667445"/>
+            <a:ext cx="871870" cy="0"/>
+          </a:xfrm>
+          <a:prstGeom prst="straightConnector1">
+            <a:avLst/>
+          </a:prstGeom>
+          <a:ln w="50800">
+            <a:solidFill>
+              <a:srgbClr val="CBCCCB"/>
+            </a:solidFill>
+            <a:tailEnd type="triangle"/>
+          </a:ln>
+        </p:spPr>
+        <p:style>
+          <a:lnRef idx="2">
+            <a:schemeClr val="accent1"/>
+          </a:lnRef>
+          <a:fillRef idx="0">
+            <a:schemeClr val="accent1"/>
+          </a:fillRef>
+          <a:effectRef idx="1">
+            <a:schemeClr val="accent1"/>
+          </a:effectRef>
+          <a:fontRef idx="minor">
+            <a:schemeClr val="tx1"/>
+          </a:fontRef>
+        </p:style>
+      </p:cxnSp>
+      <p:sp>
+        <p:nvSpPr>
+          <p:cNvPr id="8" name="Espace réservé du contenu 2">
+            <a:extLst>
+              <a:ext uri="{FF2B5EF4-FFF2-40B4-BE49-F238E27FC236}">
+                <a16:creationId xmlns:a16="http://schemas.microsoft.com/office/drawing/2014/main" id="{3AE41D60-5DB5-814B-B1BC-ED73FAD22808}"/>
+              </a:ext>
+            </a:extLst>
+          </p:cNvPr>
+          <p:cNvSpPr txBox="1">
+            <a:spLocks/>
+          </p:cNvSpPr>
+          <p:nvPr/>
+        </p:nvSpPr>
+        <p:spPr bwMode="auto">
+          <a:xfrm>
+            <a:off x="7394946" y="1236481"/>
+            <a:ext cx="861237" cy="3394472"/>
+          </a:xfrm>
+          <a:prstGeom prst="rect">
+            <a:avLst/>
+          </a:prstGeom>
+          <a:noFill/>
+          <a:ln>
+            <a:noFill/>
+          </a:ln>
+          <a:extLst>
+            <a:ext uri="{909E8E84-426E-40dd-AFC4-6F175D3DCCD1}">
+              <a14:hiddenFill xmlns="" xmlns:a14="http://schemas.microsoft.com/office/drawing/2010/main">
+                <a:solidFill>
+                  <a:srgbClr val="FFFFFF"/>
+                </a:solidFill>
+              </a14:hiddenFill>
+            </a:ext>
+            <a:ext uri="{91240B29-F687-4f45-9708-019B960494DF}">
+              <a14:hiddenLine xmlns="" xmlns:a14="http://schemas.microsoft.com/office/drawing/2010/main" w="9525">
+                <a:solidFill>
+                  <a:srgbClr val="000000"/>
+                </a:solidFill>
+                <a:miter lim="800000"/>
+                <a:headEnd/>
+                <a:tailEnd/>
+              </a14:hiddenLine>
+            </a:ext>
+            <a:ext uri="{FAA26D3D-D897-4be2-8F04-BA451C77F1D7}">
+              <ma14:placeholderFlag xmlns="" xmlns:ma14="http://schemas.microsoft.com/office/mac/drawingml/2011/main" val="1"/>
+            </a:ext>
+          </a:extLst>
+        </p:spPr>
+        <p:txBody>
+          <a:bodyPr vert="horz" wrap="square" lIns="91440" tIns="45720" rIns="91440" bIns="45720" numCol="1" anchor="t" anchorCtr="0" compatLnSpc="1">
+            <a:prstTxWarp prst="textNoShape">
+              <a:avLst/>
+            </a:prstTxWarp>
+          </a:bodyPr>
+          <a:lstStyle>
+            <a:lvl1pPr marL="342900" indent="-342900" algn="l" defTabSz="457200" rtl="0" eaLnBrk="1" fontAlgn="base" hangingPunct="1">
+              <a:spcBef>
+                <a:spcPct val="20000"/>
+              </a:spcBef>
+              <a:spcAft>
+                <a:spcPct val="0"/>
+              </a:spcAft>
+              <a:buFont typeface="Arial" charset="0"/>
+              <a:buChar char="•"/>
+              <a:defRPr sz="3200" kern="1200">
+                <a:solidFill>
+                  <a:schemeClr val="tx1"/>
+                </a:solidFill>
+                <a:latin typeface="+mn-lt"/>
+                <a:ea typeface="ＭＳ Ｐゴシック" charset="0"/>
+                <a:cs typeface="ＭＳ Ｐゴシック" charset="0"/>
+              </a:defRPr>
+            </a:lvl1pPr>
+            <a:lvl2pPr marL="742950" indent="-285750" algn="l" defTabSz="457200" rtl="0" eaLnBrk="1" fontAlgn="base" hangingPunct="1">
+              <a:spcBef>
+                <a:spcPct val="20000"/>
+              </a:spcBef>
+              <a:spcAft>
+                <a:spcPct val="0"/>
+              </a:spcAft>
+              <a:buFont typeface="Arial" charset="0"/>
+              <a:buChar char="–"/>
+              <a:defRPr sz="2800" kern="1200">
+                <a:solidFill>
+                  <a:schemeClr val="tx1"/>
+                </a:solidFill>
+                <a:latin typeface="+mn-lt"/>
+                <a:ea typeface="ＭＳ Ｐゴシック" charset="0"/>
+                <a:cs typeface="+mn-cs"/>
+              </a:defRPr>
+            </a:lvl2pPr>
+            <a:lvl3pPr marL="1143000" indent="-228600" algn="l" defTabSz="457200" rtl="0" eaLnBrk="1" fontAlgn="base" hangingPunct="1">
+              <a:spcBef>
+                <a:spcPct val="20000"/>
+              </a:spcBef>
+              <a:spcAft>
+                <a:spcPct val="0"/>
+              </a:spcAft>
+              <a:buFont typeface="Arial" charset="0"/>
+              <a:buChar char="•"/>
+              <a:defRPr sz="2400" kern="1200">
+                <a:solidFill>
+                  <a:schemeClr val="tx1"/>
+                </a:solidFill>
+                <a:latin typeface="+mn-lt"/>
+                <a:ea typeface="ＭＳ Ｐゴシック" charset="0"/>
+                <a:cs typeface="+mn-cs"/>
+              </a:defRPr>
+            </a:lvl3pPr>
+            <a:lvl4pPr marL="1600200" indent="-228600" algn="l" defTabSz="457200" rtl="0" eaLnBrk="1" fontAlgn="base" hangingPunct="1">
+              <a:spcBef>
+                <a:spcPct val="20000"/>
+              </a:spcBef>
+              <a:spcAft>
+                <a:spcPct val="0"/>
+              </a:spcAft>
+              <a:buFont typeface="Arial" charset="0"/>
+              <a:buChar char="–"/>
+              <a:defRPr sz="2000" kern="1200">
+                <a:solidFill>
+                  <a:schemeClr val="tx1"/>
+                </a:solidFill>
+                <a:latin typeface="+mn-lt"/>
+                <a:ea typeface="ＭＳ Ｐゴシック" charset="0"/>
+                <a:cs typeface="+mn-cs"/>
+              </a:defRPr>
+            </a:lvl4pPr>
+            <a:lvl5pPr marL="2057400" indent="-228600" algn="l" defTabSz="457200" rtl="0" eaLnBrk="1" fontAlgn="base" hangingPunct="1">
+              <a:spcBef>
+                <a:spcPct val="20000"/>
+              </a:spcBef>
+              <a:spcAft>
+                <a:spcPct val="0"/>
+              </a:spcAft>
+              <a:buFont typeface="Arial" charset="0"/>
+              <a:buChar char="»"/>
+              <a:defRPr sz="2000" kern="1200">
+                <a:solidFill>
+                  <a:schemeClr val="tx1"/>
+                </a:solidFill>
+                <a:latin typeface="+mn-lt"/>
+                <a:ea typeface="ＭＳ Ｐゴシック" charset="0"/>
+                <a:cs typeface="+mn-cs"/>
+              </a:defRPr>
+            </a:lvl5pPr>
+            <a:lvl6pPr marL="2514600" indent="-228600" algn="l" defTabSz="457200" rtl="0" eaLnBrk="1" latinLnBrk="0" hangingPunct="1">
+              <a:spcBef>
+                <a:spcPct val="20000"/>
+              </a:spcBef>
+              <a:buFont typeface="Arial"/>
+              <a:buChar char="•"/>
+              <a:defRPr sz="2000" kern="1200">
+                <a:solidFill>
+                  <a:schemeClr val="tx1"/>
+                </a:solidFill>
+                <a:latin typeface="+mn-lt"/>
+                <a:ea typeface="+mn-ea"/>
+                <a:cs typeface="+mn-cs"/>
+              </a:defRPr>
+            </a:lvl6pPr>
+            <a:lvl7pPr marL="2971800" indent="-228600" algn="l" defTabSz="457200" rtl="0" eaLnBrk="1" latinLnBrk="0" hangingPunct="1">
+              <a:spcBef>
+                <a:spcPct val="20000"/>
+              </a:spcBef>
+              <a:buFont typeface="Arial"/>
+              <a:buChar char="•"/>
+              <a:defRPr sz="2000" kern="1200">
+                <a:solidFill>
+                  <a:schemeClr val="tx1"/>
+                </a:solidFill>
+                <a:latin typeface="+mn-lt"/>
+                <a:ea typeface="+mn-ea"/>
+                <a:cs typeface="+mn-cs"/>
+              </a:defRPr>
+            </a:lvl7pPr>
+            <a:lvl8pPr marL="3429000" indent="-228600" algn="l" defTabSz="457200" rtl="0" eaLnBrk="1" latinLnBrk="0" hangingPunct="1">
+              <a:spcBef>
+                <a:spcPct val="20000"/>
+              </a:spcBef>
+              <a:buFont typeface="Arial"/>
+              <a:buChar char="•"/>
+              <a:defRPr sz="2000" kern="1200">
+                <a:solidFill>
+                  <a:schemeClr val="tx1"/>
+                </a:solidFill>
+                <a:latin typeface="+mn-lt"/>
+                <a:ea typeface="+mn-ea"/>
+                <a:cs typeface="+mn-cs"/>
+              </a:defRPr>
+            </a:lvl8pPr>
+            <a:lvl9pPr marL="3886200" indent="-228600" algn="l" defTabSz="457200" rtl="0" eaLnBrk="1" latinLnBrk="0" hangingPunct="1">
+              <a:spcBef>
+                <a:spcPct val="20000"/>
+              </a:spcBef>
+              <a:buFont typeface="Arial"/>
+              <a:buChar char="•"/>
+              <a:defRPr sz="2000" kern="1200">
+                <a:solidFill>
+                  <a:schemeClr val="tx1"/>
+                </a:solidFill>
+                <a:latin typeface="+mn-lt"/>
+                <a:ea typeface="+mn-ea"/>
+                <a:cs typeface="+mn-cs"/>
+              </a:defRPr>
+            </a:lvl9pPr>
+          </a:lstStyle>
+          <a:p>
+            <a:pPr marL="0" indent="0" algn="ctr">
+              <a:buFont typeface="Arial" charset="0"/>
+              <a:buNone/>
+            </a:pPr>
+            <a:r>
+              <a:rPr lang="fr-FR" sz="2000" dirty="0"/>
+              <a:t>Avion k</a:t>
+            </a:r>
+          </a:p>
+          <a:p>
+            <a:pPr marL="0" indent="0" algn="ctr">
+              <a:buFont typeface="Arial" charset="0"/>
+              <a:buNone/>
+            </a:pPr>
+            <a:r>
+              <a:rPr lang="fr-FR" strike="sngStrike" dirty="0">
+                <a:solidFill>
+                  <a:srgbClr val="FF0000"/>
+                </a:solidFill>
+              </a:rPr>
+              <a:t>1</a:t>
+            </a:r>
+          </a:p>
+          <a:p>
+            <a:pPr marL="0" indent="0" algn="ctr">
+              <a:buFont typeface="Arial" charset="0"/>
+              <a:buNone/>
+            </a:pPr>
+            <a:r>
+              <a:rPr lang="fr-FR" dirty="0"/>
+              <a:t>2</a:t>
+            </a:r>
+          </a:p>
+          <a:p>
+            <a:pPr marL="0" indent="0" algn="ctr">
+              <a:buFont typeface="Arial" charset="0"/>
+              <a:buNone/>
+            </a:pPr>
+            <a:r>
+              <a:rPr lang="fr-FR" dirty="0"/>
+              <a:t>3</a:t>
+            </a:r>
+          </a:p>
+          <a:p>
+            <a:pPr marL="0" indent="0" algn="ctr">
+              <a:buFont typeface="Arial" charset="0"/>
+              <a:buNone/>
+            </a:pPr>
+            <a:r>
+              <a:rPr lang="fr-FR" strike="sngStrike" dirty="0">
+                <a:solidFill>
+                  <a:srgbClr val="FF0000"/>
+                </a:solidFill>
+              </a:rPr>
+              <a:t>4</a:t>
+            </a:r>
+          </a:p>
+        </p:txBody>
+      </p:sp>
+      <p:sp>
+        <p:nvSpPr>
+          <p:cNvPr id="9" name="Espace réservé du contenu 2">
+            <a:extLst>
+              <a:ext uri="{FF2B5EF4-FFF2-40B4-BE49-F238E27FC236}">
+                <a16:creationId xmlns:a16="http://schemas.microsoft.com/office/drawing/2014/main" id="{1A7631E4-BB85-4642-8EB7-F807523FEA63}"/>
+              </a:ext>
+            </a:extLst>
+          </p:cNvPr>
+          <p:cNvSpPr txBox="1">
+            <a:spLocks/>
+          </p:cNvSpPr>
+          <p:nvPr/>
+        </p:nvSpPr>
+        <p:spPr bwMode="auto">
+          <a:xfrm>
+            <a:off x="6381309" y="1220088"/>
+            <a:ext cx="861237" cy="3394472"/>
+          </a:xfrm>
+          <a:prstGeom prst="rect">
+            <a:avLst/>
+          </a:prstGeom>
+          <a:noFill/>
+          <a:ln>
+            <a:noFill/>
+          </a:ln>
+          <a:extLst>
+            <a:ext uri="{909E8E84-426E-40dd-AFC4-6F175D3DCCD1}">
+              <a14:hiddenFill xmlns="" xmlns:a14="http://schemas.microsoft.com/office/drawing/2010/main">
+                <a:solidFill>
+                  <a:srgbClr val="FFFFFF"/>
+                </a:solidFill>
+              </a14:hiddenFill>
+            </a:ext>
+            <a:ext uri="{91240B29-F687-4f45-9708-019B960494DF}">
+              <a14:hiddenLine xmlns="" xmlns:a14="http://schemas.microsoft.com/office/drawing/2010/main" w="9525">
+                <a:solidFill>
+                  <a:srgbClr val="000000"/>
+                </a:solidFill>
+                <a:miter lim="800000"/>
+                <a:headEnd/>
+                <a:tailEnd/>
+              </a14:hiddenLine>
+            </a:ext>
+            <a:ext uri="{FAA26D3D-D897-4be2-8F04-BA451C77F1D7}">
+              <ma14:placeholderFlag xmlns="" xmlns:ma14="http://schemas.microsoft.com/office/mac/drawingml/2011/main" val="1"/>
+            </a:ext>
+          </a:extLst>
+        </p:spPr>
+        <p:txBody>
+          <a:bodyPr vert="horz" wrap="square" lIns="91440" tIns="45720" rIns="91440" bIns="45720" numCol="1" anchor="t" anchorCtr="0" compatLnSpc="1">
+            <a:prstTxWarp prst="textNoShape">
+              <a:avLst/>
+            </a:prstTxWarp>
+          </a:bodyPr>
+          <a:lstStyle>
+            <a:lvl1pPr marL="342900" indent="-342900" algn="l" defTabSz="457200" rtl="0" eaLnBrk="1" fontAlgn="base" hangingPunct="1">
+              <a:spcBef>
+                <a:spcPct val="20000"/>
+              </a:spcBef>
+              <a:spcAft>
+                <a:spcPct val="0"/>
+              </a:spcAft>
+              <a:buFont typeface="Arial" charset="0"/>
+              <a:buChar char="•"/>
+              <a:defRPr sz="3200" kern="1200">
+                <a:solidFill>
+                  <a:schemeClr val="tx1"/>
+                </a:solidFill>
+                <a:latin typeface="+mn-lt"/>
+                <a:ea typeface="ＭＳ Ｐゴシック" charset="0"/>
+                <a:cs typeface="ＭＳ Ｐゴシック" charset="0"/>
+              </a:defRPr>
+            </a:lvl1pPr>
+            <a:lvl2pPr marL="742950" indent="-285750" algn="l" defTabSz="457200" rtl="0" eaLnBrk="1" fontAlgn="base" hangingPunct="1">
+              <a:spcBef>
+                <a:spcPct val="20000"/>
+              </a:spcBef>
+              <a:spcAft>
+                <a:spcPct val="0"/>
+              </a:spcAft>
+              <a:buFont typeface="Arial" charset="0"/>
+              <a:buChar char="–"/>
+              <a:defRPr sz="2800" kern="1200">
+                <a:solidFill>
+                  <a:schemeClr val="tx1"/>
+                </a:solidFill>
+                <a:latin typeface="+mn-lt"/>
+                <a:ea typeface="ＭＳ Ｐゴシック" charset="0"/>
+                <a:cs typeface="+mn-cs"/>
+              </a:defRPr>
+            </a:lvl2pPr>
+            <a:lvl3pPr marL="1143000" indent="-228600" algn="l" defTabSz="457200" rtl="0" eaLnBrk="1" fontAlgn="base" hangingPunct="1">
+              <a:spcBef>
+                <a:spcPct val="20000"/>
+              </a:spcBef>
+              <a:spcAft>
+                <a:spcPct val="0"/>
+              </a:spcAft>
+              <a:buFont typeface="Arial" charset="0"/>
+              <a:buChar char="•"/>
+              <a:defRPr sz="2400" kern="1200">
+                <a:solidFill>
+                  <a:schemeClr val="tx1"/>
+                </a:solidFill>
+                <a:latin typeface="+mn-lt"/>
+                <a:ea typeface="ＭＳ Ｐゴシック" charset="0"/>
+                <a:cs typeface="+mn-cs"/>
+              </a:defRPr>
+            </a:lvl3pPr>
+            <a:lvl4pPr marL="1600200" indent="-228600" algn="l" defTabSz="457200" rtl="0" eaLnBrk="1" fontAlgn="base" hangingPunct="1">
+              <a:spcBef>
+                <a:spcPct val="20000"/>
+              </a:spcBef>
+              <a:spcAft>
+                <a:spcPct val="0"/>
+              </a:spcAft>
+              <a:buFont typeface="Arial" charset="0"/>
+              <a:buChar char="–"/>
+              <a:defRPr sz="2000" kern="1200">
+                <a:solidFill>
+                  <a:schemeClr val="tx1"/>
+                </a:solidFill>
+                <a:latin typeface="+mn-lt"/>
+                <a:ea typeface="ＭＳ Ｐゴシック" charset="0"/>
+                <a:cs typeface="+mn-cs"/>
+              </a:defRPr>
+            </a:lvl4pPr>
+            <a:lvl5pPr marL="2057400" indent="-228600" algn="l" defTabSz="457200" rtl="0" eaLnBrk="1" fontAlgn="base" hangingPunct="1">
+              <a:spcBef>
+                <a:spcPct val="20000"/>
+              </a:spcBef>
+              <a:spcAft>
+                <a:spcPct val="0"/>
+              </a:spcAft>
+              <a:buFont typeface="Arial" charset="0"/>
+              <a:buChar char="»"/>
+              <a:defRPr sz="2000" kern="1200">
+                <a:solidFill>
+                  <a:schemeClr val="tx1"/>
+                </a:solidFill>
+                <a:latin typeface="+mn-lt"/>
+                <a:ea typeface="ＭＳ Ｐゴシック" charset="0"/>
+                <a:cs typeface="+mn-cs"/>
+              </a:defRPr>
+            </a:lvl5pPr>
+            <a:lvl6pPr marL="2514600" indent="-228600" algn="l" defTabSz="457200" rtl="0" eaLnBrk="1" latinLnBrk="0" hangingPunct="1">
+              <a:spcBef>
+                <a:spcPct val="20000"/>
+              </a:spcBef>
+              <a:buFont typeface="Arial"/>
+              <a:buChar char="•"/>
+              <a:defRPr sz="2000" kern="1200">
+                <a:solidFill>
+                  <a:schemeClr val="tx1"/>
+                </a:solidFill>
+                <a:latin typeface="+mn-lt"/>
+                <a:ea typeface="+mn-ea"/>
+                <a:cs typeface="+mn-cs"/>
+              </a:defRPr>
+            </a:lvl6pPr>
+            <a:lvl7pPr marL="2971800" indent="-228600" algn="l" defTabSz="457200" rtl="0" eaLnBrk="1" latinLnBrk="0" hangingPunct="1">
+              <a:spcBef>
+                <a:spcPct val="20000"/>
+              </a:spcBef>
+              <a:buFont typeface="Arial"/>
+              <a:buChar char="•"/>
+              <a:defRPr sz="2000" kern="1200">
+                <a:solidFill>
+                  <a:schemeClr val="tx1"/>
+                </a:solidFill>
+                <a:latin typeface="+mn-lt"/>
+                <a:ea typeface="+mn-ea"/>
+                <a:cs typeface="+mn-cs"/>
+              </a:defRPr>
+            </a:lvl7pPr>
+            <a:lvl8pPr marL="3429000" indent="-228600" algn="l" defTabSz="457200" rtl="0" eaLnBrk="1" latinLnBrk="0" hangingPunct="1">
+              <a:spcBef>
+                <a:spcPct val="20000"/>
+              </a:spcBef>
+              <a:buFont typeface="Arial"/>
+              <a:buChar char="•"/>
+              <a:defRPr sz="2000" kern="1200">
+                <a:solidFill>
+                  <a:schemeClr val="tx1"/>
+                </a:solidFill>
+                <a:latin typeface="+mn-lt"/>
+                <a:ea typeface="+mn-ea"/>
+                <a:cs typeface="+mn-cs"/>
+              </a:defRPr>
+            </a:lvl8pPr>
+            <a:lvl9pPr marL="3886200" indent="-228600" algn="l" defTabSz="457200" rtl="0" eaLnBrk="1" latinLnBrk="0" hangingPunct="1">
+              <a:spcBef>
+                <a:spcPct val="20000"/>
+              </a:spcBef>
+              <a:buFont typeface="Arial"/>
+              <a:buChar char="•"/>
+              <a:defRPr sz="2000" kern="1200">
+                <a:solidFill>
+                  <a:schemeClr val="tx1"/>
+                </a:solidFill>
+                <a:latin typeface="+mn-lt"/>
+                <a:ea typeface="+mn-ea"/>
+                <a:cs typeface="+mn-cs"/>
+              </a:defRPr>
+            </a:lvl9pPr>
+          </a:lstStyle>
+          <a:p>
+            <a:pPr marL="0" indent="0" algn="ctr">
+              <a:buFont typeface="Arial" charset="0"/>
+              <a:buNone/>
+            </a:pPr>
+            <a:r>
+              <a:rPr lang="fr-FR" sz="2000" dirty="0"/>
+              <a:t>Avion j</a:t>
+            </a:r>
+          </a:p>
+          <a:p>
+            <a:pPr marL="0" indent="0" algn="ctr">
+              <a:buFont typeface="Arial" charset="0"/>
+              <a:buNone/>
+            </a:pPr>
+            <a:r>
+              <a:rPr lang="fr-FR" dirty="0"/>
+              <a:t>1</a:t>
+            </a:r>
+          </a:p>
+          <a:p>
+            <a:pPr marL="0" indent="0" algn="ctr">
+              <a:buFont typeface="Arial" charset="0"/>
+              <a:buNone/>
+            </a:pPr>
+            <a:r>
+              <a:rPr lang="fr-FR" strike="sngStrike" dirty="0">
+                <a:solidFill>
+                  <a:srgbClr val="FF0000"/>
+                </a:solidFill>
+              </a:rPr>
+              <a:t>2</a:t>
+            </a:r>
+          </a:p>
+          <a:p>
+            <a:pPr marL="0" indent="0" algn="ctr">
+              <a:buFont typeface="Arial" charset="0"/>
+              <a:buNone/>
+            </a:pPr>
+            <a:r>
+              <a:rPr lang="fr-FR" strike="sngStrike" dirty="0">
+                <a:solidFill>
+                  <a:srgbClr val="FF0000"/>
+                </a:solidFill>
+              </a:rPr>
+              <a:t>3</a:t>
+            </a:r>
+          </a:p>
+          <a:p>
+            <a:pPr marL="0" indent="0" algn="ctr">
+              <a:buFont typeface="Arial" charset="0"/>
+              <a:buNone/>
+            </a:pPr>
+            <a:r>
+              <a:rPr lang="fr-FR" dirty="0"/>
+              <a:t>4</a:t>
+            </a:r>
+          </a:p>
+        </p:txBody>
+      </p:sp>
+      <p:sp>
+        <p:nvSpPr>
+          <p:cNvPr id="10" name="Espace réservé du contenu 2">
+            <a:extLst>
+              <a:ext uri="{FF2B5EF4-FFF2-40B4-BE49-F238E27FC236}">
+                <a16:creationId xmlns:a16="http://schemas.microsoft.com/office/drawing/2014/main" id="{33274E79-A589-8342-BFCE-5CFB27352DCE}"/>
+              </a:ext>
+            </a:extLst>
+          </p:cNvPr>
+          <p:cNvSpPr txBox="1">
+            <a:spLocks/>
+          </p:cNvSpPr>
+          <p:nvPr/>
+        </p:nvSpPr>
+        <p:spPr bwMode="auto">
+          <a:xfrm>
+            <a:off x="5419063" y="1220088"/>
+            <a:ext cx="861237" cy="3394472"/>
+          </a:xfrm>
+          <a:prstGeom prst="rect">
+            <a:avLst/>
+          </a:prstGeom>
+          <a:noFill/>
+          <a:ln>
+            <a:noFill/>
+          </a:ln>
+          <a:extLst>
+            <a:ext uri="{909E8E84-426E-40dd-AFC4-6F175D3DCCD1}">
+              <a14:hiddenFill xmlns="" xmlns:a14="http://schemas.microsoft.com/office/drawing/2010/main">
+                <a:solidFill>
+                  <a:srgbClr val="FFFFFF"/>
+                </a:solidFill>
+              </a14:hiddenFill>
+            </a:ext>
+            <a:ext uri="{91240B29-F687-4f45-9708-019B960494DF}">
+              <a14:hiddenLine xmlns="" xmlns:a14="http://schemas.microsoft.com/office/drawing/2010/main" w="9525">
+                <a:solidFill>
+                  <a:srgbClr val="000000"/>
+                </a:solidFill>
+                <a:miter lim="800000"/>
+                <a:headEnd/>
+                <a:tailEnd/>
+              </a14:hiddenLine>
+            </a:ext>
+            <a:ext uri="{FAA26D3D-D897-4be2-8F04-BA451C77F1D7}">
+              <ma14:placeholderFlag xmlns="" xmlns:ma14="http://schemas.microsoft.com/office/mac/drawingml/2011/main" val="1"/>
+            </a:ext>
+          </a:extLst>
+        </p:spPr>
+        <p:txBody>
+          <a:bodyPr vert="horz" wrap="square" lIns="91440" tIns="45720" rIns="91440" bIns="45720" numCol="1" anchor="t" anchorCtr="0" compatLnSpc="1">
+            <a:prstTxWarp prst="textNoShape">
+              <a:avLst/>
+            </a:prstTxWarp>
+          </a:bodyPr>
+          <a:lstStyle>
+            <a:lvl1pPr marL="342900" indent="-342900" algn="l" defTabSz="457200" rtl="0" eaLnBrk="1" fontAlgn="base" hangingPunct="1">
+              <a:spcBef>
+                <a:spcPct val="20000"/>
+              </a:spcBef>
+              <a:spcAft>
+                <a:spcPct val="0"/>
+              </a:spcAft>
+              <a:buFont typeface="Arial" charset="0"/>
+              <a:buChar char="•"/>
+              <a:defRPr sz="3200" kern="1200">
+                <a:solidFill>
+                  <a:schemeClr val="tx1"/>
+                </a:solidFill>
+                <a:latin typeface="+mn-lt"/>
+                <a:ea typeface="ＭＳ Ｐゴシック" charset="0"/>
+                <a:cs typeface="ＭＳ Ｐゴシック" charset="0"/>
+              </a:defRPr>
+            </a:lvl1pPr>
+            <a:lvl2pPr marL="742950" indent="-285750" algn="l" defTabSz="457200" rtl="0" eaLnBrk="1" fontAlgn="base" hangingPunct="1">
+              <a:spcBef>
+                <a:spcPct val="20000"/>
+              </a:spcBef>
+              <a:spcAft>
+                <a:spcPct val="0"/>
+              </a:spcAft>
+              <a:buFont typeface="Arial" charset="0"/>
+              <a:buChar char="–"/>
+              <a:defRPr sz="2800" kern="1200">
+                <a:solidFill>
+                  <a:schemeClr val="tx1"/>
+                </a:solidFill>
+                <a:latin typeface="+mn-lt"/>
+                <a:ea typeface="ＭＳ Ｐゴシック" charset="0"/>
+                <a:cs typeface="+mn-cs"/>
+              </a:defRPr>
+            </a:lvl2pPr>
+            <a:lvl3pPr marL="1143000" indent="-228600" algn="l" defTabSz="457200" rtl="0" eaLnBrk="1" fontAlgn="base" hangingPunct="1">
+              <a:spcBef>
+                <a:spcPct val="20000"/>
+              </a:spcBef>
+              <a:spcAft>
+                <a:spcPct val="0"/>
+              </a:spcAft>
+              <a:buFont typeface="Arial" charset="0"/>
+              <a:buChar char="•"/>
+              <a:defRPr sz="2400" kern="1200">
+                <a:solidFill>
+                  <a:schemeClr val="tx1"/>
+                </a:solidFill>
+                <a:latin typeface="+mn-lt"/>
+                <a:ea typeface="ＭＳ Ｐゴシック" charset="0"/>
+                <a:cs typeface="+mn-cs"/>
+              </a:defRPr>
+            </a:lvl3pPr>
+            <a:lvl4pPr marL="1600200" indent="-228600" algn="l" defTabSz="457200" rtl="0" eaLnBrk="1" fontAlgn="base" hangingPunct="1">
+              <a:spcBef>
+                <a:spcPct val="20000"/>
+              </a:spcBef>
+              <a:spcAft>
+                <a:spcPct val="0"/>
+              </a:spcAft>
+              <a:buFont typeface="Arial" charset="0"/>
+              <a:buChar char="–"/>
+              <a:defRPr sz="2000" kern="1200">
+                <a:solidFill>
+                  <a:schemeClr val="tx1"/>
+                </a:solidFill>
+                <a:latin typeface="+mn-lt"/>
+                <a:ea typeface="ＭＳ Ｐゴシック" charset="0"/>
+                <a:cs typeface="+mn-cs"/>
+              </a:defRPr>
+            </a:lvl4pPr>
+            <a:lvl5pPr marL="2057400" indent="-228600" algn="l" defTabSz="457200" rtl="0" eaLnBrk="1" fontAlgn="base" hangingPunct="1">
+              <a:spcBef>
+                <a:spcPct val="20000"/>
+              </a:spcBef>
+              <a:spcAft>
+                <a:spcPct val="0"/>
+              </a:spcAft>
+              <a:buFont typeface="Arial" charset="0"/>
+              <a:buChar char="»"/>
+              <a:defRPr sz="2000" kern="1200">
+                <a:solidFill>
+                  <a:schemeClr val="tx1"/>
+                </a:solidFill>
+                <a:latin typeface="+mn-lt"/>
+                <a:ea typeface="ＭＳ Ｐゴシック" charset="0"/>
+                <a:cs typeface="+mn-cs"/>
+              </a:defRPr>
+            </a:lvl5pPr>
+            <a:lvl6pPr marL="2514600" indent="-228600" algn="l" defTabSz="457200" rtl="0" eaLnBrk="1" latinLnBrk="0" hangingPunct="1">
+              <a:spcBef>
+                <a:spcPct val="20000"/>
+              </a:spcBef>
+              <a:buFont typeface="Arial"/>
+              <a:buChar char="•"/>
+              <a:defRPr sz="2000" kern="1200">
+                <a:solidFill>
+                  <a:schemeClr val="tx1"/>
+                </a:solidFill>
+                <a:latin typeface="+mn-lt"/>
+                <a:ea typeface="+mn-ea"/>
+                <a:cs typeface="+mn-cs"/>
+              </a:defRPr>
+            </a:lvl6pPr>
+            <a:lvl7pPr marL="2971800" indent="-228600" algn="l" defTabSz="457200" rtl="0" eaLnBrk="1" latinLnBrk="0" hangingPunct="1">
+              <a:spcBef>
+                <a:spcPct val="20000"/>
+              </a:spcBef>
+              <a:buFont typeface="Arial"/>
+              <a:buChar char="•"/>
+              <a:defRPr sz="2000" kern="1200">
+                <a:solidFill>
+                  <a:schemeClr val="tx1"/>
+                </a:solidFill>
+                <a:latin typeface="+mn-lt"/>
+                <a:ea typeface="+mn-ea"/>
+                <a:cs typeface="+mn-cs"/>
+              </a:defRPr>
+            </a:lvl7pPr>
+            <a:lvl8pPr marL="3429000" indent="-228600" algn="l" defTabSz="457200" rtl="0" eaLnBrk="1" latinLnBrk="0" hangingPunct="1">
+              <a:spcBef>
+                <a:spcPct val="20000"/>
+              </a:spcBef>
+              <a:buFont typeface="Arial"/>
+              <a:buChar char="•"/>
+              <a:defRPr sz="2000" kern="1200">
+                <a:solidFill>
+                  <a:schemeClr val="tx1"/>
+                </a:solidFill>
+                <a:latin typeface="+mn-lt"/>
+                <a:ea typeface="+mn-ea"/>
+                <a:cs typeface="+mn-cs"/>
+              </a:defRPr>
+            </a:lvl8pPr>
+            <a:lvl9pPr marL="3886200" indent="-228600" algn="l" defTabSz="457200" rtl="0" eaLnBrk="1" latinLnBrk="0" hangingPunct="1">
+              <a:spcBef>
+                <a:spcPct val="20000"/>
+              </a:spcBef>
+              <a:buFont typeface="Arial"/>
+              <a:buChar char="•"/>
+              <a:defRPr sz="2000" kern="1200">
+                <a:solidFill>
+                  <a:schemeClr val="tx1"/>
+                </a:solidFill>
+                <a:latin typeface="+mn-lt"/>
+                <a:ea typeface="+mn-ea"/>
+                <a:cs typeface="+mn-cs"/>
+              </a:defRPr>
+            </a:lvl9pPr>
+          </a:lstStyle>
+          <a:p>
+            <a:pPr marL="0" indent="0" algn="ctr">
+              <a:buFont typeface="Arial" charset="0"/>
+              <a:buNone/>
+            </a:pPr>
+            <a:r>
+              <a:rPr lang="fr-FR" sz="2000" dirty="0"/>
+              <a:t>Avion i</a:t>
+            </a:r>
+          </a:p>
+          <a:p>
+            <a:pPr marL="0" indent="0" algn="ctr">
+              <a:buFont typeface="Arial" charset="0"/>
+              <a:buNone/>
+            </a:pPr>
+            <a:r>
+              <a:rPr lang="fr-FR" dirty="0"/>
+              <a:t>1</a:t>
+            </a:r>
+          </a:p>
+          <a:p>
+            <a:pPr marL="0" indent="0" algn="ctr">
+              <a:buFont typeface="Arial" charset="0"/>
+              <a:buNone/>
+            </a:pPr>
+            <a:r>
+              <a:rPr lang="fr-FR" strike="sngStrike" dirty="0">
+                <a:solidFill>
+                  <a:srgbClr val="FF0000"/>
+                </a:solidFill>
+              </a:rPr>
+              <a:t>2</a:t>
+            </a:r>
+          </a:p>
+          <a:p>
+            <a:pPr marL="0" indent="0" algn="ctr">
+              <a:buFont typeface="Arial" charset="0"/>
+              <a:buNone/>
+            </a:pPr>
+            <a:r>
+              <a:rPr lang="fr-FR" strike="sngStrike" dirty="0">
+                <a:solidFill>
+                  <a:srgbClr val="FF0000"/>
+                </a:solidFill>
+              </a:rPr>
+              <a:t>3</a:t>
+            </a:r>
+          </a:p>
+          <a:p>
+            <a:pPr marL="0" indent="0" algn="ctr">
+              <a:buFont typeface="Arial" charset="0"/>
+              <a:buNone/>
+            </a:pPr>
+            <a:r>
+              <a:rPr lang="fr-FR" strike="sngStrike" dirty="0">
+                <a:solidFill>
+                  <a:srgbClr val="FF0000"/>
+                </a:solidFill>
+              </a:rPr>
+              <a:t>4</a:t>
+            </a:r>
+          </a:p>
+        </p:txBody>
+      </p:sp>
+      <p:sp>
+        <p:nvSpPr>
+          <p:cNvPr id="11" name="ZoneTexte 10">
+            <a:extLst>
+              <a:ext uri="{FF2B5EF4-FFF2-40B4-BE49-F238E27FC236}">
+                <a16:creationId xmlns:a16="http://schemas.microsoft.com/office/drawing/2014/main" id="{27F3E1DD-0556-8543-999D-0F12718585E7}"/>
+              </a:ext>
+            </a:extLst>
+          </p:cNvPr>
+          <p:cNvSpPr txBox="1"/>
+          <p:nvPr/>
+        </p:nvSpPr>
+        <p:spPr>
+          <a:xfrm>
+            <a:off x="3756449" y="2900931"/>
+            <a:ext cx="1611223" cy="1292662"/>
+          </a:xfrm>
+          <a:prstGeom prst="rect">
+            <a:avLst/>
+          </a:prstGeom>
+          <a:noFill/>
+        </p:spPr>
+        <p:txBody>
+          <a:bodyPr wrap="square" rtlCol="0">
+            <a:spAutoFit/>
+          </a:bodyPr>
+          <a:lstStyle/>
+          <a:p>
+            <a:pPr algn="ctr"/>
+            <a:r>
+              <a:rPr lang="fr-FR" sz="2400" dirty="0"/>
+              <a:t>AC3</a:t>
+            </a:r>
+          </a:p>
+          <a:p>
+            <a:pPr algn="ctr"/>
+            <a:r>
+              <a:rPr lang="fr-FR" dirty="0"/>
+              <a:t>On considère que i effectue la manœuvre 1</a:t>
+            </a:r>
+          </a:p>
+        </p:txBody>
+      </p:sp>
+      <p:cxnSp>
+        <p:nvCxnSpPr>
+          <p:cNvPr id="13" name="Connecteur droit 12">
+            <a:extLst>
+              <a:ext uri="{FF2B5EF4-FFF2-40B4-BE49-F238E27FC236}">
+                <a16:creationId xmlns:a16="http://schemas.microsoft.com/office/drawing/2014/main" id="{0FAD4832-FBD4-5143-93DE-E69F039B5D6F}"/>
+              </a:ext>
+            </a:extLst>
+          </p:cNvPr>
+          <p:cNvCxnSpPr/>
+          <p:nvPr/>
+        </p:nvCxnSpPr>
+        <p:spPr>
+          <a:xfrm>
+            <a:off x="1499561" y="2232837"/>
+            <a:ext cx="598144" cy="0"/>
+          </a:xfrm>
+          <a:prstGeom prst="line">
+            <a:avLst/>
+          </a:prstGeom>
+          <a:ln>
+            <a:solidFill>
+              <a:srgbClr val="CBCCCB"/>
+            </a:solidFill>
+          </a:ln>
+        </p:spPr>
+        <p:style>
+          <a:lnRef idx="2">
+            <a:schemeClr val="accent1"/>
+          </a:lnRef>
+          <a:fillRef idx="0">
+            <a:schemeClr val="accent1"/>
+          </a:fillRef>
+          <a:effectRef idx="1">
+            <a:schemeClr val="accent1"/>
+          </a:effectRef>
+          <a:fontRef idx="minor">
+            <a:schemeClr val="tx1"/>
+          </a:fontRef>
+        </p:style>
+      </p:cxnSp>
+      <p:cxnSp>
+        <p:nvCxnSpPr>
+          <p:cNvPr id="15" name="Connecteur droit 14">
+            <a:extLst>
+              <a:ext uri="{FF2B5EF4-FFF2-40B4-BE49-F238E27FC236}">
+                <a16:creationId xmlns:a16="http://schemas.microsoft.com/office/drawing/2014/main" id="{C0061684-732C-0143-8A6A-31C16DD61359}"/>
+              </a:ext>
+            </a:extLst>
+          </p:cNvPr>
+          <p:cNvCxnSpPr>
+            <a:cxnSpLocks/>
+          </p:cNvCxnSpPr>
+          <p:nvPr/>
+        </p:nvCxnSpPr>
+        <p:spPr>
+          <a:xfrm>
+            <a:off x="1499561" y="2232837"/>
+            <a:ext cx="598144" cy="1714771"/>
+          </a:xfrm>
+          <a:prstGeom prst="line">
+            <a:avLst/>
+          </a:prstGeom>
+          <a:ln>
+            <a:solidFill>
+              <a:srgbClr val="CBCCCB"/>
+            </a:solidFill>
+          </a:ln>
+        </p:spPr>
+        <p:style>
+          <a:lnRef idx="2">
+            <a:schemeClr val="accent1"/>
+          </a:lnRef>
+          <a:fillRef idx="0">
+            <a:schemeClr val="accent1"/>
+          </a:fillRef>
+          <a:effectRef idx="1">
+            <a:schemeClr val="accent1"/>
+          </a:effectRef>
+          <a:fontRef idx="minor">
+            <a:schemeClr val="tx1"/>
+          </a:fontRef>
+        </p:style>
+      </p:cxnSp>
+      <p:cxnSp>
+        <p:nvCxnSpPr>
+          <p:cNvPr id="16" name="Connecteur droit 15">
+            <a:extLst>
+              <a:ext uri="{FF2B5EF4-FFF2-40B4-BE49-F238E27FC236}">
+                <a16:creationId xmlns:a16="http://schemas.microsoft.com/office/drawing/2014/main" id="{BBE26498-1183-AF4C-B9D0-C0D6C75DB23B}"/>
+              </a:ext>
+            </a:extLst>
+          </p:cNvPr>
+          <p:cNvCxnSpPr>
+            <a:cxnSpLocks/>
+          </p:cNvCxnSpPr>
+          <p:nvPr/>
+        </p:nvCxnSpPr>
+        <p:spPr>
+          <a:xfrm flipV="1">
+            <a:off x="1398592" y="2240634"/>
+            <a:ext cx="699113" cy="559716"/>
+          </a:xfrm>
+          <a:prstGeom prst="line">
+            <a:avLst/>
+          </a:prstGeom>
+          <a:ln/>
+        </p:spPr>
+        <p:style>
+          <a:lnRef idx="2">
+            <a:schemeClr val="accent1"/>
+          </a:lnRef>
+          <a:fillRef idx="0">
+            <a:schemeClr val="accent1"/>
+          </a:fillRef>
+          <a:effectRef idx="1">
+            <a:schemeClr val="accent1"/>
+          </a:effectRef>
+          <a:fontRef idx="minor">
+            <a:schemeClr val="tx1"/>
+          </a:fontRef>
+        </p:style>
+      </p:cxnSp>
+      <p:cxnSp>
+        <p:nvCxnSpPr>
+          <p:cNvPr id="17" name="Connecteur droit 16">
+            <a:extLst>
+              <a:ext uri="{FF2B5EF4-FFF2-40B4-BE49-F238E27FC236}">
+                <a16:creationId xmlns:a16="http://schemas.microsoft.com/office/drawing/2014/main" id="{E1B8CF24-60A7-1740-B9EA-25E535A4873F}"/>
+              </a:ext>
+            </a:extLst>
+          </p:cNvPr>
+          <p:cNvCxnSpPr>
+            <a:cxnSpLocks/>
+          </p:cNvCxnSpPr>
+          <p:nvPr/>
+        </p:nvCxnSpPr>
+        <p:spPr>
+          <a:xfrm flipV="1">
+            <a:off x="1398592" y="2800350"/>
+            <a:ext cx="699113" cy="562246"/>
+          </a:xfrm>
+          <a:prstGeom prst="line">
+            <a:avLst/>
+          </a:prstGeom>
+          <a:ln>
+            <a:solidFill>
+              <a:schemeClr val="accent2">
+                <a:lumMod val="60000"/>
+                <a:lumOff val="40000"/>
+              </a:schemeClr>
+            </a:solidFill>
+          </a:ln>
+        </p:spPr>
+        <p:style>
+          <a:lnRef idx="2">
+            <a:schemeClr val="accent1"/>
+          </a:lnRef>
+          <a:fillRef idx="0">
+            <a:schemeClr val="accent1"/>
+          </a:fillRef>
+          <a:effectRef idx="1">
+            <a:schemeClr val="accent1"/>
+          </a:effectRef>
+          <a:fontRef idx="minor">
+            <a:schemeClr val="tx1"/>
+          </a:fontRef>
+        </p:style>
+      </p:cxnSp>
+      <p:cxnSp>
+        <p:nvCxnSpPr>
+          <p:cNvPr id="18" name="Connecteur droit 17">
+            <a:extLst>
+              <a:ext uri="{FF2B5EF4-FFF2-40B4-BE49-F238E27FC236}">
+                <a16:creationId xmlns:a16="http://schemas.microsoft.com/office/drawing/2014/main" id="{B2BF6215-BCF9-7A46-BA0A-B30A1B227375}"/>
+              </a:ext>
+            </a:extLst>
+          </p:cNvPr>
+          <p:cNvCxnSpPr/>
+          <p:nvPr/>
+        </p:nvCxnSpPr>
+        <p:spPr>
+          <a:xfrm>
+            <a:off x="1398592" y="3374203"/>
+            <a:ext cx="598144" cy="0"/>
+          </a:xfrm>
+          <a:prstGeom prst="line">
+            <a:avLst/>
+          </a:prstGeom>
+          <a:ln>
+            <a:solidFill>
+              <a:schemeClr val="accent2">
+                <a:lumMod val="60000"/>
+                <a:lumOff val="40000"/>
+              </a:schemeClr>
+            </a:solidFill>
+          </a:ln>
+        </p:spPr>
+        <p:style>
+          <a:lnRef idx="2">
+            <a:schemeClr val="accent1"/>
+          </a:lnRef>
+          <a:fillRef idx="0">
+            <a:schemeClr val="accent1"/>
+          </a:fillRef>
+          <a:effectRef idx="1">
+            <a:schemeClr val="accent1"/>
+          </a:effectRef>
+          <a:fontRef idx="minor">
+            <a:schemeClr val="tx1"/>
+          </a:fontRef>
+        </p:style>
+      </p:cxnSp>
+      <p:cxnSp>
+        <p:nvCxnSpPr>
+          <p:cNvPr id="24" name="Connecteur droit 23">
+            <a:extLst>
+              <a:ext uri="{FF2B5EF4-FFF2-40B4-BE49-F238E27FC236}">
+                <a16:creationId xmlns:a16="http://schemas.microsoft.com/office/drawing/2014/main" id="{D2954A35-F2A6-B84C-8CDC-FFD503E4B1D2}"/>
+              </a:ext>
+            </a:extLst>
+          </p:cNvPr>
+          <p:cNvCxnSpPr>
+            <a:cxnSpLocks/>
+          </p:cNvCxnSpPr>
+          <p:nvPr/>
+        </p:nvCxnSpPr>
+        <p:spPr>
+          <a:xfrm>
+            <a:off x="1449076" y="3947608"/>
+            <a:ext cx="648629" cy="0"/>
+          </a:xfrm>
+          <a:prstGeom prst="line">
+            <a:avLst/>
+          </a:prstGeom>
+          <a:ln>
+            <a:solidFill>
+              <a:srgbClr val="00B050"/>
+            </a:solidFill>
+          </a:ln>
+        </p:spPr>
+        <p:style>
+          <a:lnRef idx="2">
+            <a:schemeClr val="accent1"/>
+          </a:lnRef>
+          <a:fillRef idx="0">
+            <a:schemeClr val="accent1"/>
+          </a:fillRef>
+          <a:effectRef idx="1">
+            <a:schemeClr val="accent1"/>
+          </a:effectRef>
+          <a:fontRef idx="minor">
+            <a:schemeClr val="tx1"/>
+          </a:fontRef>
+        </p:style>
+      </p:cxnSp>
+      <p:cxnSp>
+        <p:nvCxnSpPr>
+          <p:cNvPr id="27" name="Connecteur droit 26">
+            <a:extLst>
+              <a:ext uri="{FF2B5EF4-FFF2-40B4-BE49-F238E27FC236}">
+                <a16:creationId xmlns:a16="http://schemas.microsoft.com/office/drawing/2014/main" id="{A867EE61-1FF8-F643-856B-283E6D2BA0F6}"/>
+              </a:ext>
+            </a:extLst>
+          </p:cNvPr>
+          <p:cNvCxnSpPr>
+            <a:cxnSpLocks/>
+          </p:cNvCxnSpPr>
+          <p:nvPr/>
+        </p:nvCxnSpPr>
+        <p:spPr>
+          <a:xfrm>
+            <a:off x="2412229" y="2232837"/>
+            <a:ext cx="719278" cy="599647"/>
+          </a:xfrm>
+          <a:prstGeom prst="line">
+            <a:avLst/>
+          </a:prstGeom>
+          <a:ln>
+            <a:solidFill>
+              <a:srgbClr val="CBCCCB"/>
+            </a:solidFill>
+          </a:ln>
+        </p:spPr>
+        <p:style>
+          <a:lnRef idx="2">
+            <a:schemeClr val="accent1"/>
+          </a:lnRef>
+          <a:fillRef idx="0">
+            <a:schemeClr val="accent1"/>
+          </a:fillRef>
+          <a:effectRef idx="1">
+            <a:schemeClr val="accent1"/>
+          </a:effectRef>
+          <a:fontRef idx="minor">
+            <a:schemeClr val="tx1"/>
+          </a:fontRef>
+        </p:style>
+      </p:cxnSp>
+      <p:cxnSp>
+        <p:nvCxnSpPr>
+          <p:cNvPr id="29" name="Connecteur droit 28">
+            <a:extLst>
+              <a:ext uri="{FF2B5EF4-FFF2-40B4-BE49-F238E27FC236}">
+                <a16:creationId xmlns:a16="http://schemas.microsoft.com/office/drawing/2014/main" id="{8D0F0364-F4CF-1C45-A7F6-3F85B9254D55}"/>
+              </a:ext>
+            </a:extLst>
+          </p:cNvPr>
+          <p:cNvCxnSpPr>
+            <a:cxnSpLocks/>
+          </p:cNvCxnSpPr>
+          <p:nvPr/>
+        </p:nvCxnSpPr>
+        <p:spPr>
+          <a:xfrm>
+            <a:off x="2395201" y="2832484"/>
+            <a:ext cx="736306" cy="0"/>
+          </a:xfrm>
+          <a:prstGeom prst="line">
+            <a:avLst/>
+          </a:prstGeom>
+          <a:ln/>
+        </p:spPr>
+        <p:style>
+          <a:lnRef idx="2">
+            <a:schemeClr val="accent1"/>
+          </a:lnRef>
+          <a:fillRef idx="0">
+            <a:schemeClr val="accent1"/>
+          </a:fillRef>
+          <a:effectRef idx="1">
+            <a:schemeClr val="accent1"/>
+          </a:effectRef>
+          <a:fontRef idx="minor">
+            <a:schemeClr val="tx1"/>
+          </a:fontRef>
+        </p:style>
+      </p:cxnSp>
+      <p:cxnSp>
+        <p:nvCxnSpPr>
+          <p:cNvPr id="31" name="Connecteur droit 30">
+            <a:extLst>
+              <a:ext uri="{FF2B5EF4-FFF2-40B4-BE49-F238E27FC236}">
+                <a16:creationId xmlns:a16="http://schemas.microsoft.com/office/drawing/2014/main" id="{9458063D-C0CD-134E-B973-74271A229417}"/>
+              </a:ext>
+            </a:extLst>
+          </p:cNvPr>
+          <p:cNvCxnSpPr>
+            <a:cxnSpLocks/>
+          </p:cNvCxnSpPr>
+          <p:nvPr/>
+        </p:nvCxnSpPr>
+        <p:spPr>
+          <a:xfrm flipV="1">
+            <a:off x="2422311" y="2232837"/>
+            <a:ext cx="754021" cy="1164361"/>
+          </a:xfrm>
+          <a:prstGeom prst="line">
+            <a:avLst/>
+          </a:prstGeom>
+          <a:ln>
+            <a:solidFill>
+              <a:schemeClr val="accent2">
+                <a:lumMod val="60000"/>
+                <a:lumOff val="40000"/>
+              </a:schemeClr>
+            </a:solidFill>
+          </a:ln>
+        </p:spPr>
+        <p:style>
+          <a:lnRef idx="2">
+            <a:schemeClr val="accent1"/>
+          </a:lnRef>
+          <a:fillRef idx="0">
+            <a:schemeClr val="accent1"/>
+          </a:fillRef>
+          <a:effectRef idx="1">
+            <a:schemeClr val="accent1"/>
+          </a:effectRef>
+          <a:fontRef idx="minor">
+            <a:schemeClr val="tx1"/>
+          </a:fontRef>
+        </p:style>
+      </p:cxnSp>
+      <p:cxnSp>
+        <p:nvCxnSpPr>
+          <p:cNvPr id="33" name="Connecteur droit 32">
+            <a:extLst>
+              <a:ext uri="{FF2B5EF4-FFF2-40B4-BE49-F238E27FC236}">
+                <a16:creationId xmlns:a16="http://schemas.microsoft.com/office/drawing/2014/main" id="{A9DD1AEE-8A14-964C-B9AB-919E62774134}"/>
+              </a:ext>
+            </a:extLst>
+          </p:cNvPr>
+          <p:cNvCxnSpPr>
+            <a:cxnSpLocks/>
+          </p:cNvCxnSpPr>
+          <p:nvPr/>
+        </p:nvCxnSpPr>
+        <p:spPr>
+          <a:xfrm flipV="1">
+            <a:off x="2475006" y="3432132"/>
+            <a:ext cx="656501" cy="525736"/>
+          </a:xfrm>
+          <a:prstGeom prst="line">
+            <a:avLst/>
+          </a:prstGeom>
+          <a:ln>
+            <a:solidFill>
+              <a:srgbClr val="00B050"/>
+            </a:solidFill>
+          </a:ln>
+        </p:spPr>
+        <p:style>
+          <a:lnRef idx="2">
+            <a:schemeClr val="accent1"/>
+          </a:lnRef>
+          <a:fillRef idx="0">
+            <a:schemeClr val="accent1"/>
+          </a:fillRef>
+          <a:effectRef idx="1">
+            <a:schemeClr val="accent1"/>
+          </a:effectRef>
+          <a:fontRef idx="minor">
+            <a:schemeClr val="tx1"/>
+          </a:fontRef>
+        </p:style>
+      </p:cxnSp>
+      <p:cxnSp>
+        <p:nvCxnSpPr>
+          <p:cNvPr id="35" name="Connecteur droit 34">
+            <a:extLst>
+              <a:ext uri="{FF2B5EF4-FFF2-40B4-BE49-F238E27FC236}">
+                <a16:creationId xmlns:a16="http://schemas.microsoft.com/office/drawing/2014/main" id="{169B8FB6-D8F7-0545-9CE6-1F07E79FF051}"/>
+              </a:ext>
+            </a:extLst>
+          </p:cNvPr>
+          <p:cNvCxnSpPr/>
+          <p:nvPr/>
+        </p:nvCxnSpPr>
+        <p:spPr>
+          <a:xfrm>
+            <a:off x="6032619" y="2218147"/>
+            <a:ext cx="598144" cy="0"/>
+          </a:xfrm>
+          <a:prstGeom prst="line">
+            <a:avLst/>
+          </a:prstGeom>
+          <a:ln>
+            <a:solidFill>
+              <a:srgbClr val="CBCCCB"/>
+            </a:solidFill>
+          </a:ln>
+        </p:spPr>
+        <p:style>
+          <a:lnRef idx="2">
+            <a:schemeClr val="accent1"/>
+          </a:lnRef>
+          <a:fillRef idx="0">
+            <a:schemeClr val="accent1"/>
+          </a:fillRef>
+          <a:effectRef idx="1">
+            <a:schemeClr val="accent1"/>
+          </a:effectRef>
+          <a:fontRef idx="minor">
+            <a:schemeClr val="tx1"/>
+          </a:fontRef>
+        </p:style>
+      </p:cxnSp>
+      <p:cxnSp>
+        <p:nvCxnSpPr>
+          <p:cNvPr id="37" name="Connecteur droit 36">
+            <a:extLst>
+              <a:ext uri="{FF2B5EF4-FFF2-40B4-BE49-F238E27FC236}">
+                <a16:creationId xmlns:a16="http://schemas.microsoft.com/office/drawing/2014/main" id="{B6D6678B-1FCF-0E45-A9D9-8640792AE1EC}"/>
+              </a:ext>
+            </a:extLst>
+          </p:cNvPr>
+          <p:cNvCxnSpPr>
+            <a:cxnSpLocks/>
+          </p:cNvCxnSpPr>
+          <p:nvPr/>
+        </p:nvCxnSpPr>
+        <p:spPr>
+          <a:xfrm>
+            <a:off x="6032619" y="2218147"/>
+            <a:ext cx="598144" cy="1714771"/>
+          </a:xfrm>
+          <a:prstGeom prst="line">
+            <a:avLst/>
+          </a:prstGeom>
+          <a:ln>
+            <a:solidFill>
+              <a:srgbClr val="CBCCCB"/>
+            </a:solidFill>
+          </a:ln>
+        </p:spPr>
+        <p:style>
+          <a:lnRef idx="2">
+            <a:schemeClr val="accent1"/>
+          </a:lnRef>
+          <a:fillRef idx="0">
+            <a:schemeClr val="accent1"/>
+          </a:fillRef>
+          <a:effectRef idx="1">
+            <a:schemeClr val="accent1"/>
+          </a:effectRef>
+          <a:fontRef idx="minor">
+            <a:schemeClr val="tx1"/>
+          </a:fontRef>
+        </p:style>
+      </p:cxnSp>
+      <p:cxnSp>
+        <p:nvCxnSpPr>
+          <p:cNvPr id="38" name="Connecteur droit 37">
+            <a:extLst>
+              <a:ext uri="{FF2B5EF4-FFF2-40B4-BE49-F238E27FC236}">
+                <a16:creationId xmlns:a16="http://schemas.microsoft.com/office/drawing/2014/main" id="{48DEF0E4-49FB-314E-83A5-C99DAB64B197}"/>
+              </a:ext>
+            </a:extLst>
+          </p:cNvPr>
+          <p:cNvCxnSpPr>
+            <a:cxnSpLocks/>
+          </p:cNvCxnSpPr>
+          <p:nvPr/>
+        </p:nvCxnSpPr>
+        <p:spPr>
+          <a:xfrm>
+            <a:off x="6959107" y="2223006"/>
+            <a:ext cx="685332" cy="609478"/>
+          </a:xfrm>
+          <a:prstGeom prst="line">
+            <a:avLst/>
+          </a:prstGeom>
+          <a:ln>
+            <a:solidFill>
+              <a:srgbClr val="CBCCCB"/>
+            </a:solidFill>
+          </a:ln>
+        </p:spPr>
+        <p:style>
+          <a:lnRef idx="2">
+            <a:schemeClr val="accent1"/>
+          </a:lnRef>
+          <a:fillRef idx="0">
+            <a:schemeClr val="accent1"/>
+          </a:fillRef>
+          <a:effectRef idx="1">
+            <a:schemeClr val="accent1"/>
+          </a:effectRef>
+          <a:fontRef idx="minor">
+            <a:schemeClr val="tx1"/>
+          </a:fontRef>
+        </p:style>
+      </p:cxnSp>
+      <p:cxnSp>
+        <p:nvCxnSpPr>
+          <p:cNvPr id="39" name="Connecteur droit 38">
+            <a:extLst>
+              <a:ext uri="{FF2B5EF4-FFF2-40B4-BE49-F238E27FC236}">
+                <a16:creationId xmlns:a16="http://schemas.microsoft.com/office/drawing/2014/main" id="{C6231BDC-5CEC-7541-904C-E4B4423008F3}"/>
+              </a:ext>
+            </a:extLst>
+          </p:cNvPr>
+          <p:cNvCxnSpPr>
+            <a:cxnSpLocks/>
+          </p:cNvCxnSpPr>
+          <p:nvPr/>
+        </p:nvCxnSpPr>
+        <p:spPr>
+          <a:xfrm flipV="1">
+            <a:off x="7021884" y="3432132"/>
+            <a:ext cx="656501" cy="525736"/>
+          </a:xfrm>
+          <a:prstGeom prst="line">
+            <a:avLst/>
+          </a:prstGeom>
+          <a:ln>
+            <a:solidFill>
+              <a:srgbClr val="00B050"/>
+            </a:solidFill>
+          </a:ln>
+        </p:spPr>
+        <p:style>
+          <a:lnRef idx="2">
+            <a:schemeClr val="accent1"/>
+          </a:lnRef>
+          <a:fillRef idx="0">
+            <a:schemeClr val="accent1"/>
+          </a:fillRef>
+          <a:effectRef idx="1">
+            <a:schemeClr val="accent1"/>
+          </a:effectRef>
+          <a:fontRef idx="minor">
+            <a:schemeClr val="tx1"/>
+          </a:fontRef>
+        </p:style>
+      </p:cxnSp>
+    </p:spTree>
+    <p:extLst>
+      <p:ext uri="{BB962C8B-B14F-4D97-AF65-F5344CB8AC3E}">
+        <p14:creationId xmlns:p14="http://schemas.microsoft.com/office/powerpoint/2010/main" val="1073407073"/>
+      </p:ext>
+    </p:extLst>
+  </p:cSld>
+  <p:clrMapOvr>
+    <a:masterClrMapping/>
+  </p:clrMapOvr>
+</p:sld>
+</file>
+
+<file path=ppt/slides/slide11.xml><?xml version="1.0" encoding="utf-8"?>
+<p:sld xmlns:a="http://schemas.openxmlformats.org/drawingml/2006/main" xmlns:r="http://schemas.openxmlformats.org/officeDocument/2006/relationships" xmlns:p="http://schemas.openxmlformats.org/presentationml/2006/main">
+  <p:cSld>
+    <p:spTree>
+      <p:nvGrpSpPr>
+        <p:cNvPr id="1" name=""/>
+        <p:cNvGrpSpPr/>
+        <p:nvPr/>
+      </p:nvGrpSpPr>
+      <p:grpSpPr>
+        <a:xfrm>
+          <a:off x="0" y="0"/>
+          <a:ext cx="0" cy="0"/>
+          <a:chOff x="0" y="0"/>
+          <a:chExt cx="0" cy="0"/>
+        </a:xfrm>
+      </p:grpSpPr>
+      <p:sp>
+        <p:nvSpPr>
+          <p:cNvPr id="2" name="Title 1">
+            <a:extLst>
+              <a:ext uri="{FF2B5EF4-FFF2-40B4-BE49-F238E27FC236}">
+                <a16:creationId xmlns:a16="http://schemas.microsoft.com/office/drawing/2014/main" id="{86C19C85-9D10-0142-9E6C-5699969E83AD}"/>
+              </a:ext>
+            </a:extLst>
+          </p:cNvPr>
+          <p:cNvSpPr>
+            <a:spLocks noGrp="1"/>
+          </p:cNvSpPr>
+          <p:nvPr>
+            <p:ph type="title"/>
+          </p:nvPr>
+        </p:nvSpPr>
+        <p:spPr>
+          <a:xfrm>
+            <a:off x="1673352" y="350564"/>
+            <a:ext cx="5797296" cy="891540"/>
+          </a:xfrm>
+        </p:spPr>
+        <p:txBody>
+          <a:bodyPr>
+            <a:normAutofit/>
+          </a:bodyPr>
+          <a:lstStyle/>
+          <a:p>
+            <a:r>
+              <a:rPr lang="fr-FR" dirty="0"/>
+              <a:t>II-4.Différentes bornes</a:t>
+            </a:r>
+          </a:p>
+        </p:txBody>
+      </p:sp>
+      <p:sp>
+        <p:nvSpPr>
+          <p:cNvPr id="3" name="Content Placeholder 2">
+            <a:extLst>
+              <a:ext uri="{FF2B5EF4-FFF2-40B4-BE49-F238E27FC236}">
+                <a16:creationId xmlns:a16="http://schemas.microsoft.com/office/drawing/2014/main" id="{ADCD5E77-F4DB-7348-9AC9-CDA027F290DE}"/>
+              </a:ext>
+            </a:extLst>
+          </p:cNvPr>
+          <p:cNvSpPr>
+            <a:spLocks noGrp="1"/>
+          </p:cNvSpPr>
+          <p:nvPr>
+            <p:ph idx="1"/>
+          </p:nvPr>
+        </p:nvSpPr>
+        <p:spPr>
+          <a:xfrm>
+            <a:off x="1279547" y="1431236"/>
+            <a:ext cx="6584634" cy="2910176"/>
+          </a:xfrm>
+        </p:spPr>
+        <p:txBody>
+          <a:bodyPr anchor="ctr">
+            <a:normAutofit/>
+          </a:bodyPr>
+          <a:lstStyle/>
+          <a:p>
+            <a:r>
+              <a:rPr lang="fr-FR" dirty="0">
+                <a:solidFill>
+                  <a:srgbClr val="404040"/>
+                </a:solidFill>
+              </a:rPr>
+              <a:t>Importance du choix de l’heuristique : la borne.</a:t>
+            </a:r>
+          </a:p>
+        </p:txBody>
+      </p:sp>
+    </p:spTree>
+    <p:extLst>
+      <p:ext uri="{BB962C8B-B14F-4D97-AF65-F5344CB8AC3E}">
+        <p14:creationId xmlns:p14="http://schemas.microsoft.com/office/powerpoint/2010/main" val="346452904"/>
+      </p:ext>
+    </p:extLst>
+  </p:cSld>
+  <p:clrMapOvr>
+    <a:masterClrMapping/>
+  </p:clrMapOvr>
+</p:sld>
+</file>
+
+<file path=ppt/slides/slide12.xml><?xml version="1.0" encoding="utf-8"?>
+<p:sld xmlns:a="http://schemas.openxmlformats.org/drawingml/2006/main" xmlns:r="http://schemas.openxmlformats.org/officeDocument/2006/relationships" xmlns:p="http://schemas.openxmlformats.org/presentationml/2006/main">
+  <p:cSld>
+    <p:spTree>
+      <p:nvGrpSpPr>
+        <p:cNvPr id="1" name=""/>
+        <p:cNvGrpSpPr/>
+        <p:nvPr/>
+      </p:nvGrpSpPr>
+      <p:grpSpPr>
+        <a:xfrm>
+          <a:off x="0" y="0"/>
+          <a:ext cx="0" cy="0"/>
+          <a:chOff x="0" y="0"/>
+          <a:chExt cx="0" cy="0"/>
+        </a:xfrm>
+      </p:grpSpPr>
+      <p:sp>
+        <p:nvSpPr>
+          <p:cNvPr id="2" name="Title 1">
+            <a:extLst>
+              <a:ext uri="{FF2B5EF4-FFF2-40B4-BE49-F238E27FC236}">
+                <a16:creationId xmlns:a16="http://schemas.microsoft.com/office/drawing/2014/main" id="{86C19C85-9D10-0142-9E6C-5699969E83AD}"/>
+              </a:ext>
+            </a:extLst>
+          </p:cNvPr>
+          <p:cNvSpPr>
+            <a:spLocks noGrp="1"/>
+          </p:cNvSpPr>
+          <p:nvPr>
+            <p:ph type="title"/>
+          </p:nvPr>
+        </p:nvSpPr>
+        <p:spPr>
+          <a:xfrm>
+            <a:off x="1673352" y="350564"/>
+            <a:ext cx="5797296" cy="891540"/>
+          </a:xfrm>
+        </p:spPr>
+        <p:txBody>
+          <a:bodyPr>
+            <a:normAutofit/>
+          </a:bodyPr>
+          <a:lstStyle/>
+          <a:p>
+            <a:r>
+              <a:rPr lang="fr-FR" dirty="0"/>
+              <a:t>II-4.Différentes bornes</a:t>
+            </a:r>
+          </a:p>
+        </p:txBody>
+      </p:sp>
+      <p:pic>
+        <p:nvPicPr>
+          <p:cNvPr id="7" name="Picture 6">
+            <a:extLst>
+              <a:ext uri="{FF2B5EF4-FFF2-40B4-BE49-F238E27FC236}">
+                <a16:creationId xmlns:a16="http://schemas.microsoft.com/office/drawing/2014/main" id="{BE6E4F67-0303-4B57-9C7A-F2A720A766B8}"/>
+              </a:ext>
+            </a:extLst>
+          </p:cNvPr>
+          <p:cNvPicPr>
+            <a:picLocks noChangeAspect="1"/>
+          </p:cNvPicPr>
+          <p:nvPr/>
+        </p:nvPicPr>
+        <p:blipFill>
+          <a:blip r:embed="rId2"/>
+          <a:stretch>
+            <a:fillRect/>
+          </a:stretch>
+        </p:blipFill>
+        <p:spPr>
+          <a:xfrm>
+            <a:off x="1994794" y="1526055"/>
+            <a:ext cx="5154412" cy="3266881"/>
+          </a:xfrm>
+          <a:prstGeom prst="rect">
+            <a:avLst/>
+          </a:prstGeom>
+        </p:spPr>
+      </p:pic>
+    </p:spTree>
+    <p:extLst>
+      <p:ext uri="{BB962C8B-B14F-4D97-AF65-F5344CB8AC3E}">
+        <p14:creationId xmlns:p14="http://schemas.microsoft.com/office/powerpoint/2010/main" val="2015515298"/>
+      </p:ext>
+    </p:extLst>
+  </p:cSld>
+  <p:clrMapOvr>
+    <a:masterClrMapping/>
+  </p:clrMapOvr>
+</p:sld>
+</file>
+
+<file path=ppt/slides/slide13.xml><?xml version="1.0" encoding="utf-8"?>
+<p:sld xmlns:a="http://schemas.openxmlformats.org/drawingml/2006/main" xmlns:r="http://schemas.openxmlformats.org/officeDocument/2006/relationships" xmlns:p="http://schemas.openxmlformats.org/presentationml/2006/main">
+  <p:cSld>
+    <p:spTree>
+      <p:nvGrpSpPr>
+        <p:cNvPr id="1" name=""/>
+        <p:cNvGrpSpPr/>
+        <p:nvPr/>
+      </p:nvGrpSpPr>
+      <p:grpSpPr>
+        <a:xfrm>
+          <a:off x="0" y="0"/>
+          <a:ext cx="0" cy="0"/>
+          <a:chOff x="0" y="0"/>
+          <a:chExt cx="0" cy="0"/>
+        </a:xfrm>
+      </p:grpSpPr>
+      <p:sp>
+        <p:nvSpPr>
+          <p:cNvPr id="2" name="Title 1">
+            <a:extLst>
+              <a:ext uri="{FF2B5EF4-FFF2-40B4-BE49-F238E27FC236}">
+                <a16:creationId xmlns:a16="http://schemas.microsoft.com/office/drawing/2014/main" id="{86C19C85-9D10-0142-9E6C-5699969E83AD}"/>
+              </a:ext>
+            </a:extLst>
+          </p:cNvPr>
+          <p:cNvSpPr>
+            <a:spLocks noGrp="1"/>
+          </p:cNvSpPr>
+          <p:nvPr>
+            <p:ph type="title"/>
+          </p:nvPr>
+        </p:nvSpPr>
+        <p:spPr>
+          <a:xfrm>
+            <a:off x="1673352" y="350564"/>
+            <a:ext cx="5797296" cy="891540"/>
+          </a:xfrm>
+        </p:spPr>
+        <p:txBody>
+          <a:bodyPr>
+            <a:normAutofit/>
+          </a:bodyPr>
+          <a:lstStyle/>
+          <a:p>
+            <a:r>
+              <a:rPr lang="fr-FR" dirty="0"/>
+              <a:t>II-4.Différentes bornes</a:t>
+            </a:r>
+          </a:p>
+        </p:txBody>
+      </p:sp>
+      <p:sp>
+        <p:nvSpPr>
+          <p:cNvPr id="3" name="Content Placeholder 2">
+            <a:extLst>
+              <a:ext uri="{FF2B5EF4-FFF2-40B4-BE49-F238E27FC236}">
+                <a16:creationId xmlns:a16="http://schemas.microsoft.com/office/drawing/2014/main" id="{ADCD5E77-F4DB-7348-9AC9-CDA027F290DE}"/>
+              </a:ext>
+            </a:extLst>
+          </p:cNvPr>
+          <p:cNvSpPr>
+            <a:spLocks noGrp="1"/>
+          </p:cNvSpPr>
+          <p:nvPr>
+            <p:ph idx="1"/>
+          </p:nvPr>
+        </p:nvSpPr>
+        <p:spPr>
+          <a:xfrm>
+            <a:off x="1279547" y="1431236"/>
+            <a:ext cx="6584634" cy="2910176"/>
+          </a:xfrm>
+        </p:spPr>
+        <p:txBody>
+          <a:bodyPr anchor="ctr">
+            <a:normAutofit/>
+          </a:bodyPr>
+          <a:lstStyle/>
+          <a:p>
+            <a:r>
+              <a:rPr lang="fr-FR" dirty="0">
+                <a:solidFill>
+                  <a:srgbClr val="404040"/>
+                </a:solidFill>
+              </a:rPr>
+              <a:t>2 solutions implémentées :</a:t>
+            </a:r>
+          </a:p>
+          <a:p>
+            <a:pPr lvl="1"/>
+            <a:r>
+              <a:rPr lang="fr-FR" dirty="0">
+                <a:solidFill>
+                  <a:srgbClr val="404040"/>
+                </a:solidFill>
+              </a:rPr>
+              <a:t>Borne naïve : Somme des coûts des manœuvres les moins chères</a:t>
+            </a:r>
+          </a:p>
+          <a:p>
+            <a:pPr lvl="1"/>
+            <a:r>
+              <a:rPr lang="fr-FR" dirty="0">
+                <a:solidFill>
+                  <a:srgbClr val="404040"/>
+                </a:solidFill>
+              </a:rPr>
+              <a:t>Borne « </a:t>
+            </a:r>
+            <a:r>
+              <a:rPr lang="fr-FR" i="1" dirty="0" err="1">
+                <a:solidFill>
+                  <a:srgbClr val="404040"/>
+                </a:solidFill>
+              </a:rPr>
+              <a:t>mij</a:t>
+            </a:r>
+            <a:r>
+              <a:rPr lang="fr-FR" dirty="0">
+                <a:solidFill>
+                  <a:srgbClr val="404040"/>
+                </a:solidFill>
+              </a:rPr>
+              <a:t> » : Somme des coûts des couples de manœuvres les moins chers</a:t>
+            </a:r>
+          </a:p>
+        </p:txBody>
+      </p:sp>
+    </p:spTree>
+    <p:extLst>
+      <p:ext uri="{BB962C8B-B14F-4D97-AF65-F5344CB8AC3E}">
+        <p14:creationId xmlns:p14="http://schemas.microsoft.com/office/powerpoint/2010/main" val="2941451441"/>
+      </p:ext>
+    </p:extLst>
+  </p:cSld>
+  <p:clrMapOvr>
+    <a:masterClrMapping/>
+  </p:clrMapOvr>
+</p:sld>
+</file>
+
+<file path=ppt/slides/slide14.xml><?xml version="1.0" encoding="utf-8"?>
+<p:sld xmlns:a="http://schemas.openxmlformats.org/drawingml/2006/main" xmlns:r="http://schemas.openxmlformats.org/officeDocument/2006/relationships" xmlns:p="http://schemas.openxmlformats.org/presentationml/2006/main">
+  <p:cSld>
+    <p:spTree>
+      <p:nvGrpSpPr>
+        <p:cNvPr id="1" name=""/>
+        <p:cNvGrpSpPr/>
+        <p:nvPr/>
+      </p:nvGrpSpPr>
+      <p:grpSpPr>
+        <a:xfrm>
+          <a:off x="0" y="0"/>
+          <a:ext cx="0" cy="0"/>
+          <a:chOff x="0" y="0"/>
+          <a:chExt cx="0" cy="0"/>
+        </a:xfrm>
+      </p:grpSpPr>
+      <p:sp>
+        <p:nvSpPr>
+          <p:cNvPr id="2" name="Title 1">
+            <a:extLst>
+              <a:ext uri="{FF2B5EF4-FFF2-40B4-BE49-F238E27FC236}">
+                <a16:creationId xmlns:a16="http://schemas.microsoft.com/office/drawing/2014/main" id="{B7E30DAD-1E74-7349-A5F1-455F3E1865EF}"/>
+              </a:ext>
+            </a:extLst>
+          </p:cNvPr>
+          <p:cNvSpPr>
+            <a:spLocks noGrp="1"/>
+          </p:cNvSpPr>
+          <p:nvPr>
+            <p:ph type="title"/>
+          </p:nvPr>
+        </p:nvSpPr>
+        <p:spPr>
+          <a:xfrm>
+            <a:off x="1335819" y="350564"/>
+            <a:ext cx="7052807" cy="891540"/>
+          </a:xfrm>
+        </p:spPr>
+        <p:txBody>
+          <a:bodyPr>
+            <a:normAutofit fontScale="90000"/>
+          </a:bodyPr>
+          <a:lstStyle/>
+          <a:p>
+            <a:r>
+              <a:rPr lang="fr-FR" dirty="0"/>
+              <a:t>III-Evaluation des performances  </a:t>
+            </a:r>
+          </a:p>
+        </p:txBody>
+      </p:sp>
+      <p:sp>
+        <p:nvSpPr>
+          <p:cNvPr id="3" name="Content Placeholder 2">
+            <a:extLst>
+              <a:ext uri="{FF2B5EF4-FFF2-40B4-BE49-F238E27FC236}">
+                <a16:creationId xmlns:a16="http://schemas.microsoft.com/office/drawing/2014/main" id="{C375FF70-D5FF-6149-8B91-D6D441965858}"/>
+              </a:ext>
+            </a:extLst>
+          </p:cNvPr>
+          <p:cNvSpPr>
+            <a:spLocks noGrp="1"/>
+          </p:cNvSpPr>
+          <p:nvPr>
+            <p:ph idx="1"/>
+          </p:nvPr>
+        </p:nvSpPr>
+        <p:spPr>
+          <a:xfrm>
+            <a:off x="1279547" y="1718447"/>
+            <a:ext cx="6584634" cy="2159442"/>
+          </a:xfrm>
+        </p:spPr>
+        <p:txBody>
+          <a:bodyPr>
+            <a:normAutofit fontScale="70000" lnSpcReduction="20000"/>
+          </a:bodyPr>
+          <a:lstStyle/>
+          <a:p>
+            <a:r>
+              <a:rPr lang="fr-FR" sz="2800" dirty="0">
+                <a:solidFill>
+                  <a:srgbClr val="404040"/>
+                </a:solidFill>
+              </a:rPr>
+              <a:t>Mesure du nombre de nœuds explorés en fonction du nombre d’avions</a:t>
+            </a:r>
+          </a:p>
+          <a:p>
+            <a:pPr marL="0" indent="0">
+              <a:buNone/>
+            </a:pPr>
+            <a:endParaRPr lang="fr-FR" sz="2800" dirty="0">
+              <a:solidFill>
+                <a:srgbClr val="404040"/>
+              </a:solidFill>
+            </a:endParaRPr>
+          </a:p>
+          <a:p>
+            <a:r>
+              <a:rPr lang="fr-FR" sz="2800" dirty="0">
+                <a:solidFill>
+                  <a:srgbClr val="404040"/>
+                </a:solidFill>
+              </a:rPr>
+              <a:t>Trois paramètres : </a:t>
+            </a:r>
+          </a:p>
+          <a:p>
+            <a:pPr lvl="1"/>
+            <a:r>
+              <a:rPr lang="fr-FR" sz="2400" dirty="0">
+                <a:solidFill>
+                  <a:srgbClr val="404040"/>
+                </a:solidFill>
+              </a:rPr>
+              <a:t>Filtre </a:t>
+            </a:r>
+          </a:p>
+          <a:p>
+            <a:pPr lvl="1"/>
+            <a:r>
+              <a:rPr lang="fr-FR" sz="2400" dirty="0">
+                <a:solidFill>
+                  <a:srgbClr val="404040"/>
+                </a:solidFill>
+              </a:rPr>
+              <a:t>Borne</a:t>
+            </a:r>
+          </a:p>
+          <a:p>
+            <a:pPr lvl="1"/>
+            <a:r>
+              <a:rPr lang="fr-FR" sz="2400" dirty="0">
+                <a:solidFill>
+                  <a:srgbClr val="404040"/>
+                </a:solidFill>
+              </a:rPr>
+              <a:t>Choix de l’avion initial</a:t>
+            </a:r>
+          </a:p>
+          <a:p>
+            <a:pPr marL="0" indent="0">
+              <a:buNone/>
+            </a:pPr>
+            <a:endParaRPr lang="fr-FR" sz="2800" dirty="0">
+              <a:solidFill>
+                <a:srgbClr val="404040"/>
+              </a:solidFill>
+            </a:endParaRPr>
+          </a:p>
+        </p:txBody>
+      </p:sp>
+    </p:spTree>
+    <p:extLst>
+      <p:ext uri="{BB962C8B-B14F-4D97-AF65-F5344CB8AC3E}">
+        <p14:creationId xmlns:p14="http://schemas.microsoft.com/office/powerpoint/2010/main" val="457789343"/>
+      </p:ext>
+    </p:extLst>
+  </p:cSld>
+  <p:clrMapOvr>
+    <a:masterClrMapping/>
+  </p:clrMapOvr>
+</p:sld>
+</file>
+
+<file path=ppt/slides/slide15.xml><?xml version="1.0" encoding="utf-8"?>
+<p:sld xmlns:a="http://schemas.openxmlformats.org/drawingml/2006/main" xmlns:r="http://schemas.openxmlformats.org/officeDocument/2006/relationships" xmlns:p="http://schemas.openxmlformats.org/presentationml/2006/main">
+  <p:cSld>
+    <p:spTree>
+      <p:nvGrpSpPr>
+        <p:cNvPr id="1" name=""/>
+        <p:cNvGrpSpPr/>
+        <p:nvPr/>
+      </p:nvGrpSpPr>
+      <p:grpSpPr>
+        <a:xfrm>
+          <a:off x="0" y="0"/>
+          <a:ext cx="0" cy="0"/>
+          <a:chOff x="0" y="0"/>
+          <a:chExt cx="0" cy="0"/>
+        </a:xfrm>
+      </p:grpSpPr>
+      <p:sp>
+        <p:nvSpPr>
+          <p:cNvPr id="2" name="Title 1">
+            <a:extLst>
+              <a:ext uri="{FF2B5EF4-FFF2-40B4-BE49-F238E27FC236}">
+                <a16:creationId xmlns:a16="http://schemas.microsoft.com/office/drawing/2014/main" id="{5D02964E-D9A5-354B-BF61-CE1C4E0DAA78}"/>
+              </a:ext>
+            </a:extLst>
+          </p:cNvPr>
+          <p:cNvSpPr>
+            <a:spLocks noGrp="1"/>
+          </p:cNvSpPr>
+          <p:nvPr>
+            <p:ph type="title"/>
+          </p:nvPr>
+        </p:nvSpPr>
+        <p:spPr>
+          <a:xfrm>
+            <a:off x="838862" y="282388"/>
+            <a:ext cx="8229600" cy="857250"/>
+          </a:xfrm>
+        </p:spPr>
+        <p:txBody>
+          <a:bodyPr/>
+          <a:lstStyle/>
+          <a:p>
+            <a:r>
+              <a:rPr lang="fr-FR" dirty="0"/>
+              <a:t>III-Evaluation des performances </a:t>
+            </a:r>
+          </a:p>
+        </p:txBody>
+      </p:sp>
+      <p:sp>
+        <p:nvSpPr>
+          <p:cNvPr id="3" name="Content Placeholder 2">
+            <a:extLst>
+              <a:ext uri="{FF2B5EF4-FFF2-40B4-BE49-F238E27FC236}">
+                <a16:creationId xmlns:a16="http://schemas.microsoft.com/office/drawing/2014/main" id="{9596CD04-AA17-4847-A609-39B63F1E5140}"/>
+              </a:ext>
+            </a:extLst>
+          </p:cNvPr>
+          <p:cNvSpPr>
+            <a:spLocks noGrp="1"/>
+          </p:cNvSpPr>
+          <p:nvPr>
+            <p:ph sz="half" idx="1"/>
+          </p:nvPr>
+        </p:nvSpPr>
+        <p:spPr/>
+        <p:txBody>
+          <a:bodyPr/>
+          <a:lstStyle/>
+          <a:p>
+            <a:r>
+              <a:rPr lang="fr-FR" dirty="0"/>
+              <a:t>Effet de la borne</a:t>
+            </a:r>
+          </a:p>
+        </p:txBody>
+      </p:sp>
+      <p:sp>
+        <p:nvSpPr>
+          <p:cNvPr id="4" name="Content Placeholder 3">
+            <a:extLst>
+              <a:ext uri="{FF2B5EF4-FFF2-40B4-BE49-F238E27FC236}">
+                <a16:creationId xmlns:a16="http://schemas.microsoft.com/office/drawing/2014/main" id="{6F0B911F-1432-D04E-B25B-65C682311E05}"/>
+              </a:ext>
+            </a:extLst>
+          </p:cNvPr>
+          <p:cNvSpPr>
+            <a:spLocks noGrp="1"/>
+          </p:cNvSpPr>
+          <p:nvPr>
+            <p:ph sz="half" idx="2"/>
+          </p:nvPr>
+        </p:nvSpPr>
+        <p:spPr/>
+        <p:txBody>
+          <a:bodyPr/>
+          <a:lstStyle/>
+          <a:p>
+            <a:r>
+              <a:rPr lang="fr-FR" dirty="0"/>
+              <a:t>Effet du filtre</a:t>
+            </a:r>
+          </a:p>
+        </p:txBody>
+      </p:sp>
+      <p:pic>
+        <p:nvPicPr>
+          <p:cNvPr id="6" name="Picture 5">
+            <a:extLst>
+              <a:ext uri="{FF2B5EF4-FFF2-40B4-BE49-F238E27FC236}">
+                <a16:creationId xmlns:a16="http://schemas.microsoft.com/office/drawing/2014/main" id="{764B36A1-32A0-9E4E-BA9A-5D9BAC5ECCEC}"/>
+              </a:ext>
+            </a:extLst>
+          </p:cNvPr>
+          <p:cNvPicPr>
+            <a:picLocks noChangeAspect="1"/>
+          </p:cNvPicPr>
+          <p:nvPr/>
+        </p:nvPicPr>
+        <p:blipFill>
+          <a:blip r:embed="rId2"/>
+          <a:stretch>
+            <a:fillRect/>
+          </a:stretch>
+        </p:blipFill>
+        <p:spPr>
+          <a:xfrm>
+            <a:off x="457200" y="1883657"/>
+            <a:ext cx="3711388" cy="2418280"/>
+          </a:xfrm>
+          <a:prstGeom prst="rect">
+            <a:avLst/>
+          </a:prstGeom>
+        </p:spPr>
+      </p:pic>
+      <p:pic>
+        <p:nvPicPr>
+          <p:cNvPr id="8" name="Picture 7">
+            <a:extLst>
+              <a:ext uri="{FF2B5EF4-FFF2-40B4-BE49-F238E27FC236}">
+                <a16:creationId xmlns:a16="http://schemas.microsoft.com/office/drawing/2014/main" id="{E7D91612-AC61-FE4E-9715-E07DD2FCA23A}"/>
+              </a:ext>
+            </a:extLst>
+          </p:cNvPr>
+          <p:cNvPicPr>
+            <a:picLocks noChangeAspect="1"/>
+          </p:cNvPicPr>
+          <p:nvPr/>
+        </p:nvPicPr>
+        <p:blipFill>
+          <a:blip r:embed="rId3"/>
+          <a:stretch>
+            <a:fillRect/>
+          </a:stretch>
+        </p:blipFill>
+        <p:spPr>
+          <a:xfrm>
+            <a:off x="4696198" y="1936375"/>
+            <a:ext cx="3942603" cy="2365562"/>
+          </a:xfrm>
+          <a:prstGeom prst="rect">
+            <a:avLst/>
+          </a:prstGeom>
+        </p:spPr>
+      </p:pic>
+    </p:spTree>
+    <p:extLst>
+      <p:ext uri="{BB962C8B-B14F-4D97-AF65-F5344CB8AC3E}">
+        <p14:creationId xmlns:p14="http://schemas.microsoft.com/office/powerpoint/2010/main" val="4118968671"/>
+      </p:ext>
+    </p:extLst>
+  </p:cSld>
+  <p:clrMapOvr>
+    <a:masterClrMapping/>
+  </p:clrMapOvr>
+</p:sld>
+</file>
+
+<file path=ppt/slides/slide16.xml><?xml version="1.0" encoding="utf-8"?>
+<p:sld xmlns:a="http://schemas.openxmlformats.org/drawingml/2006/main" xmlns:r="http://schemas.openxmlformats.org/officeDocument/2006/relationships" xmlns:p="http://schemas.openxmlformats.org/presentationml/2006/main">
+  <p:cSld>
+    <p:spTree>
+      <p:nvGrpSpPr>
+        <p:cNvPr id="1" name=""/>
+        <p:cNvGrpSpPr/>
+        <p:nvPr/>
+      </p:nvGrpSpPr>
+      <p:grpSpPr>
+        <a:xfrm>
+          <a:off x="0" y="0"/>
+          <a:ext cx="0" cy="0"/>
+          <a:chOff x="0" y="0"/>
+          <a:chExt cx="0" cy="0"/>
+        </a:xfrm>
+      </p:grpSpPr>
+      <p:sp>
+        <p:nvSpPr>
+          <p:cNvPr id="2" name="Title 1">
+            <a:extLst>
+              <a:ext uri="{FF2B5EF4-FFF2-40B4-BE49-F238E27FC236}">
+                <a16:creationId xmlns:a16="http://schemas.microsoft.com/office/drawing/2014/main" id="{5D02964E-D9A5-354B-BF61-CE1C4E0DAA78}"/>
+              </a:ext>
+            </a:extLst>
+          </p:cNvPr>
+          <p:cNvSpPr>
+            <a:spLocks noGrp="1"/>
+          </p:cNvSpPr>
+          <p:nvPr>
+            <p:ph type="title"/>
+          </p:nvPr>
+        </p:nvSpPr>
+        <p:spPr/>
+        <p:txBody>
+          <a:bodyPr/>
+          <a:lstStyle/>
+          <a:p>
+            <a:r>
+              <a:rPr lang="fr-FR" dirty="0"/>
+              <a:t>Evaluation des performances</a:t>
+            </a:r>
+          </a:p>
+        </p:txBody>
+      </p:sp>
+      <p:sp>
+        <p:nvSpPr>
+          <p:cNvPr id="3" name="Content Placeholder 2">
+            <a:extLst>
+              <a:ext uri="{FF2B5EF4-FFF2-40B4-BE49-F238E27FC236}">
+                <a16:creationId xmlns:a16="http://schemas.microsoft.com/office/drawing/2014/main" id="{9596CD04-AA17-4847-A609-39B63F1E5140}"/>
+              </a:ext>
+            </a:extLst>
+          </p:cNvPr>
+          <p:cNvSpPr>
+            <a:spLocks noGrp="1"/>
+          </p:cNvSpPr>
+          <p:nvPr>
+            <p:ph sz="half" idx="1"/>
+          </p:nvPr>
+        </p:nvSpPr>
+        <p:spPr/>
+        <p:txBody>
+          <a:bodyPr/>
+          <a:lstStyle/>
+          <a:p>
+            <a:r>
+              <a:rPr lang="fr-FR" dirty="0"/>
+              <a:t>Effet de la borne</a:t>
+            </a:r>
+          </a:p>
+        </p:txBody>
+      </p:sp>
+      <p:sp>
+        <p:nvSpPr>
+          <p:cNvPr id="4" name="Content Placeholder 3">
+            <a:extLst>
+              <a:ext uri="{FF2B5EF4-FFF2-40B4-BE49-F238E27FC236}">
+                <a16:creationId xmlns:a16="http://schemas.microsoft.com/office/drawing/2014/main" id="{6F0B911F-1432-D04E-B25B-65C682311E05}"/>
+              </a:ext>
+            </a:extLst>
+          </p:cNvPr>
+          <p:cNvSpPr>
+            <a:spLocks noGrp="1"/>
+          </p:cNvSpPr>
+          <p:nvPr>
+            <p:ph sz="half" idx="2"/>
+          </p:nvPr>
+        </p:nvSpPr>
+        <p:spPr/>
+        <p:txBody>
+          <a:bodyPr/>
+          <a:lstStyle/>
+          <a:p>
+            <a:r>
+              <a:rPr lang="fr-FR" dirty="0"/>
+              <a:t>Effet du filtre</a:t>
+            </a:r>
+          </a:p>
+        </p:txBody>
+      </p:sp>
+      <p:pic>
+        <p:nvPicPr>
+          <p:cNvPr id="6" name="Picture 5">
+            <a:extLst>
+              <a:ext uri="{FF2B5EF4-FFF2-40B4-BE49-F238E27FC236}">
+                <a16:creationId xmlns:a16="http://schemas.microsoft.com/office/drawing/2014/main" id="{764B36A1-32A0-9E4E-BA9A-5D9BAC5ECCEC}"/>
+              </a:ext>
+            </a:extLst>
+          </p:cNvPr>
+          <p:cNvPicPr>
+            <a:picLocks noChangeAspect="1"/>
+          </p:cNvPicPr>
+          <p:nvPr/>
+        </p:nvPicPr>
+        <p:blipFill>
+          <a:blip r:embed="rId2"/>
+          <a:stretch>
+            <a:fillRect/>
+          </a:stretch>
+        </p:blipFill>
+        <p:spPr>
+          <a:xfrm>
+            <a:off x="457200" y="1883657"/>
+            <a:ext cx="3711388" cy="2418280"/>
+          </a:xfrm>
+          <a:prstGeom prst="rect">
+            <a:avLst/>
+          </a:prstGeom>
+        </p:spPr>
+      </p:pic>
+      <p:pic>
+        <p:nvPicPr>
+          <p:cNvPr id="7" name="Picture 6">
+            <a:extLst>
+              <a:ext uri="{FF2B5EF4-FFF2-40B4-BE49-F238E27FC236}">
+                <a16:creationId xmlns:a16="http://schemas.microsoft.com/office/drawing/2014/main" id="{8E038A13-26BA-1144-A3C2-8FEE1DC5907D}"/>
+              </a:ext>
+            </a:extLst>
+          </p:cNvPr>
+          <p:cNvPicPr>
+            <a:picLocks noChangeAspect="1"/>
+          </p:cNvPicPr>
+          <p:nvPr/>
+        </p:nvPicPr>
+        <p:blipFill>
+          <a:blip r:embed="rId3"/>
+          <a:stretch>
+            <a:fillRect/>
+          </a:stretch>
+        </p:blipFill>
+        <p:spPr>
+          <a:xfrm>
+            <a:off x="4786498" y="1883657"/>
+            <a:ext cx="4281301" cy="2418280"/>
+          </a:xfrm>
+          <a:prstGeom prst="rect">
+            <a:avLst/>
+          </a:prstGeom>
+        </p:spPr>
+      </p:pic>
+    </p:spTree>
+    <p:extLst>
+      <p:ext uri="{BB962C8B-B14F-4D97-AF65-F5344CB8AC3E}">
+        <p14:creationId xmlns:p14="http://schemas.microsoft.com/office/powerpoint/2010/main" val="4157652859"/>
+      </p:ext>
+    </p:extLst>
+  </p:cSld>
+  <p:clrMapOvr>
+    <a:masterClrMapping/>
+  </p:clrMapOvr>
+</p:sld>
+</file>
+
+<file path=ppt/slides/slide17.xml><?xml version="1.0" encoding="utf-8"?>
+<p:sld xmlns:a="http://schemas.openxmlformats.org/drawingml/2006/main" xmlns:r="http://schemas.openxmlformats.org/officeDocument/2006/relationships" xmlns:p="http://schemas.openxmlformats.org/presentationml/2006/main">
+  <p:cSld>
+    <p:spTree>
+      <p:nvGrpSpPr>
+        <p:cNvPr id="1" name=""/>
+        <p:cNvGrpSpPr/>
+        <p:nvPr/>
+      </p:nvGrpSpPr>
+      <p:grpSpPr>
+        <a:xfrm>
+          <a:off x="0" y="0"/>
+          <a:ext cx="0" cy="0"/>
+          <a:chOff x="0" y="0"/>
+          <a:chExt cx="0" cy="0"/>
+        </a:xfrm>
+      </p:grpSpPr>
+      <p:sp>
+        <p:nvSpPr>
+          <p:cNvPr id="2" name="Title 1">
+            <a:extLst>
+              <a:ext uri="{FF2B5EF4-FFF2-40B4-BE49-F238E27FC236}">
+                <a16:creationId xmlns:a16="http://schemas.microsoft.com/office/drawing/2014/main" id="{2DBA6965-7C27-9A4D-97D6-57DDA9195A60}"/>
+              </a:ext>
+            </a:extLst>
+          </p:cNvPr>
+          <p:cNvSpPr>
+            <a:spLocks noGrp="1"/>
+          </p:cNvSpPr>
+          <p:nvPr>
+            <p:ph type="title"/>
+          </p:nvPr>
+        </p:nvSpPr>
+        <p:spPr>
+          <a:xfrm>
+            <a:off x="1673352" y="350564"/>
+            <a:ext cx="5797296" cy="891540"/>
+          </a:xfrm>
+        </p:spPr>
+        <p:txBody>
+          <a:bodyPr>
+            <a:normAutofit fontScale="90000"/>
+          </a:bodyPr>
+          <a:lstStyle/>
+          <a:p>
+            <a:r>
+              <a:rPr lang="fr-FR" dirty="0"/>
+              <a:t>IV-Conclusion et ouverture</a:t>
+            </a:r>
+          </a:p>
+        </p:txBody>
+      </p:sp>
+      <p:sp>
+        <p:nvSpPr>
+          <p:cNvPr id="3" name="Content Placeholder 2">
+            <a:extLst>
+              <a:ext uri="{FF2B5EF4-FFF2-40B4-BE49-F238E27FC236}">
+                <a16:creationId xmlns:a16="http://schemas.microsoft.com/office/drawing/2014/main" id="{B6A1F5A7-46E0-D64E-A84F-CBBEFB1D9118}"/>
+              </a:ext>
+            </a:extLst>
+          </p:cNvPr>
+          <p:cNvSpPr>
+            <a:spLocks noGrp="1"/>
+          </p:cNvSpPr>
+          <p:nvPr>
+            <p:ph idx="1"/>
+          </p:nvPr>
+        </p:nvSpPr>
+        <p:spPr>
+          <a:xfrm>
+            <a:off x="1279547" y="1718447"/>
+            <a:ext cx="6584634" cy="1616424"/>
+          </a:xfrm>
+        </p:spPr>
+        <p:txBody>
+          <a:bodyPr>
+            <a:normAutofit/>
+          </a:bodyPr>
+          <a:lstStyle/>
+          <a:p>
+            <a:r>
+              <a:rPr lang="fr-FR" sz="2800" dirty="0">
+                <a:solidFill>
+                  <a:srgbClr val="404040"/>
+                </a:solidFill>
+              </a:rPr>
+              <a:t>Travail réalisé</a:t>
+            </a:r>
+          </a:p>
+          <a:p>
+            <a:r>
+              <a:rPr lang="fr-FR" sz="2800" dirty="0">
+                <a:solidFill>
+                  <a:srgbClr val="404040"/>
+                </a:solidFill>
+              </a:rPr>
+              <a:t>Poursuite du projet</a:t>
+            </a:r>
+            <a:endParaRPr lang="fr-FR" dirty="0">
+              <a:solidFill>
+                <a:srgbClr val="404040"/>
+              </a:solidFill>
+            </a:endParaRPr>
+          </a:p>
+          <a:p>
+            <a:r>
+              <a:rPr lang="fr-FR" sz="2800" dirty="0">
+                <a:solidFill>
+                  <a:srgbClr val="404040"/>
+                </a:solidFill>
+              </a:rPr>
+              <a:t>Notre regard sur ce projet</a:t>
+            </a:r>
+          </a:p>
+        </p:txBody>
+      </p:sp>
+    </p:spTree>
+    <p:extLst>
+      <p:ext uri="{BB962C8B-B14F-4D97-AF65-F5344CB8AC3E}">
+        <p14:creationId xmlns:p14="http://schemas.microsoft.com/office/powerpoint/2010/main" val="3829534061"/>
       </p:ext>
     </p:extLst>
   </p:cSld>
@@ -3924,52 +7088,216 @@
           <a:lstStyle/>
           <a:p>
             <a:r>
-              <a:rPr lang="fr-FR"/>
-              <a:t>Présentation du sujet</a:t>
-            </a:r>
-          </a:p>
-        </p:txBody>
-      </p:sp>
-      <p:sp>
-        <p:nvSpPr>
-          <p:cNvPr id="3" name="Content Placeholder 2">
-            <a:extLst>
-              <a:ext uri="{FF2B5EF4-FFF2-40B4-BE49-F238E27FC236}">
-                <a16:creationId xmlns:a16="http://schemas.microsoft.com/office/drawing/2014/main" id="{ABDB780B-6145-B04A-8FB3-1AC1621EAFF2}"/>
-              </a:ext>
-            </a:extLst>
-          </p:cNvPr>
-          <p:cNvSpPr>
-            <a:spLocks noGrp="1"/>
-          </p:cNvSpPr>
-          <p:nvPr>
-            <p:ph idx="1"/>
-          </p:nvPr>
+              <a:rPr lang="en-US" altLang="zh-CN" dirty="0"/>
+              <a:t>Plan</a:t>
+            </a:r>
+            <a:endParaRPr lang="fr-FR" dirty="0"/>
+          </a:p>
+        </p:txBody>
+      </p:sp>
+      <p:sp>
+        <p:nvSpPr>
+          <p:cNvPr id="3" name="矩形 2"/>
+          <p:cNvSpPr/>
+          <p:nvPr/>
         </p:nvSpPr>
         <p:spPr>
           <a:xfrm>
-            <a:off x="1279547" y="1718447"/>
-            <a:ext cx="6584634" cy="2159442"/>
-          </a:xfrm>
-        </p:spPr>
-        <p:txBody>
-          <a:bodyPr>
-            <a:normAutofit/>
+            <a:off x="1427870" y="1388363"/>
+            <a:ext cx="7244862" cy="4616648"/>
+          </a:xfrm>
+          <a:prstGeom prst="rect">
+            <a:avLst/>
+          </a:prstGeom>
+        </p:spPr>
+        <p:txBody>
+          <a:bodyPr wrap="square">
+            <a:spAutoFit/>
           </a:bodyPr>
           <a:lstStyle/>
           <a:p>
-            <a:endParaRPr lang="fr-FR">
+            <a:pPr marL="342900" indent="-342900" algn="just">
+              <a:buFont typeface="Arial" panose="020B0604020202020204" pitchFamily="34" charset="0"/>
+              <a:buChar char="•"/>
+            </a:pPr>
+            <a:r>
+              <a:rPr lang="fr-FR" altLang="zh-CN" sz="2400" dirty="0"/>
+              <a:t>I-Présentation du sujet</a:t>
+            </a:r>
+          </a:p>
+          <a:p>
+            <a:pPr marL="342900" indent="-342900" algn="just">
+              <a:buFont typeface="Arial" panose="020B0604020202020204" pitchFamily="34" charset="0"/>
+              <a:buChar char="•"/>
+            </a:pPr>
+            <a:r>
+              <a:rPr lang="fr-FR" altLang="zh-CN" sz="2400" dirty="0"/>
+              <a:t>II-Présentation de notre programme</a:t>
+            </a:r>
+          </a:p>
+          <a:p>
+            <a:pPr algn="just"/>
+            <a:r>
+              <a:rPr lang="fr-FR" altLang="zh-CN" sz="2400" dirty="0">
+                <a:solidFill>
+                  <a:srgbClr val="404040"/>
+                </a:solidFill>
+              </a:rPr>
+              <a:t>	</a:t>
+            </a:r>
+            <a:r>
+              <a:rPr lang="fr-FR" altLang="zh-CN" sz="2000" dirty="0">
+                <a:solidFill>
+                  <a:srgbClr val="404040"/>
+                </a:solidFill>
+              </a:rPr>
+              <a:t>1</a:t>
+            </a:r>
+            <a:r>
+              <a:rPr lang="fr-FR" altLang="zh-CN" sz="2400" dirty="0">
+                <a:solidFill>
+                  <a:srgbClr val="404040"/>
+                </a:solidFill>
+              </a:rPr>
+              <a:t>. L’algorithme </a:t>
+            </a:r>
+            <a:r>
+              <a:rPr lang="fr-FR" altLang="zh-CN" sz="2000" dirty="0">
+                <a:solidFill>
+                  <a:srgbClr val="404040"/>
+                </a:solidFill>
+              </a:rPr>
+              <a:t>Branch </a:t>
+            </a:r>
+            <a:r>
+              <a:rPr lang="en-US" altLang="zh-CN" sz="2000" dirty="0">
+                <a:solidFill>
+                  <a:srgbClr val="404040"/>
+                </a:solidFill>
+              </a:rPr>
+              <a:t>and </a:t>
+            </a:r>
+            <a:r>
+              <a:rPr lang="fr-FR" altLang="zh-CN" sz="2000" dirty="0" err="1">
+                <a:solidFill>
+                  <a:srgbClr val="404040"/>
+                </a:solidFill>
+              </a:rPr>
+              <a:t>Bound</a:t>
+            </a:r>
+            <a:endParaRPr lang="fr-FR" altLang="zh-CN" sz="2000" dirty="0">
               <a:solidFill>
                 <a:srgbClr val="404040"/>
               </a:solidFill>
             </a:endParaRPr>
           </a:p>
+          <a:p>
+            <a:pPr algn="just"/>
+            <a:r>
+              <a:rPr lang="fr-FR" altLang="zh-CN" sz="2000" dirty="0">
+                <a:solidFill>
+                  <a:srgbClr val="404040"/>
+                </a:solidFill>
+              </a:rPr>
+              <a:t>	2. Différents modules</a:t>
+            </a:r>
+          </a:p>
+          <a:p>
+            <a:pPr algn="just"/>
+            <a:r>
+              <a:rPr lang="fr-FR" altLang="zh-CN" sz="2000" dirty="0">
+                <a:solidFill>
+                  <a:srgbClr val="404040"/>
+                </a:solidFill>
+              </a:rPr>
+              <a:t>	3. Différents filtres</a:t>
+            </a:r>
+          </a:p>
+          <a:p>
+            <a:pPr algn="just"/>
+            <a:r>
+              <a:rPr lang="fr-FR" altLang="zh-CN" sz="2000" dirty="0">
+                <a:solidFill>
+                  <a:srgbClr val="404040"/>
+                </a:solidFill>
+              </a:rPr>
+              <a:t>	4.Différentes bornes</a:t>
+            </a:r>
+          </a:p>
+          <a:p>
+            <a:pPr marL="342900" indent="-342900" algn="just">
+              <a:buFont typeface="Arial" panose="020B0604020202020204" pitchFamily="34" charset="0"/>
+              <a:buChar char="•"/>
+            </a:pPr>
+            <a:r>
+              <a:rPr lang="fr-FR" altLang="zh-CN" sz="2400" dirty="0"/>
+              <a:t>III-Evaluation des performances</a:t>
+            </a:r>
+          </a:p>
+          <a:p>
+            <a:pPr marL="342900" indent="-342900" algn="just">
+              <a:buFont typeface="Arial" panose="020B0604020202020204" pitchFamily="34" charset="0"/>
+              <a:buChar char="•"/>
+            </a:pPr>
+            <a:r>
+              <a:rPr lang="en-US" altLang="zh-CN" sz="2400" dirty="0"/>
+              <a:t>IV-Conclusion et </a:t>
+            </a:r>
+            <a:r>
+              <a:rPr lang="en-US" altLang="zh-CN" sz="2400" dirty="0" err="1"/>
+              <a:t>ouverture</a:t>
+            </a:r>
+            <a:endParaRPr lang="fr-FR" altLang="zh-CN" sz="2400" dirty="0"/>
+          </a:p>
+          <a:p>
+            <a:pPr marL="342900" indent="-342900" algn="just">
+              <a:buFont typeface="Arial" panose="020B0604020202020204" pitchFamily="34" charset="0"/>
+              <a:buChar char="•"/>
+            </a:pPr>
+            <a:endParaRPr lang="fr-FR" altLang="zh-CN" sz="2400" dirty="0">
+              <a:solidFill>
+                <a:srgbClr val="404040"/>
+              </a:solidFill>
+            </a:endParaRPr>
+          </a:p>
+          <a:p>
+            <a:pPr marL="342900" indent="-342900" algn="just">
+              <a:buFont typeface="Arial" panose="020B0604020202020204" pitchFamily="34" charset="0"/>
+              <a:buChar char="•"/>
+            </a:pPr>
+            <a:endParaRPr lang="fr-FR" altLang="zh-CN" sz="2400" dirty="0">
+              <a:solidFill>
+                <a:srgbClr val="404040"/>
+              </a:solidFill>
+            </a:endParaRPr>
+          </a:p>
+          <a:p>
+            <a:pPr marL="342900" indent="-342900" algn="just">
+              <a:buFont typeface="Arial" panose="020B0604020202020204" pitchFamily="34" charset="0"/>
+              <a:buChar char="•"/>
+            </a:pPr>
+            <a:endParaRPr lang="fr-FR" altLang="zh-CN" sz="2400" dirty="0"/>
+          </a:p>
+          <a:p>
+            <a:pPr marL="342900" indent="-342900" algn="just">
+              <a:buFont typeface="Arial" panose="020B0604020202020204" pitchFamily="34" charset="0"/>
+              <a:buChar char="•"/>
+            </a:pPr>
+            <a:endParaRPr lang="fr-FR" altLang="zh-CN" sz="2400" dirty="0"/>
+          </a:p>
+          <a:p>
+            <a:pPr marL="342900" indent="-342900" algn="just">
+              <a:buFont typeface="Arial" panose="020B0604020202020204" pitchFamily="34" charset="0"/>
+              <a:buChar char="•"/>
+            </a:pPr>
+            <a:endParaRPr lang="fr-FR" altLang="zh-CN" dirty="0"/>
+          </a:p>
         </p:txBody>
       </p:sp>
     </p:spTree>
     <p:extLst>
       <p:ext uri="{BB962C8B-B14F-4D97-AF65-F5344CB8AC3E}">
-        <p14:creationId xmlns:p14="http://schemas.microsoft.com/office/powerpoint/2010/main" val="1943801084"/>
+        <p14:creationId xmlns:p14="http://schemas.microsoft.com/office/powerpoint/2010/main" val="3787785281"/>
       </p:ext>
     </p:extLst>
   </p:cSld>
@@ -4001,7 +7329,7 @@
           <p:cNvPr id="2" name="Title 1">
             <a:extLst>
               <a:ext uri="{FF2B5EF4-FFF2-40B4-BE49-F238E27FC236}">
-                <a16:creationId xmlns:a16="http://schemas.microsoft.com/office/drawing/2014/main" id="{BAB1D7E9-B2DD-A74A-AB73-DF7FC9AB63FA}"/>
+                <a16:creationId xmlns:a16="http://schemas.microsoft.com/office/drawing/2014/main" id="{DD3CA886-2F96-E844-A0F6-9BA1726C3610}"/>
               </a:ext>
             </a:extLst>
           </p:cNvPr>
@@ -4020,65 +7348,237 @@
         </p:spPr>
         <p:txBody>
           <a:bodyPr>
-            <a:normAutofit fontScale="90000"/>
-          </a:bodyPr>
-          <a:lstStyle/>
-          <a:p>
-            <a:r>
-              <a:rPr lang="fr-FR"/>
-              <a:t>Présentation de notre programme 1</a:t>
-            </a:r>
-          </a:p>
-        </p:txBody>
-      </p:sp>
-      <p:sp>
-        <p:nvSpPr>
-          <p:cNvPr id="3" name="Content Placeholder 2">
-            <a:extLst>
-              <a:ext uri="{FF2B5EF4-FFF2-40B4-BE49-F238E27FC236}">
-                <a16:creationId xmlns:a16="http://schemas.microsoft.com/office/drawing/2014/main" id="{3D40CD1A-7F13-2842-8FD2-E8F0B640857F}"/>
-              </a:ext>
-            </a:extLst>
-          </p:cNvPr>
-          <p:cNvSpPr>
-            <a:spLocks noGrp="1"/>
-          </p:cNvSpPr>
-          <p:nvPr>
-            <p:ph idx="1"/>
-          </p:nvPr>
-        </p:nvSpPr>
-        <p:spPr>
-          <a:xfrm>
-            <a:off x="1279547" y="1718447"/>
-            <a:ext cx="6584634" cy="2159442"/>
-          </a:xfrm>
-        </p:spPr>
-        <p:txBody>
-          <a:bodyPr>
             <a:normAutofit/>
           </a:bodyPr>
           <a:lstStyle/>
           <a:p>
             <a:r>
-              <a:rPr lang="fr-FR" dirty="0" err="1">
-                <a:solidFill>
-                  <a:srgbClr val="404040"/>
-                </a:solidFill>
-              </a:rPr>
-              <a:t>Branch&amp;Bound</a:t>
-            </a:r>
-            <a:endParaRPr lang="fr-FR" dirty="0">
-              <a:solidFill>
-                <a:srgbClr val="404040"/>
-              </a:solidFill>
-            </a:endParaRPr>
+              <a:rPr lang="fr-FR" dirty="0"/>
+              <a:t>I-Présentation du sujet</a:t>
+            </a:r>
+          </a:p>
+        </p:txBody>
+      </p:sp>
+      <p:sp>
+        <p:nvSpPr>
+          <p:cNvPr id="5" name="矩形 4"/>
+          <p:cNvSpPr/>
+          <p:nvPr/>
+        </p:nvSpPr>
+        <p:spPr>
+          <a:xfrm>
+            <a:off x="1427870" y="1388363"/>
+            <a:ext cx="7244862" cy="3046988"/>
+          </a:xfrm>
+          <a:prstGeom prst="rect">
+            <a:avLst/>
+          </a:prstGeom>
+        </p:spPr>
+        <p:txBody>
+          <a:bodyPr wrap="square">
+            <a:spAutoFit/>
+          </a:bodyPr>
+          <a:lstStyle/>
+          <a:p>
+            <a:pPr marL="342900" indent="-342900" algn="just">
+              <a:buFont typeface="Arial" panose="020B0604020202020204" pitchFamily="34" charset="0"/>
+              <a:buChar char="•"/>
+            </a:pPr>
+            <a:r>
+              <a:rPr lang="en-US" altLang="zh-CN" sz="2400" dirty="0"/>
+              <a:t>Situation </a:t>
+            </a:r>
+          </a:p>
+          <a:p>
+            <a:pPr lvl="1" algn="just"/>
+            <a:r>
+              <a:rPr lang="en-US" altLang="zh-CN" dirty="0"/>
+              <a:t>P</a:t>
+            </a:r>
+            <a:r>
+              <a:rPr lang="fr-FR" altLang="zh-CN" dirty="0" err="1"/>
+              <a:t>lusieurs</a:t>
+            </a:r>
+            <a:r>
+              <a:rPr lang="fr-FR" altLang="zh-CN" dirty="0"/>
+              <a:t> avions passent dans une zone de contrôle </a:t>
+            </a:r>
+            <a:r>
+              <a:rPr lang="en-US" altLang="zh-CN" noProof="1"/>
+              <a:t>en</a:t>
+            </a:r>
+            <a:r>
+              <a:rPr lang="en-US" altLang="zh-CN" dirty="0"/>
+              <a:t> </a:t>
+            </a:r>
+            <a:r>
+              <a:rPr lang="en-US" altLang="zh-CN" dirty="0" err="1"/>
+              <a:t>même</a:t>
+            </a:r>
+            <a:r>
+              <a:rPr lang="en-US" altLang="zh-CN" dirty="0"/>
+              <a:t> temps</a:t>
+            </a:r>
+            <a:r>
+              <a:rPr lang="fr-FR" altLang="zh-CN" dirty="0"/>
+              <a:t>. </a:t>
+            </a:r>
+          </a:p>
+          <a:p>
+            <a:pPr lvl="1" algn="just"/>
+            <a:r>
+              <a:rPr lang="en-US" altLang="zh-CN" dirty="0"/>
+              <a:t>C</a:t>
+            </a:r>
+            <a:r>
+              <a:rPr lang="fr-FR" altLang="zh-CN" dirty="0" err="1"/>
+              <a:t>haque</a:t>
+            </a:r>
+            <a:r>
+              <a:rPr lang="fr-FR" altLang="zh-CN" dirty="0"/>
+              <a:t> avion </a:t>
+            </a:r>
+            <a:r>
+              <a:rPr lang="en-US" altLang="zh-CN" dirty="0"/>
+              <a:t>a </a:t>
+            </a:r>
+            <a:r>
+              <a:rPr lang="en-US" altLang="zh-CN" dirty="0" err="1"/>
+              <a:t>plusieurs</a:t>
+            </a:r>
+            <a:r>
+              <a:rPr lang="en-US" altLang="zh-CN" dirty="0"/>
+              <a:t> m</a:t>
+            </a:r>
+            <a:r>
+              <a:rPr lang="fr-FR" altLang="zh-CN" dirty="0" err="1"/>
+              <a:t>anoeuvres</a:t>
+            </a:r>
+            <a:r>
+              <a:rPr lang="fr-FR" altLang="zh-CN" dirty="0"/>
+              <a:t> </a:t>
+            </a:r>
+            <a:r>
+              <a:rPr lang="en-US" altLang="zh-CN" dirty="0"/>
+              <a:t>à </a:t>
+            </a:r>
+            <a:r>
+              <a:rPr lang="en-US" altLang="zh-CN" dirty="0" err="1"/>
+              <a:t>choisir</a:t>
+            </a:r>
+            <a:r>
+              <a:rPr lang="en-US" altLang="zh-CN" dirty="0"/>
+              <a:t>. </a:t>
+            </a:r>
+            <a:endParaRPr lang="fr-FR" altLang="zh-CN" sz="2400" dirty="0"/>
+          </a:p>
+          <a:p>
+            <a:pPr marL="342900" indent="-342900" algn="just">
+              <a:buFont typeface="Arial" panose="020B0604020202020204" pitchFamily="34" charset="0"/>
+              <a:buChar char="•"/>
+            </a:pPr>
+            <a:r>
+              <a:rPr lang="en-US" altLang="zh-CN" sz="2400" dirty="0" err="1"/>
+              <a:t>Objectif</a:t>
+            </a:r>
+            <a:endParaRPr lang="fr-FR" altLang="zh-CN" sz="2400" dirty="0"/>
+          </a:p>
+          <a:p>
+            <a:pPr lvl="1" algn="just"/>
+            <a:r>
+              <a:rPr lang="en-US" altLang="zh-CN" dirty="0" err="1"/>
+              <a:t>Cherche</a:t>
+            </a:r>
+            <a:r>
+              <a:rPr lang="en-US" altLang="zh-CN" dirty="0"/>
+              <a:t> </a:t>
+            </a:r>
+            <a:r>
+              <a:rPr lang="fr-FR" altLang="zh-CN" dirty="0"/>
+              <a:t>la meilleure combinaison des </a:t>
+            </a:r>
+            <a:r>
+              <a:rPr lang="en-US" altLang="zh-CN" dirty="0"/>
+              <a:t>m</a:t>
+            </a:r>
+            <a:r>
+              <a:rPr lang="fr-FR" altLang="zh-CN" dirty="0" err="1"/>
+              <a:t>anoeuvres</a:t>
+            </a:r>
+            <a:r>
+              <a:rPr lang="fr-FR" altLang="zh-CN" dirty="0"/>
+              <a:t> de chaque avion </a:t>
+            </a:r>
+            <a:endParaRPr lang="fr-FR" altLang="zh-CN" sz="2400" dirty="0"/>
+          </a:p>
+          <a:p>
+            <a:pPr marL="342900" indent="-342900" algn="just">
+              <a:buFont typeface="Arial" panose="020B0604020202020204" pitchFamily="34" charset="0"/>
+              <a:buChar char="•"/>
+            </a:pPr>
+            <a:r>
+              <a:rPr lang="fr-FR" altLang="zh-CN" sz="2400" dirty="0"/>
+              <a:t>Contraintes</a:t>
+            </a:r>
+          </a:p>
+          <a:p>
+            <a:pPr lvl="1" algn="just"/>
+            <a:r>
+              <a:rPr lang="en-US" altLang="zh-CN" dirty="0"/>
+              <a:t>1. </a:t>
+            </a:r>
+            <a:r>
+              <a:rPr lang="en-US" altLang="zh-CN" dirty="0" err="1"/>
+              <a:t>Minimiser</a:t>
+            </a:r>
+            <a:r>
+              <a:rPr lang="en-US" altLang="zh-CN" dirty="0"/>
+              <a:t> le </a:t>
+            </a:r>
+            <a:r>
+              <a:rPr lang="en-US" altLang="zh-CN" dirty="0" err="1"/>
+              <a:t>coût</a:t>
+            </a:r>
+            <a:r>
+              <a:rPr lang="en-US" altLang="zh-CN" dirty="0"/>
+              <a:t> total </a:t>
+            </a:r>
+          </a:p>
+          <a:p>
+            <a:pPr lvl="1" algn="just"/>
+            <a:r>
+              <a:rPr lang="fr-FR" altLang="zh-CN" dirty="0"/>
+              <a:t>2. </a:t>
+            </a:r>
+            <a:r>
+              <a:rPr lang="en-US" altLang="zh-CN" dirty="0"/>
+              <a:t>Les </a:t>
+            </a:r>
+            <a:r>
+              <a:rPr lang="en-US" altLang="zh-CN" dirty="0" err="1"/>
+              <a:t>avions</a:t>
+            </a:r>
+            <a:r>
+              <a:rPr lang="en-US" altLang="zh-CN" dirty="0"/>
+              <a:t> </a:t>
+            </a:r>
+            <a:r>
+              <a:rPr lang="fr-FR" altLang="zh-CN" dirty="0"/>
+              <a:t>doivent s’éviter entre eux</a:t>
+            </a:r>
+          </a:p>
+          <a:p>
+            <a:pPr marL="0" indent="0" algn="just">
+              <a:buNone/>
+            </a:pPr>
+            <a:endParaRPr lang="fr-FR" altLang="zh-CN" dirty="0"/>
           </a:p>
         </p:txBody>
       </p:sp>
     </p:spTree>
     <p:extLst>
       <p:ext uri="{BB962C8B-B14F-4D97-AF65-F5344CB8AC3E}">
-        <p14:creationId xmlns:p14="http://schemas.microsoft.com/office/powerpoint/2010/main" val="3264758486"/>
+        <p14:creationId xmlns:p14="http://schemas.microsoft.com/office/powerpoint/2010/main" val="2631455829"/>
       </p:ext>
     </p:extLst>
   </p:cSld>
@@ -4110,7 +7610,7 @@
           <p:cNvPr id="2" name="Title 1">
             <a:extLst>
               <a:ext uri="{FF2B5EF4-FFF2-40B4-BE49-F238E27FC236}">
-                <a16:creationId xmlns:a16="http://schemas.microsoft.com/office/drawing/2014/main" id="{AA186B55-4033-D842-A463-B45A6BD25329}"/>
+                <a16:creationId xmlns:a16="http://schemas.microsoft.com/office/drawing/2014/main" id="{DD3CA886-2F96-E844-A0F6-9BA1726C3610}"/>
               </a:ext>
             </a:extLst>
           </p:cNvPr>
@@ -4129,77 +7629,936 @@
         </p:spPr>
         <p:txBody>
           <a:bodyPr>
-            <a:normAutofit fontScale="90000"/>
-          </a:bodyPr>
-          <a:lstStyle/>
-          <a:p>
-            <a:r>
-              <a:rPr lang="fr-FR"/>
-              <a:t>Présentation de notre progamme 2</a:t>
-            </a:r>
-          </a:p>
-        </p:txBody>
-      </p:sp>
-      <p:sp>
-        <p:nvSpPr>
-          <p:cNvPr id="3" name="Content Placeholder 2">
-            <a:extLst>
-              <a:ext uri="{FF2B5EF4-FFF2-40B4-BE49-F238E27FC236}">
-                <a16:creationId xmlns:a16="http://schemas.microsoft.com/office/drawing/2014/main" id="{D43EA66C-DF35-5441-80CB-52513DF7AB9F}"/>
-              </a:ext>
-            </a:extLst>
-          </p:cNvPr>
-          <p:cNvSpPr>
-            <a:spLocks noGrp="1"/>
-          </p:cNvSpPr>
-          <p:nvPr>
-            <p:ph idx="1"/>
-          </p:nvPr>
-        </p:nvSpPr>
-        <p:spPr>
-          <a:xfrm>
-            <a:off x="1279547" y="1718447"/>
-            <a:ext cx="6584634" cy="2159442"/>
-          </a:xfrm>
-        </p:spPr>
-        <p:txBody>
-          <a:bodyPr>
             <a:normAutofit/>
           </a:bodyPr>
           <a:lstStyle/>
           <a:p>
             <a:r>
-              <a:rPr lang="fr-FR" dirty="0">
-                <a:solidFill>
-                  <a:srgbClr val="404040"/>
-                </a:solidFill>
-              </a:rPr>
-              <a:t>Différents modules</a:t>
-            </a:r>
-          </a:p>
-          <a:p>
-            <a:endParaRPr lang="fr-FR" dirty="0">
-              <a:solidFill>
-                <a:srgbClr val="404040"/>
-              </a:solidFill>
-            </a:endParaRPr>
-          </a:p>
-          <a:p>
-            <a:r>
-              <a:rPr lang="fr-FR" dirty="0">
-                <a:solidFill>
-                  <a:srgbClr val="404040"/>
-                </a:solidFill>
-              </a:rPr>
-              <a:t>(Appel au programme ?)</a:t>
-            </a:r>
+              <a:rPr lang="fr-FR" dirty="0"/>
+              <a:t>I-Présentation du sujet</a:t>
+            </a:r>
+          </a:p>
+        </p:txBody>
+      </p:sp>
+      <p:sp>
+        <p:nvSpPr>
+          <p:cNvPr id="3" name="椭圆 2"/>
+          <p:cNvSpPr/>
+          <p:nvPr/>
+        </p:nvSpPr>
+        <p:spPr>
+          <a:xfrm>
+            <a:off x="809878" y="1807264"/>
+            <a:ext cx="196947" cy="196947"/>
+          </a:xfrm>
+          <a:prstGeom prst="ellipse">
+            <a:avLst/>
+          </a:prstGeom>
+        </p:spPr>
+        <p:style>
+          <a:lnRef idx="1">
+            <a:schemeClr val="accent1"/>
+          </a:lnRef>
+          <a:fillRef idx="3">
+            <a:schemeClr val="accent1"/>
+          </a:fillRef>
+          <a:effectRef idx="2">
+            <a:schemeClr val="accent1"/>
+          </a:effectRef>
+          <a:fontRef idx="minor">
+            <a:schemeClr val="lt1"/>
+          </a:fontRef>
+        </p:style>
+        <p:txBody>
+          <a:bodyPr rtlCol="0" anchor="ctr"/>
+          <a:lstStyle/>
+          <a:p>
+            <a:pPr algn="ctr"/>
+            <a:endParaRPr lang="zh-CN" altLang="en-US"/>
+          </a:p>
+        </p:txBody>
+      </p:sp>
+      <p:sp>
+        <p:nvSpPr>
+          <p:cNvPr id="6" name="椭圆 5"/>
+          <p:cNvSpPr/>
+          <p:nvPr/>
+        </p:nvSpPr>
+        <p:spPr>
+          <a:xfrm>
+            <a:off x="809878" y="2712994"/>
+            <a:ext cx="196947" cy="196947"/>
+          </a:xfrm>
+          <a:prstGeom prst="ellipse">
+            <a:avLst/>
+          </a:prstGeom>
+        </p:spPr>
+        <p:style>
+          <a:lnRef idx="1">
+            <a:schemeClr val="accent1"/>
+          </a:lnRef>
+          <a:fillRef idx="3">
+            <a:schemeClr val="accent1"/>
+          </a:fillRef>
+          <a:effectRef idx="2">
+            <a:schemeClr val="accent1"/>
+          </a:effectRef>
+          <a:fontRef idx="minor">
+            <a:schemeClr val="lt1"/>
+          </a:fontRef>
+        </p:style>
+        <p:txBody>
+          <a:bodyPr rtlCol="0" anchor="ctr"/>
+          <a:lstStyle/>
+          <a:p>
+            <a:pPr algn="ctr"/>
+            <a:endParaRPr lang="zh-CN" altLang="en-US"/>
+          </a:p>
+        </p:txBody>
+      </p:sp>
+      <p:sp>
+        <p:nvSpPr>
+          <p:cNvPr id="7" name="椭圆 6"/>
+          <p:cNvSpPr/>
+          <p:nvPr/>
+        </p:nvSpPr>
+        <p:spPr>
+          <a:xfrm>
+            <a:off x="2910653" y="1807973"/>
+            <a:ext cx="196947" cy="196947"/>
+          </a:xfrm>
+          <a:prstGeom prst="ellipse">
+            <a:avLst/>
+          </a:prstGeom>
+        </p:spPr>
+        <p:style>
+          <a:lnRef idx="1">
+            <a:schemeClr val="accent1"/>
+          </a:lnRef>
+          <a:fillRef idx="3">
+            <a:schemeClr val="accent1"/>
+          </a:fillRef>
+          <a:effectRef idx="2">
+            <a:schemeClr val="accent1"/>
+          </a:effectRef>
+          <a:fontRef idx="minor">
+            <a:schemeClr val="lt1"/>
+          </a:fontRef>
+        </p:style>
+        <p:txBody>
+          <a:bodyPr rtlCol="0" anchor="ctr"/>
+          <a:lstStyle/>
+          <a:p>
+            <a:pPr algn="ctr"/>
+            <a:endParaRPr lang="zh-CN" altLang="en-US"/>
+          </a:p>
+        </p:txBody>
+      </p:sp>
+      <p:sp>
+        <p:nvSpPr>
+          <p:cNvPr id="8" name="椭圆 7"/>
+          <p:cNvSpPr/>
+          <p:nvPr/>
+        </p:nvSpPr>
+        <p:spPr>
+          <a:xfrm>
+            <a:off x="2910652" y="2710648"/>
+            <a:ext cx="196947" cy="196947"/>
+          </a:xfrm>
+          <a:prstGeom prst="ellipse">
+            <a:avLst/>
+          </a:prstGeom>
+        </p:spPr>
+        <p:style>
+          <a:lnRef idx="1">
+            <a:schemeClr val="accent1"/>
+          </a:lnRef>
+          <a:fillRef idx="3">
+            <a:schemeClr val="accent1"/>
+          </a:fillRef>
+          <a:effectRef idx="2">
+            <a:schemeClr val="accent1"/>
+          </a:effectRef>
+          <a:fontRef idx="minor">
+            <a:schemeClr val="lt1"/>
+          </a:fontRef>
+        </p:style>
+        <p:txBody>
+          <a:bodyPr rtlCol="0" anchor="ctr"/>
+          <a:lstStyle/>
+          <a:p>
+            <a:pPr algn="ctr"/>
+            <a:endParaRPr lang="zh-CN" altLang="en-US"/>
+          </a:p>
+        </p:txBody>
+      </p:sp>
+      <p:cxnSp>
+        <p:nvCxnSpPr>
+          <p:cNvPr id="11" name="直接箭头连接符 10"/>
+          <p:cNvCxnSpPr>
+            <a:stCxn id="3" idx="6"/>
+            <a:endCxn id="8" idx="2"/>
+          </p:cNvCxnSpPr>
+          <p:nvPr/>
+        </p:nvCxnSpPr>
+        <p:spPr>
+          <a:xfrm>
+            <a:off x="1006825" y="1905738"/>
+            <a:ext cx="1903827" cy="903384"/>
+          </a:xfrm>
+          <a:prstGeom prst="straightConnector1">
+            <a:avLst/>
+          </a:prstGeom>
+          <a:ln>
+            <a:tailEnd type="triangle"/>
+          </a:ln>
+        </p:spPr>
+        <p:style>
+          <a:lnRef idx="2">
+            <a:schemeClr val="accent1"/>
+          </a:lnRef>
+          <a:fillRef idx="0">
+            <a:schemeClr val="accent1"/>
+          </a:fillRef>
+          <a:effectRef idx="1">
+            <a:schemeClr val="accent1"/>
+          </a:effectRef>
+          <a:fontRef idx="minor">
+            <a:schemeClr val="tx1"/>
+          </a:fontRef>
+        </p:style>
+      </p:cxnSp>
+      <p:cxnSp>
+        <p:nvCxnSpPr>
+          <p:cNvPr id="16" name="直接箭头连接符 15"/>
+          <p:cNvCxnSpPr>
+            <a:stCxn id="6" idx="6"/>
+            <a:endCxn id="7" idx="3"/>
+          </p:cNvCxnSpPr>
+          <p:nvPr/>
+        </p:nvCxnSpPr>
+        <p:spPr>
+          <a:xfrm flipV="1">
+            <a:off x="1006825" y="1976078"/>
+            <a:ext cx="1932670" cy="835390"/>
+          </a:xfrm>
+          <a:prstGeom prst="straightConnector1">
+            <a:avLst/>
+          </a:prstGeom>
+          <a:ln>
+            <a:tailEnd type="triangle"/>
+          </a:ln>
+        </p:spPr>
+        <p:style>
+          <a:lnRef idx="2">
+            <a:schemeClr val="accent1"/>
+          </a:lnRef>
+          <a:fillRef idx="0">
+            <a:schemeClr val="accent1"/>
+          </a:fillRef>
+          <a:effectRef idx="1">
+            <a:schemeClr val="accent1"/>
+          </a:effectRef>
+          <a:fontRef idx="minor">
+            <a:schemeClr val="tx1"/>
+          </a:fontRef>
+        </p:style>
+      </p:cxnSp>
+      <p:sp>
+        <p:nvSpPr>
+          <p:cNvPr id="21" name="椭圆 20"/>
+          <p:cNvSpPr/>
+          <p:nvPr/>
+        </p:nvSpPr>
+        <p:spPr>
+          <a:xfrm>
+            <a:off x="5103573" y="1807973"/>
+            <a:ext cx="196947" cy="196947"/>
+          </a:xfrm>
+          <a:prstGeom prst="ellipse">
+            <a:avLst/>
+          </a:prstGeom>
+        </p:spPr>
+        <p:style>
+          <a:lnRef idx="1">
+            <a:schemeClr val="accent1"/>
+          </a:lnRef>
+          <a:fillRef idx="3">
+            <a:schemeClr val="accent1"/>
+          </a:fillRef>
+          <a:effectRef idx="2">
+            <a:schemeClr val="accent1"/>
+          </a:effectRef>
+          <a:fontRef idx="minor">
+            <a:schemeClr val="lt1"/>
+          </a:fontRef>
+        </p:style>
+        <p:txBody>
+          <a:bodyPr rtlCol="0" anchor="ctr"/>
+          <a:lstStyle/>
+          <a:p>
+            <a:pPr algn="ctr"/>
+            <a:endParaRPr lang="zh-CN" altLang="en-US"/>
+          </a:p>
+        </p:txBody>
+      </p:sp>
+      <p:sp>
+        <p:nvSpPr>
+          <p:cNvPr id="22" name="椭圆 21"/>
+          <p:cNvSpPr/>
+          <p:nvPr/>
+        </p:nvSpPr>
+        <p:spPr>
+          <a:xfrm>
+            <a:off x="5103573" y="2712994"/>
+            <a:ext cx="196947" cy="196947"/>
+          </a:xfrm>
+          <a:prstGeom prst="ellipse">
+            <a:avLst/>
+          </a:prstGeom>
+        </p:spPr>
+        <p:style>
+          <a:lnRef idx="1">
+            <a:schemeClr val="accent1"/>
+          </a:lnRef>
+          <a:fillRef idx="3">
+            <a:schemeClr val="accent1"/>
+          </a:fillRef>
+          <a:effectRef idx="2">
+            <a:schemeClr val="accent1"/>
+          </a:effectRef>
+          <a:fontRef idx="minor">
+            <a:schemeClr val="lt1"/>
+          </a:fontRef>
+        </p:style>
+        <p:txBody>
+          <a:bodyPr rtlCol="0" anchor="ctr"/>
+          <a:lstStyle/>
+          <a:p>
+            <a:pPr algn="ctr"/>
+            <a:endParaRPr lang="zh-CN" altLang="en-US"/>
+          </a:p>
+        </p:txBody>
+      </p:sp>
+      <p:sp>
+        <p:nvSpPr>
+          <p:cNvPr id="23" name="椭圆 22"/>
+          <p:cNvSpPr/>
+          <p:nvPr/>
+        </p:nvSpPr>
+        <p:spPr>
+          <a:xfrm>
+            <a:off x="7204348" y="1807973"/>
+            <a:ext cx="196947" cy="196947"/>
+          </a:xfrm>
+          <a:prstGeom prst="ellipse">
+            <a:avLst/>
+          </a:prstGeom>
+        </p:spPr>
+        <p:style>
+          <a:lnRef idx="1">
+            <a:schemeClr val="accent1"/>
+          </a:lnRef>
+          <a:fillRef idx="3">
+            <a:schemeClr val="accent1"/>
+          </a:fillRef>
+          <a:effectRef idx="2">
+            <a:schemeClr val="accent1"/>
+          </a:effectRef>
+          <a:fontRef idx="minor">
+            <a:schemeClr val="lt1"/>
+          </a:fontRef>
+        </p:style>
+        <p:txBody>
+          <a:bodyPr rtlCol="0" anchor="ctr"/>
+          <a:lstStyle/>
+          <a:p>
+            <a:pPr algn="ctr"/>
+            <a:endParaRPr lang="zh-CN" altLang="en-US"/>
+          </a:p>
+        </p:txBody>
+      </p:sp>
+      <p:sp>
+        <p:nvSpPr>
+          <p:cNvPr id="24" name="椭圆 23"/>
+          <p:cNvSpPr/>
+          <p:nvPr/>
+        </p:nvSpPr>
+        <p:spPr>
+          <a:xfrm>
+            <a:off x="7204347" y="2710648"/>
+            <a:ext cx="196947" cy="196947"/>
+          </a:xfrm>
+          <a:prstGeom prst="ellipse">
+            <a:avLst/>
+          </a:prstGeom>
+        </p:spPr>
+        <p:style>
+          <a:lnRef idx="1">
+            <a:schemeClr val="accent1"/>
+          </a:lnRef>
+          <a:fillRef idx="3">
+            <a:schemeClr val="accent1"/>
+          </a:fillRef>
+          <a:effectRef idx="2">
+            <a:schemeClr val="accent1"/>
+          </a:effectRef>
+          <a:fontRef idx="minor">
+            <a:schemeClr val="lt1"/>
+          </a:fontRef>
+        </p:style>
+        <p:txBody>
+          <a:bodyPr rtlCol="0" anchor="ctr"/>
+          <a:lstStyle/>
+          <a:p>
+            <a:pPr algn="ctr"/>
+            <a:endParaRPr lang="zh-CN" altLang="en-US"/>
+          </a:p>
+        </p:txBody>
+      </p:sp>
+      <p:cxnSp>
+        <p:nvCxnSpPr>
+          <p:cNvPr id="33" name="直接箭头连接符 32"/>
+          <p:cNvCxnSpPr>
+            <a:stCxn id="21" idx="6"/>
+            <a:endCxn id="24" idx="2"/>
+          </p:cNvCxnSpPr>
+          <p:nvPr/>
+        </p:nvCxnSpPr>
+        <p:spPr>
+          <a:xfrm>
+            <a:off x="5300520" y="1906447"/>
+            <a:ext cx="1903827" cy="902675"/>
+          </a:xfrm>
+          <a:prstGeom prst="straightConnector1">
+            <a:avLst/>
+          </a:prstGeom>
+          <a:ln>
+            <a:tailEnd type="triangle"/>
+          </a:ln>
+        </p:spPr>
+        <p:style>
+          <a:lnRef idx="2">
+            <a:schemeClr val="accent1"/>
+          </a:lnRef>
+          <a:fillRef idx="0">
+            <a:schemeClr val="accent1"/>
+          </a:fillRef>
+          <a:effectRef idx="1">
+            <a:schemeClr val="accent1"/>
+          </a:effectRef>
+          <a:fontRef idx="minor">
+            <a:schemeClr val="tx1"/>
+          </a:fontRef>
+        </p:style>
+      </p:cxnSp>
+      <p:cxnSp>
+        <p:nvCxnSpPr>
+          <p:cNvPr id="41" name="直接连接符 40"/>
+          <p:cNvCxnSpPr>
+            <a:stCxn id="22" idx="0"/>
+          </p:cNvCxnSpPr>
+          <p:nvPr/>
+        </p:nvCxnSpPr>
+        <p:spPr>
+          <a:xfrm flipH="1" flipV="1">
+            <a:off x="4811316" y="1666782"/>
+            <a:ext cx="390731" cy="1046212"/>
+          </a:xfrm>
+          <a:prstGeom prst="line">
+            <a:avLst/>
+          </a:prstGeom>
+        </p:spPr>
+        <p:style>
+          <a:lnRef idx="2">
+            <a:schemeClr val="accent1"/>
+          </a:lnRef>
+          <a:fillRef idx="0">
+            <a:schemeClr val="accent1"/>
+          </a:fillRef>
+          <a:effectRef idx="1">
+            <a:schemeClr val="accent1"/>
+          </a:effectRef>
+          <a:fontRef idx="minor">
+            <a:schemeClr val="tx1"/>
+          </a:fontRef>
+        </p:style>
+      </p:cxnSp>
+      <p:cxnSp>
+        <p:nvCxnSpPr>
+          <p:cNvPr id="44" name="直接箭头连接符 43"/>
+          <p:cNvCxnSpPr/>
+          <p:nvPr/>
+        </p:nvCxnSpPr>
+        <p:spPr>
+          <a:xfrm>
+            <a:off x="4811316" y="1666782"/>
+            <a:ext cx="2407453" cy="229158"/>
+          </a:xfrm>
+          <a:prstGeom prst="straightConnector1">
+            <a:avLst/>
+          </a:prstGeom>
+          <a:ln>
+            <a:tailEnd type="triangle"/>
+          </a:ln>
+        </p:spPr>
+        <p:style>
+          <a:lnRef idx="2">
+            <a:schemeClr val="accent1"/>
+          </a:lnRef>
+          <a:fillRef idx="0">
+            <a:schemeClr val="accent1"/>
+          </a:fillRef>
+          <a:effectRef idx="1">
+            <a:schemeClr val="accent1"/>
+          </a:effectRef>
+          <a:fontRef idx="minor">
+            <a:schemeClr val="tx1"/>
+          </a:fontRef>
+        </p:style>
+      </p:cxnSp>
+      <p:sp>
+        <p:nvSpPr>
+          <p:cNvPr id="51" name="椭圆 50"/>
+          <p:cNvSpPr/>
+          <p:nvPr/>
+        </p:nvSpPr>
+        <p:spPr>
+          <a:xfrm>
+            <a:off x="2964302" y="3323951"/>
+            <a:ext cx="196947" cy="196947"/>
+          </a:xfrm>
+          <a:prstGeom prst="ellipse">
+            <a:avLst/>
+          </a:prstGeom>
+        </p:spPr>
+        <p:style>
+          <a:lnRef idx="1">
+            <a:schemeClr val="accent1"/>
+          </a:lnRef>
+          <a:fillRef idx="3">
+            <a:schemeClr val="accent1"/>
+          </a:fillRef>
+          <a:effectRef idx="2">
+            <a:schemeClr val="accent1"/>
+          </a:effectRef>
+          <a:fontRef idx="minor">
+            <a:schemeClr val="lt1"/>
+          </a:fontRef>
+        </p:style>
+        <p:txBody>
+          <a:bodyPr rtlCol="0" anchor="ctr"/>
+          <a:lstStyle/>
+          <a:p>
+            <a:pPr algn="ctr"/>
+            <a:endParaRPr lang="zh-CN" altLang="en-US"/>
+          </a:p>
+        </p:txBody>
+      </p:sp>
+      <p:sp>
+        <p:nvSpPr>
+          <p:cNvPr id="52" name="椭圆 51"/>
+          <p:cNvSpPr/>
+          <p:nvPr/>
+        </p:nvSpPr>
+        <p:spPr>
+          <a:xfrm>
+            <a:off x="2964302" y="4229681"/>
+            <a:ext cx="196947" cy="196947"/>
+          </a:xfrm>
+          <a:prstGeom prst="ellipse">
+            <a:avLst/>
+          </a:prstGeom>
+        </p:spPr>
+        <p:style>
+          <a:lnRef idx="1">
+            <a:schemeClr val="accent1"/>
+          </a:lnRef>
+          <a:fillRef idx="3">
+            <a:schemeClr val="accent1"/>
+          </a:fillRef>
+          <a:effectRef idx="2">
+            <a:schemeClr val="accent1"/>
+          </a:effectRef>
+          <a:fontRef idx="minor">
+            <a:schemeClr val="lt1"/>
+          </a:fontRef>
+        </p:style>
+        <p:txBody>
+          <a:bodyPr rtlCol="0" anchor="ctr"/>
+          <a:lstStyle/>
+          <a:p>
+            <a:pPr algn="ctr"/>
+            <a:endParaRPr lang="zh-CN" altLang="en-US"/>
+          </a:p>
+        </p:txBody>
+      </p:sp>
+      <p:sp>
+        <p:nvSpPr>
+          <p:cNvPr id="53" name="椭圆 52"/>
+          <p:cNvSpPr/>
+          <p:nvPr/>
+        </p:nvSpPr>
+        <p:spPr>
+          <a:xfrm>
+            <a:off x="5065077" y="3324660"/>
+            <a:ext cx="196947" cy="196947"/>
+          </a:xfrm>
+          <a:prstGeom prst="ellipse">
+            <a:avLst/>
+          </a:prstGeom>
+        </p:spPr>
+        <p:style>
+          <a:lnRef idx="1">
+            <a:schemeClr val="accent1"/>
+          </a:lnRef>
+          <a:fillRef idx="3">
+            <a:schemeClr val="accent1"/>
+          </a:fillRef>
+          <a:effectRef idx="2">
+            <a:schemeClr val="accent1"/>
+          </a:effectRef>
+          <a:fontRef idx="minor">
+            <a:schemeClr val="lt1"/>
+          </a:fontRef>
+        </p:style>
+        <p:txBody>
+          <a:bodyPr rtlCol="0" anchor="ctr"/>
+          <a:lstStyle/>
+          <a:p>
+            <a:pPr algn="ctr"/>
+            <a:endParaRPr lang="zh-CN" altLang="en-US"/>
+          </a:p>
+        </p:txBody>
+      </p:sp>
+      <p:sp>
+        <p:nvSpPr>
+          <p:cNvPr id="54" name="椭圆 53"/>
+          <p:cNvSpPr/>
+          <p:nvPr/>
+        </p:nvSpPr>
+        <p:spPr>
+          <a:xfrm>
+            <a:off x="5065076" y="4227335"/>
+            <a:ext cx="196947" cy="196947"/>
+          </a:xfrm>
+          <a:prstGeom prst="ellipse">
+            <a:avLst/>
+          </a:prstGeom>
+        </p:spPr>
+        <p:style>
+          <a:lnRef idx="1">
+            <a:schemeClr val="accent1"/>
+          </a:lnRef>
+          <a:fillRef idx="3">
+            <a:schemeClr val="accent1"/>
+          </a:fillRef>
+          <a:effectRef idx="2">
+            <a:schemeClr val="accent1"/>
+          </a:effectRef>
+          <a:fontRef idx="minor">
+            <a:schemeClr val="lt1"/>
+          </a:fontRef>
+        </p:style>
+        <p:txBody>
+          <a:bodyPr rtlCol="0" anchor="ctr"/>
+          <a:lstStyle/>
+          <a:p>
+            <a:pPr algn="ctr"/>
+            <a:endParaRPr lang="zh-CN" altLang="en-US"/>
+          </a:p>
+        </p:txBody>
+      </p:sp>
+      <p:cxnSp>
+        <p:nvCxnSpPr>
+          <p:cNvPr id="57" name="直接连接符 56"/>
+          <p:cNvCxnSpPr/>
+          <p:nvPr/>
+        </p:nvCxnSpPr>
+        <p:spPr>
+          <a:xfrm>
+            <a:off x="3161249" y="3422424"/>
+            <a:ext cx="325372" cy="296130"/>
+          </a:xfrm>
+          <a:prstGeom prst="line">
+            <a:avLst/>
+          </a:prstGeom>
+        </p:spPr>
+        <p:style>
+          <a:lnRef idx="2">
+            <a:schemeClr val="accent1"/>
+          </a:lnRef>
+          <a:fillRef idx="0">
+            <a:schemeClr val="accent1"/>
+          </a:fillRef>
+          <a:effectRef idx="1">
+            <a:schemeClr val="accent1"/>
+          </a:effectRef>
+          <a:fontRef idx="minor">
+            <a:schemeClr val="tx1"/>
+          </a:fontRef>
+        </p:style>
+      </p:cxnSp>
+      <p:cxnSp>
+        <p:nvCxnSpPr>
+          <p:cNvPr id="59" name="直接箭头连接符 58"/>
+          <p:cNvCxnSpPr>
+            <a:endCxn id="54" idx="2"/>
+          </p:cNvCxnSpPr>
+          <p:nvPr/>
+        </p:nvCxnSpPr>
+        <p:spPr>
+          <a:xfrm>
+            <a:off x="3463353" y="3705306"/>
+            <a:ext cx="1601723" cy="620503"/>
+          </a:xfrm>
+          <a:prstGeom prst="straightConnector1">
+            <a:avLst/>
+          </a:prstGeom>
+          <a:ln>
+            <a:tailEnd type="triangle"/>
+          </a:ln>
+        </p:spPr>
+        <p:style>
+          <a:lnRef idx="2">
+            <a:schemeClr val="accent1"/>
+          </a:lnRef>
+          <a:fillRef idx="0">
+            <a:schemeClr val="accent1"/>
+          </a:fillRef>
+          <a:effectRef idx="1">
+            <a:schemeClr val="accent1"/>
+          </a:effectRef>
+          <a:fontRef idx="minor">
+            <a:schemeClr val="tx1"/>
+          </a:fontRef>
+        </p:style>
+      </p:cxnSp>
+      <p:cxnSp>
+        <p:nvCxnSpPr>
+          <p:cNvPr id="62" name="直接连接符 61"/>
+          <p:cNvCxnSpPr/>
+          <p:nvPr/>
+        </p:nvCxnSpPr>
+        <p:spPr>
+          <a:xfrm flipV="1">
+            <a:off x="3106149" y="3532036"/>
+            <a:ext cx="316260" cy="778317"/>
+          </a:xfrm>
+          <a:prstGeom prst="line">
+            <a:avLst/>
+          </a:prstGeom>
+        </p:spPr>
+        <p:style>
+          <a:lnRef idx="2">
+            <a:schemeClr val="accent1"/>
+          </a:lnRef>
+          <a:fillRef idx="0">
+            <a:schemeClr val="accent1"/>
+          </a:fillRef>
+          <a:effectRef idx="1">
+            <a:schemeClr val="accent1"/>
+          </a:effectRef>
+          <a:fontRef idx="minor">
+            <a:schemeClr val="tx1"/>
+          </a:fontRef>
+        </p:style>
+      </p:cxnSp>
+      <p:cxnSp>
+        <p:nvCxnSpPr>
+          <p:cNvPr id="64" name="直接箭头连接符 63"/>
+          <p:cNvCxnSpPr>
+            <a:endCxn id="53" idx="2"/>
+          </p:cNvCxnSpPr>
+          <p:nvPr/>
+        </p:nvCxnSpPr>
+        <p:spPr>
+          <a:xfrm flipV="1">
+            <a:off x="3422409" y="3423134"/>
+            <a:ext cx="1642668" cy="89168"/>
+          </a:xfrm>
+          <a:prstGeom prst="straightConnector1">
+            <a:avLst/>
+          </a:prstGeom>
+          <a:ln>
+            <a:tailEnd type="triangle"/>
+          </a:ln>
+        </p:spPr>
+        <p:style>
+          <a:lnRef idx="2">
+            <a:schemeClr val="accent1"/>
+          </a:lnRef>
+          <a:fillRef idx="0">
+            <a:schemeClr val="accent1"/>
+          </a:fillRef>
+          <a:effectRef idx="1">
+            <a:schemeClr val="accent1"/>
+          </a:effectRef>
+          <a:fontRef idx="minor">
+            <a:schemeClr val="tx1"/>
+          </a:fontRef>
+        </p:style>
+      </p:cxnSp>
+      <p:sp>
+        <p:nvSpPr>
+          <p:cNvPr id="79" name="矩形 78"/>
+          <p:cNvSpPr/>
+          <p:nvPr/>
+        </p:nvSpPr>
+        <p:spPr>
+          <a:xfrm>
+            <a:off x="1470628" y="2907595"/>
+            <a:ext cx="776110" cy="369332"/>
+          </a:xfrm>
+          <a:prstGeom prst="rect">
+            <a:avLst/>
+          </a:prstGeom>
+        </p:spPr>
+        <p:txBody>
+          <a:bodyPr wrap="none">
+            <a:spAutoFit/>
+          </a:bodyPr>
+          <a:lstStyle/>
+          <a:p>
+            <a:r>
+              <a:rPr lang="en-US" altLang="zh-CN" dirty="0" err="1"/>
+              <a:t>conflit</a:t>
+            </a:r>
+            <a:endParaRPr lang="zh-CN" altLang="en-US" dirty="0"/>
+          </a:p>
+        </p:txBody>
+      </p:sp>
+      <p:sp>
+        <p:nvSpPr>
+          <p:cNvPr id="80" name="矩形 79"/>
+          <p:cNvSpPr/>
+          <p:nvPr/>
+        </p:nvSpPr>
+        <p:spPr>
+          <a:xfrm>
+            <a:off x="5592777" y="2909941"/>
+            <a:ext cx="1547027" cy="369332"/>
+          </a:xfrm>
+          <a:prstGeom prst="rect">
+            <a:avLst/>
+          </a:prstGeom>
+        </p:spPr>
+        <p:txBody>
+          <a:bodyPr wrap="none">
+            <a:spAutoFit/>
+          </a:bodyPr>
+          <a:lstStyle/>
+          <a:p>
+            <a:r>
+              <a:rPr lang="en-US" altLang="zh-CN" dirty="0" err="1"/>
+              <a:t>Perd</a:t>
+            </a:r>
+            <a:r>
+              <a:rPr lang="en-US" altLang="zh-CN" dirty="0"/>
+              <a:t> du temps</a:t>
+            </a:r>
+            <a:endParaRPr lang="zh-CN" altLang="en-US" dirty="0"/>
+          </a:p>
+        </p:txBody>
+      </p:sp>
+      <p:sp>
+        <p:nvSpPr>
+          <p:cNvPr id="81" name="矩形 80"/>
+          <p:cNvSpPr/>
+          <p:nvPr/>
+        </p:nvSpPr>
+        <p:spPr>
+          <a:xfrm>
+            <a:off x="3460187" y="4424282"/>
+            <a:ext cx="1279517" cy="369332"/>
+          </a:xfrm>
+          <a:prstGeom prst="rect">
+            <a:avLst/>
+          </a:prstGeom>
+        </p:spPr>
+        <p:txBody>
+          <a:bodyPr wrap="none">
+            <a:spAutoFit/>
+          </a:bodyPr>
+          <a:lstStyle/>
+          <a:p>
+            <a:r>
+              <a:rPr lang="en-US" altLang="zh-CN" dirty="0"/>
+              <a:t>Le </a:t>
+            </a:r>
+            <a:r>
+              <a:rPr lang="en-US" altLang="zh-CN" dirty="0" err="1"/>
+              <a:t>meilleur</a:t>
+            </a:r>
+            <a:r>
+              <a:rPr lang="en-US" altLang="zh-CN" dirty="0"/>
+              <a:t> </a:t>
+            </a:r>
+            <a:endParaRPr lang="zh-CN" altLang="en-US" dirty="0"/>
+          </a:p>
+        </p:txBody>
+      </p:sp>
+      <p:sp>
+        <p:nvSpPr>
+          <p:cNvPr id="86" name="矩形 85"/>
+          <p:cNvSpPr/>
+          <p:nvPr/>
+        </p:nvSpPr>
+        <p:spPr>
+          <a:xfrm>
+            <a:off x="809878" y="1143415"/>
+            <a:ext cx="3500895" cy="369332"/>
+          </a:xfrm>
+          <a:prstGeom prst="rect">
+            <a:avLst/>
+          </a:prstGeom>
+        </p:spPr>
+        <p:txBody>
+          <a:bodyPr wrap="none">
+            <a:spAutoFit/>
+          </a:bodyPr>
+          <a:lstStyle/>
+          <a:p>
+            <a:r>
+              <a:rPr lang="en-US" altLang="zh-CN" dirty="0" err="1"/>
+              <a:t>Prend</a:t>
+            </a:r>
+            <a:r>
+              <a:rPr lang="en-US" altLang="zh-CN" dirty="0"/>
+              <a:t> </a:t>
+            </a:r>
+            <a:r>
+              <a:rPr lang="en-US" altLang="zh-CN" dirty="0" err="1"/>
+              <a:t>deux</a:t>
+            </a:r>
+            <a:r>
+              <a:rPr lang="en-US" altLang="zh-CN" dirty="0"/>
+              <a:t> </a:t>
+            </a:r>
+            <a:r>
+              <a:rPr lang="en-US" altLang="zh-CN" dirty="0" err="1"/>
+              <a:t>avions</a:t>
+            </a:r>
+            <a:r>
+              <a:rPr lang="en-US" altLang="zh-CN" dirty="0"/>
+              <a:t> </a:t>
+            </a:r>
+            <a:r>
+              <a:rPr lang="en-US" altLang="zh-CN" dirty="0" err="1"/>
+              <a:t>comme</a:t>
+            </a:r>
+            <a:r>
+              <a:rPr lang="en-US" altLang="zh-CN" dirty="0"/>
+              <a:t> example</a:t>
+            </a:r>
+            <a:endParaRPr lang="zh-CN" altLang="en-US" dirty="0"/>
           </a:p>
         </p:txBody>
       </p:sp>
     </p:spTree>
     <p:extLst>
       <p:ext uri="{BB962C8B-B14F-4D97-AF65-F5344CB8AC3E}">
-        <p14:creationId xmlns:p14="http://schemas.microsoft.com/office/powerpoint/2010/main" val="1317700724"/>
+        <p14:creationId xmlns:p14="http://schemas.microsoft.com/office/powerpoint/2010/main" val="400222712"/>
       </p:ext>
     </p:extLst>
   </p:cSld>
@@ -4231,7 +8590,7 @@
           <p:cNvPr id="2" name="Title 1">
             <a:extLst>
               <a:ext uri="{FF2B5EF4-FFF2-40B4-BE49-F238E27FC236}">
-                <a16:creationId xmlns:a16="http://schemas.microsoft.com/office/drawing/2014/main" id="{3C9AB30C-CCB4-B84C-AB50-33258E521156}"/>
+                <a16:creationId xmlns:a16="http://schemas.microsoft.com/office/drawing/2014/main" id="{BAB1D7E9-B2DD-A74A-AB73-DF7FC9AB63FA}"/>
               </a:ext>
             </a:extLst>
           </p:cNvPr>
@@ -4255,9 +8614,14 @@
           <a:lstStyle/>
           <a:p>
             <a:r>
-              <a:rPr lang="fr-FR"/>
-              <a:t>Présentation de notre programme 3</a:t>
-            </a:r>
+              <a:rPr lang="fr-FR" dirty="0"/>
+              <a:t>II-1.L’algorithme Branch and </a:t>
+            </a:r>
+            <a:r>
+              <a:rPr lang="fr-FR" dirty="0" err="1"/>
+              <a:t>Bound</a:t>
+            </a:r>
+            <a:endParaRPr lang="fr-FR" dirty="0"/>
           </a:p>
         </p:txBody>
       </p:sp>
@@ -4266,7 +8630,7 @@
           <p:cNvPr id="3" name="Content Placeholder 2">
             <a:extLst>
               <a:ext uri="{FF2B5EF4-FFF2-40B4-BE49-F238E27FC236}">
-                <a16:creationId xmlns:a16="http://schemas.microsoft.com/office/drawing/2014/main" id="{278CC9C8-0C8E-C441-AE32-6DC5051E84F0}"/>
+                <a16:creationId xmlns:a16="http://schemas.microsoft.com/office/drawing/2014/main" id="{3D40CD1A-7F13-2842-8FD2-E8F0B640857F}"/>
               </a:ext>
             </a:extLst>
           </p:cNvPr>
@@ -4284,36 +8648,36 @@
           </a:xfrm>
         </p:spPr>
         <p:txBody>
-          <a:bodyPr>
+          <a:bodyPr anchor="ctr">
             <a:normAutofit/>
           </a:bodyPr>
           <a:lstStyle/>
           <a:p>
             <a:r>
-              <a:rPr lang="fr-FR">
+              <a:rPr lang="fr-FR" dirty="0">
                 <a:solidFill>
                   <a:srgbClr val="404040"/>
                 </a:solidFill>
               </a:rPr>
-              <a:t>Différents filtres</a:t>
-            </a:r>
-          </a:p>
-          <a:p>
-            <a:pPr marL="0" indent="0">
-              <a:buNone/>
-            </a:pPr>
-            <a:endParaRPr lang="fr-FR">
-              <a:solidFill>
-                <a:srgbClr val="404040"/>
-              </a:solidFill>
-            </a:endParaRPr>
+              <a:t>Séparation</a:t>
+            </a:r>
+          </a:p>
+          <a:p>
+            <a:r>
+              <a:rPr lang="fr-FR" dirty="0">
+                <a:solidFill>
+                  <a:srgbClr val="404040"/>
+                </a:solidFill>
+              </a:rPr>
+              <a:t>Evaluation</a:t>
+            </a:r>
           </a:p>
         </p:txBody>
       </p:sp>
     </p:spTree>
     <p:extLst>
       <p:ext uri="{BB962C8B-B14F-4D97-AF65-F5344CB8AC3E}">
-        <p14:creationId xmlns:p14="http://schemas.microsoft.com/office/powerpoint/2010/main" val="1872513435"/>
+        <p14:creationId xmlns:p14="http://schemas.microsoft.com/office/powerpoint/2010/main" val="1867035438"/>
       </p:ext>
     </p:extLst>
   </p:cSld>
@@ -4345,7 +8709,7 @@
           <p:cNvPr id="2" name="Title 1">
             <a:extLst>
               <a:ext uri="{FF2B5EF4-FFF2-40B4-BE49-F238E27FC236}">
-                <a16:creationId xmlns:a16="http://schemas.microsoft.com/office/drawing/2014/main" id="{86C19C85-9D10-0142-9E6C-5699969E83AD}"/>
+                <a16:creationId xmlns:a16="http://schemas.microsoft.com/office/drawing/2014/main" id="{BAB1D7E9-B2DD-A74A-AB73-DF7FC9AB63FA}"/>
               </a:ext>
             </a:extLst>
           </p:cNvPr>
@@ -4369,55 +8733,53 @@
           <a:lstStyle/>
           <a:p>
             <a:r>
-              <a:rPr lang="fr-FR"/>
-              <a:t>Présentation de notre programme 4</a:t>
-            </a:r>
-          </a:p>
-        </p:txBody>
-      </p:sp>
-      <p:sp>
-        <p:nvSpPr>
-          <p:cNvPr id="3" name="Content Placeholder 2">
+              <a:rPr lang="fr-FR" dirty="0"/>
+              <a:t>II-1.L’algorithme Branch and </a:t>
+            </a:r>
+            <a:r>
+              <a:rPr lang="fr-FR" dirty="0" err="1"/>
+              <a:t>Bound</a:t>
+            </a:r>
+            <a:endParaRPr lang="fr-FR" dirty="0"/>
+          </a:p>
+        </p:txBody>
+      </p:sp>
+      <p:pic>
+        <p:nvPicPr>
+          <p:cNvPr id="27" name="Content Placeholder 26">
             <a:extLst>
               <a:ext uri="{FF2B5EF4-FFF2-40B4-BE49-F238E27FC236}">
-                <a16:creationId xmlns:a16="http://schemas.microsoft.com/office/drawing/2014/main" id="{ADCD5E77-F4DB-7348-9AC9-CDA027F290DE}"/>
+                <a16:creationId xmlns:a16="http://schemas.microsoft.com/office/drawing/2014/main" id="{E0F5C581-1E8E-4074-AEB8-B66CB39F26B8}"/>
               </a:ext>
             </a:extLst>
           </p:cNvPr>
-          <p:cNvSpPr>
-            <a:spLocks noGrp="1"/>
-          </p:cNvSpPr>
+          <p:cNvPicPr>
+            <a:picLocks noGrp="1" noChangeAspect="1"/>
+          </p:cNvPicPr>
           <p:nvPr>
             <p:ph idx="1"/>
           </p:nvPr>
-        </p:nvSpPr>
+        </p:nvPicPr>
+        <p:blipFill>
+          <a:blip r:embed="rId2"/>
+          <a:stretch>
+            <a:fillRect/>
+          </a:stretch>
+        </p:blipFill>
         <p:spPr>
           <a:xfrm>
-            <a:off x="1279547" y="1718447"/>
-            <a:ext cx="6584634" cy="2159442"/>
-          </a:xfrm>
-        </p:spPr>
-        <p:txBody>
-          <a:bodyPr>
-            <a:normAutofit/>
-          </a:bodyPr>
-          <a:lstStyle/>
-          <a:p>
-            <a:r>
-              <a:rPr lang="fr-FR">
-                <a:solidFill>
-                  <a:srgbClr val="404040"/>
-                </a:solidFill>
-              </a:rPr>
-              <a:t>Différentes bornes</a:t>
-            </a:r>
-          </a:p>
-        </p:txBody>
-      </p:sp>
+            <a:off x="2267712" y="1676149"/>
+            <a:ext cx="5040671" cy="2918076"/>
+          </a:xfrm>
+          <a:prstGeom prst="rect">
+            <a:avLst/>
+          </a:prstGeom>
+        </p:spPr>
+      </p:pic>
     </p:spTree>
     <p:extLst>
       <p:ext uri="{BB962C8B-B14F-4D97-AF65-F5344CB8AC3E}">
-        <p14:creationId xmlns:p14="http://schemas.microsoft.com/office/powerpoint/2010/main" val="1023945920"/>
+        <p14:creationId xmlns:p14="http://schemas.microsoft.com/office/powerpoint/2010/main" val="3711198632"/>
       </p:ext>
     </p:extLst>
   </p:cSld>
@@ -4449,7 +8811,7 @@
           <p:cNvPr id="2" name="Title 1">
             <a:extLst>
               <a:ext uri="{FF2B5EF4-FFF2-40B4-BE49-F238E27FC236}">
-                <a16:creationId xmlns:a16="http://schemas.microsoft.com/office/drawing/2014/main" id="{B7E30DAD-1E74-7349-A5F1-455F3E1865EF}"/>
+                <a16:creationId xmlns:a16="http://schemas.microsoft.com/office/drawing/2014/main" id="{AA186B55-4033-D842-A463-B45A6BD25329}"/>
               </a:ext>
             </a:extLst>
           </p:cNvPr>
@@ -4473,55 +8835,1245 @@
           <a:lstStyle/>
           <a:p>
             <a:r>
-              <a:rPr lang="fr-FR"/>
-              <a:t>Benchmark </a:t>
-            </a:r>
-          </a:p>
-        </p:txBody>
-      </p:sp>
-      <p:sp>
-        <p:nvSpPr>
-          <p:cNvPr id="3" name="Content Placeholder 2">
+              <a:rPr lang="fr-FR" dirty="0"/>
+              <a:t>II-2.Différents modules</a:t>
+            </a:r>
+          </a:p>
+        </p:txBody>
+      </p:sp>
+      <p:sp>
+        <p:nvSpPr>
+          <p:cNvPr id="6" name="矩形 5"/>
+          <p:cNvSpPr/>
+          <p:nvPr/>
+        </p:nvSpPr>
+        <p:spPr>
+          <a:xfrm>
+            <a:off x="1937160" y="1990580"/>
+            <a:ext cx="909223" cy="369332"/>
+          </a:xfrm>
+          <a:prstGeom prst="rect">
+            <a:avLst/>
+          </a:prstGeom>
+          <a:noFill/>
+          <a:ln w="12700">
+            <a:solidFill>
+              <a:schemeClr val="tx1"/>
+            </a:solidFill>
+            <a:prstDash val="solid"/>
+          </a:ln>
+        </p:spPr>
+        <p:txBody>
+          <a:bodyPr wrap="none" lIns="91440" tIns="45720" rIns="91440" bIns="45720">
+            <a:spAutoFit/>
+          </a:bodyPr>
+          <a:lstStyle/>
+          <a:p>
+            <a:pPr algn="ctr"/>
+            <a:r>
+              <a:rPr lang="en-US" altLang="zh-CN" b="0" cap="none" spc="0" dirty="0" err="1">
+                <a:ln w="0"/>
+                <a:solidFill>
+                  <a:schemeClr val="accent1"/>
+                </a:solidFill>
+                <a:effectLst>
+                  <a:outerShdw blurRad="38100" dist="25400" dir="5400000" algn="ctr" rotWithShape="0">
+                    <a:srgbClr val="6E747A">
+                      <a:alpha val="43000"/>
+                    </a:srgbClr>
+                  </a:outerShdw>
+                </a:effectLst>
+              </a:rPr>
+              <a:t>Modele</a:t>
+            </a:r>
+            <a:endParaRPr lang="zh-CN" altLang="en-US" b="0" cap="none" spc="0" dirty="0">
+              <a:ln w="0"/>
+              <a:solidFill>
+                <a:schemeClr val="accent1"/>
+              </a:solidFill>
+              <a:effectLst>
+                <a:outerShdw blurRad="38100" dist="25400" dir="5400000" algn="ctr" rotWithShape="0">
+                  <a:srgbClr val="6E747A">
+                    <a:alpha val="43000"/>
+                  </a:srgbClr>
+                </a:outerShdw>
+              </a:effectLst>
+            </a:endParaRPr>
+          </a:p>
+        </p:txBody>
+      </p:sp>
+      <p:sp>
+        <p:nvSpPr>
+          <p:cNvPr id="7" name="矩形 6"/>
+          <p:cNvSpPr/>
+          <p:nvPr/>
+        </p:nvSpPr>
+        <p:spPr>
+          <a:xfrm>
+            <a:off x="814391" y="2803543"/>
+            <a:ext cx="872355" cy="369332"/>
+          </a:xfrm>
+          <a:prstGeom prst="rect">
+            <a:avLst/>
+          </a:prstGeom>
+          <a:noFill/>
+          <a:ln w="12700">
+            <a:solidFill>
+              <a:schemeClr val="tx1"/>
+            </a:solidFill>
+            <a:prstDash val="solid"/>
+          </a:ln>
+        </p:spPr>
+        <p:txBody>
+          <a:bodyPr wrap="none" lIns="91440" tIns="45720" rIns="91440" bIns="45720">
+            <a:spAutoFit/>
+          </a:bodyPr>
+          <a:lstStyle/>
+          <a:p>
+            <a:pPr algn="ctr"/>
+            <a:r>
+              <a:rPr lang="en-US" altLang="zh-CN" b="0" cap="none" spc="0" dirty="0">
+                <a:ln w="0"/>
+                <a:solidFill>
+                  <a:schemeClr val="accent1"/>
+                </a:solidFill>
+                <a:effectLst>
+                  <a:outerShdw blurRad="38100" dist="25400" dir="5400000" algn="ctr" rotWithShape="0">
+                    <a:srgbClr val="6E747A">
+                      <a:alpha val="43000"/>
+                    </a:srgbClr>
+                  </a:outerShdw>
+                </a:effectLst>
+              </a:rPr>
+              <a:t>Priority</a:t>
+            </a:r>
+            <a:endParaRPr lang="zh-CN" altLang="en-US" b="0" cap="none" spc="0" dirty="0">
+              <a:ln w="0"/>
+              <a:solidFill>
+                <a:schemeClr val="accent1"/>
+              </a:solidFill>
+              <a:effectLst>
+                <a:outerShdw blurRad="38100" dist="25400" dir="5400000" algn="ctr" rotWithShape="0">
+                  <a:srgbClr val="6E747A">
+                    <a:alpha val="43000"/>
+                  </a:srgbClr>
+                </a:outerShdw>
+              </a:effectLst>
+            </a:endParaRPr>
+          </a:p>
+        </p:txBody>
+      </p:sp>
+      <p:sp>
+        <p:nvSpPr>
+          <p:cNvPr id="8" name="矩形 7"/>
+          <p:cNvSpPr/>
+          <p:nvPr/>
+        </p:nvSpPr>
+        <p:spPr>
+          <a:xfrm>
+            <a:off x="3915153" y="3689242"/>
+            <a:ext cx="682559" cy="369332"/>
+          </a:xfrm>
+          <a:prstGeom prst="rect">
+            <a:avLst/>
+          </a:prstGeom>
+          <a:noFill/>
+          <a:ln w="12700">
+            <a:solidFill>
+              <a:schemeClr val="tx1"/>
+            </a:solidFill>
+            <a:prstDash val="solid"/>
+          </a:ln>
+        </p:spPr>
+        <p:txBody>
+          <a:bodyPr wrap="none" lIns="91440" tIns="45720" rIns="91440" bIns="45720">
+            <a:spAutoFit/>
+          </a:bodyPr>
+          <a:lstStyle/>
+          <a:p>
+            <a:pPr algn="ctr"/>
+            <a:r>
+              <a:rPr lang="en-US" altLang="zh-CN" b="0" cap="none" spc="0" dirty="0">
+                <a:ln w="0"/>
+                <a:solidFill>
+                  <a:schemeClr val="accent1"/>
+                </a:solidFill>
+                <a:effectLst>
+                  <a:outerShdw blurRad="38100" dist="25400" dir="5400000" algn="ctr" rotWithShape="0">
+                    <a:srgbClr val="6E747A">
+                      <a:alpha val="43000"/>
+                    </a:srgbClr>
+                  </a:outerShdw>
+                </a:effectLst>
+              </a:rPr>
+              <a:t>Solve</a:t>
+            </a:r>
+            <a:endParaRPr lang="zh-CN" altLang="en-US" b="0" cap="none" spc="0" dirty="0">
+              <a:ln w="0"/>
+              <a:solidFill>
+                <a:schemeClr val="accent1"/>
+              </a:solidFill>
+              <a:effectLst>
+                <a:outerShdw blurRad="38100" dist="25400" dir="5400000" algn="ctr" rotWithShape="0">
+                  <a:srgbClr val="6E747A">
+                    <a:alpha val="43000"/>
+                  </a:srgbClr>
+                </a:outerShdw>
+              </a:effectLst>
+            </a:endParaRPr>
+          </a:p>
+        </p:txBody>
+      </p:sp>
+      <p:sp>
+        <p:nvSpPr>
+          <p:cNvPr id="9" name="矩形 8"/>
+          <p:cNvSpPr/>
+          <p:nvPr/>
+        </p:nvSpPr>
+        <p:spPr>
+          <a:xfrm>
+            <a:off x="3019395" y="2003133"/>
+            <a:ext cx="895758" cy="369332"/>
+          </a:xfrm>
+          <a:prstGeom prst="rect">
+            <a:avLst/>
+          </a:prstGeom>
+          <a:noFill/>
+          <a:ln w="12700">
+            <a:solidFill>
+              <a:schemeClr val="tx1"/>
+            </a:solidFill>
+            <a:prstDash val="solid"/>
+          </a:ln>
+        </p:spPr>
+        <p:txBody>
+          <a:bodyPr wrap="none" lIns="91440" tIns="45720" rIns="91440" bIns="45720">
+            <a:spAutoFit/>
+          </a:bodyPr>
+          <a:lstStyle/>
+          <a:p>
+            <a:pPr algn="ctr"/>
+            <a:r>
+              <a:rPr lang="en-US" altLang="zh-CN" b="0" cap="none" spc="0" dirty="0" err="1">
+                <a:ln w="0"/>
+                <a:solidFill>
+                  <a:schemeClr val="accent1"/>
+                </a:solidFill>
+                <a:effectLst>
+                  <a:outerShdw blurRad="38100" dist="25400" dir="5400000" algn="ctr" rotWithShape="0">
+                    <a:srgbClr val="6E747A">
+                      <a:alpha val="43000"/>
+                    </a:srgbClr>
+                  </a:outerShdw>
+                </a:effectLst>
+              </a:rPr>
+              <a:t>Pqueue</a:t>
+            </a:r>
+            <a:endParaRPr lang="zh-CN" altLang="en-US" b="0" cap="none" spc="0" dirty="0">
+              <a:ln w="0"/>
+              <a:solidFill>
+                <a:schemeClr val="accent1"/>
+              </a:solidFill>
+              <a:effectLst>
+                <a:outerShdw blurRad="38100" dist="25400" dir="5400000" algn="ctr" rotWithShape="0">
+                  <a:srgbClr val="6E747A">
+                    <a:alpha val="43000"/>
+                  </a:srgbClr>
+                </a:outerShdw>
+              </a:effectLst>
+            </a:endParaRPr>
+          </a:p>
+        </p:txBody>
+      </p:sp>
+      <p:sp>
+        <p:nvSpPr>
+          <p:cNvPr id="10" name="矩形 9"/>
+          <p:cNvSpPr/>
+          <p:nvPr/>
+        </p:nvSpPr>
+        <p:spPr>
+          <a:xfrm>
+            <a:off x="1808181" y="3691006"/>
+            <a:ext cx="1167179" cy="369332"/>
+          </a:xfrm>
+          <a:prstGeom prst="rect">
+            <a:avLst/>
+          </a:prstGeom>
+          <a:noFill/>
+          <a:ln w="12700">
+            <a:solidFill>
+              <a:schemeClr val="tx1"/>
+            </a:solidFill>
+            <a:prstDash val="solid"/>
+          </a:ln>
+        </p:spPr>
+        <p:txBody>
+          <a:bodyPr wrap="none" lIns="91440" tIns="45720" rIns="91440" bIns="45720">
+            <a:spAutoFit/>
+          </a:bodyPr>
+          <a:lstStyle/>
+          <a:p>
+            <a:pPr algn="ctr"/>
+            <a:r>
+              <a:rPr lang="en-US" altLang="zh-CN" dirty="0" err="1">
+                <a:ln w="0"/>
+                <a:solidFill>
+                  <a:schemeClr val="accent1"/>
+                </a:solidFill>
+                <a:effectLst>
+                  <a:outerShdw blurRad="38100" dist="25400" dir="5400000" algn="ctr" rotWithShape="0">
+                    <a:srgbClr val="6E747A">
+                      <a:alpha val="43000"/>
+                    </a:srgbClr>
+                  </a:outerShdw>
+                </a:effectLst>
+              </a:rPr>
+              <a:t>Load_data</a:t>
+            </a:r>
+            <a:endParaRPr lang="zh-CN" altLang="en-US" b="0" cap="none" spc="0" dirty="0">
+              <a:ln w="0"/>
+              <a:solidFill>
+                <a:schemeClr val="accent1"/>
+              </a:solidFill>
+              <a:effectLst>
+                <a:outerShdw blurRad="38100" dist="25400" dir="5400000" algn="ctr" rotWithShape="0">
+                  <a:srgbClr val="6E747A">
+                    <a:alpha val="43000"/>
+                  </a:srgbClr>
+                </a:outerShdw>
+              </a:effectLst>
+            </a:endParaRPr>
+          </a:p>
+        </p:txBody>
+      </p:sp>
+      <p:cxnSp>
+        <p:nvCxnSpPr>
+          <p:cNvPr id="12" name="直接箭头连接符 11"/>
+          <p:cNvCxnSpPr>
+            <a:stCxn id="6" idx="2"/>
+            <a:endCxn id="7" idx="0"/>
+          </p:cNvCxnSpPr>
+          <p:nvPr/>
+        </p:nvCxnSpPr>
+        <p:spPr>
+          <a:xfrm flipH="1">
+            <a:off x="1250569" y="2359912"/>
+            <a:ext cx="1141203" cy="443631"/>
+          </a:xfrm>
+          <a:prstGeom prst="straightConnector1">
+            <a:avLst/>
+          </a:prstGeom>
+          <a:ln>
+            <a:tailEnd type="triangle"/>
+          </a:ln>
+        </p:spPr>
+        <p:style>
+          <a:lnRef idx="2">
+            <a:schemeClr val="accent1"/>
+          </a:lnRef>
+          <a:fillRef idx="0">
+            <a:schemeClr val="accent1"/>
+          </a:fillRef>
+          <a:effectRef idx="1">
+            <a:schemeClr val="accent1"/>
+          </a:effectRef>
+          <a:fontRef idx="minor">
+            <a:schemeClr val="tx1"/>
+          </a:fontRef>
+        </p:style>
+      </p:cxnSp>
+      <p:cxnSp>
+        <p:nvCxnSpPr>
+          <p:cNvPr id="14" name="直接箭头连接符 13"/>
+          <p:cNvCxnSpPr>
+            <a:stCxn id="7" idx="2"/>
+            <a:endCxn id="10" idx="1"/>
+          </p:cNvCxnSpPr>
+          <p:nvPr/>
+        </p:nvCxnSpPr>
+        <p:spPr>
+          <a:xfrm>
+            <a:off x="1250569" y="3172875"/>
+            <a:ext cx="557612" cy="702797"/>
+          </a:xfrm>
+          <a:prstGeom prst="straightConnector1">
+            <a:avLst/>
+          </a:prstGeom>
+          <a:ln>
+            <a:tailEnd type="triangle"/>
+          </a:ln>
+        </p:spPr>
+        <p:style>
+          <a:lnRef idx="2">
+            <a:schemeClr val="accent1"/>
+          </a:lnRef>
+          <a:fillRef idx="0">
+            <a:schemeClr val="accent1"/>
+          </a:fillRef>
+          <a:effectRef idx="1">
+            <a:schemeClr val="accent1"/>
+          </a:effectRef>
+          <a:fontRef idx="minor">
+            <a:schemeClr val="tx1"/>
+          </a:fontRef>
+        </p:style>
+      </p:cxnSp>
+      <p:cxnSp>
+        <p:nvCxnSpPr>
+          <p:cNvPr id="17" name="直接箭头连接符 16"/>
+          <p:cNvCxnSpPr>
+            <a:stCxn id="6" idx="2"/>
+            <a:endCxn id="10" idx="0"/>
+          </p:cNvCxnSpPr>
+          <p:nvPr/>
+        </p:nvCxnSpPr>
+        <p:spPr>
+          <a:xfrm flipH="1">
+            <a:off x="2391771" y="2359912"/>
+            <a:ext cx="1" cy="1331094"/>
+          </a:xfrm>
+          <a:prstGeom prst="straightConnector1">
+            <a:avLst/>
+          </a:prstGeom>
+          <a:ln>
+            <a:tailEnd type="triangle"/>
+          </a:ln>
+        </p:spPr>
+        <p:style>
+          <a:lnRef idx="2">
+            <a:schemeClr val="accent1"/>
+          </a:lnRef>
+          <a:fillRef idx="0">
+            <a:schemeClr val="accent1"/>
+          </a:fillRef>
+          <a:effectRef idx="1">
+            <a:schemeClr val="accent1"/>
+          </a:effectRef>
+          <a:fontRef idx="minor">
+            <a:schemeClr val="tx1"/>
+          </a:fontRef>
+        </p:style>
+      </p:cxnSp>
+      <p:cxnSp>
+        <p:nvCxnSpPr>
+          <p:cNvPr id="20" name="直接箭头连接符 19"/>
+          <p:cNvCxnSpPr>
+            <a:stCxn id="9" idx="2"/>
+            <a:endCxn id="8" idx="0"/>
+          </p:cNvCxnSpPr>
+          <p:nvPr/>
+        </p:nvCxnSpPr>
+        <p:spPr>
+          <a:xfrm>
+            <a:off x="3467274" y="2372465"/>
+            <a:ext cx="789159" cy="1316777"/>
+          </a:xfrm>
+          <a:prstGeom prst="straightConnector1">
+            <a:avLst/>
+          </a:prstGeom>
+          <a:ln>
+            <a:tailEnd type="triangle"/>
+          </a:ln>
+        </p:spPr>
+        <p:style>
+          <a:lnRef idx="2">
+            <a:schemeClr val="accent1"/>
+          </a:lnRef>
+          <a:fillRef idx="0">
+            <a:schemeClr val="accent1"/>
+          </a:fillRef>
+          <a:effectRef idx="1">
+            <a:schemeClr val="accent1"/>
+          </a:effectRef>
+          <a:fontRef idx="minor">
+            <a:schemeClr val="tx1"/>
+          </a:fontRef>
+        </p:style>
+      </p:cxnSp>
+      <p:cxnSp>
+        <p:nvCxnSpPr>
+          <p:cNvPr id="23" name="直接箭头连接符 22"/>
+          <p:cNvCxnSpPr>
+            <a:stCxn id="10" idx="3"/>
+            <a:endCxn id="8" idx="1"/>
+          </p:cNvCxnSpPr>
+          <p:nvPr/>
+        </p:nvCxnSpPr>
+        <p:spPr>
+          <a:xfrm flipV="1">
+            <a:off x="2975360" y="3873908"/>
+            <a:ext cx="939793" cy="1764"/>
+          </a:xfrm>
+          <a:prstGeom prst="straightConnector1">
+            <a:avLst/>
+          </a:prstGeom>
+          <a:ln>
+            <a:tailEnd type="triangle"/>
+          </a:ln>
+        </p:spPr>
+        <p:style>
+          <a:lnRef idx="2">
+            <a:schemeClr val="accent1"/>
+          </a:lnRef>
+          <a:fillRef idx="0">
+            <a:schemeClr val="accent1"/>
+          </a:fillRef>
+          <a:effectRef idx="1">
+            <a:schemeClr val="accent1"/>
+          </a:effectRef>
+          <a:fontRef idx="minor">
+            <a:schemeClr val="tx1"/>
+          </a:fontRef>
+        </p:style>
+      </p:cxnSp>
+      <p:sp>
+        <p:nvSpPr>
+          <p:cNvPr id="26" name="矩形 25"/>
+          <p:cNvSpPr/>
+          <p:nvPr/>
+        </p:nvSpPr>
+        <p:spPr>
+          <a:xfrm>
+            <a:off x="6312213" y="2033363"/>
+            <a:ext cx="972317" cy="369332"/>
+          </a:xfrm>
+          <a:prstGeom prst="rect">
+            <a:avLst/>
+          </a:prstGeom>
+          <a:noFill/>
+          <a:ln w="12700">
+            <a:solidFill>
+              <a:schemeClr val="tx1"/>
+            </a:solidFill>
+            <a:prstDash val="solid"/>
+          </a:ln>
+        </p:spPr>
+        <p:txBody>
+          <a:bodyPr wrap="none" lIns="91440" tIns="45720" rIns="91440" bIns="45720">
+            <a:spAutoFit/>
+          </a:bodyPr>
+          <a:lstStyle/>
+          <a:p>
+            <a:pPr algn="ctr"/>
+            <a:r>
+              <a:rPr lang="en-US" altLang="zh-CN" dirty="0">
+                <a:ln w="0"/>
+                <a:solidFill>
+                  <a:schemeClr val="accent1"/>
+                </a:solidFill>
+                <a:effectLst>
+                  <a:outerShdw blurRad="38100" dist="25400" dir="5400000" algn="ctr" rotWithShape="0">
+                    <a:srgbClr val="6E747A">
+                      <a:alpha val="43000"/>
+                    </a:srgbClr>
+                  </a:outerShdw>
+                </a:effectLst>
+              </a:rPr>
+              <a:t>s</a:t>
+            </a:r>
+            <a:r>
+              <a:rPr lang="en-US" altLang="zh-CN" b="0" cap="none" spc="0" dirty="0">
+                <a:ln w="0"/>
+                <a:solidFill>
+                  <a:schemeClr val="accent1"/>
+                </a:solidFill>
+                <a:effectLst>
+                  <a:outerShdw blurRad="38100" dist="25400" dir="5400000" algn="ctr" rotWithShape="0">
+                    <a:srgbClr val="6E747A">
+                      <a:alpha val="43000"/>
+                    </a:srgbClr>
+                  </a:outerShdw>
+                </a:effectLst>
+              </a:rPr>
+              <a:t>cript.sh</a:t>
+            </a:r>
+            <a:endParaRPr lang="zh-CN" altLang="en-US" b="0" cap="none" spc="0" dirty="0">
+              <a:ln w="0"/>
+              <a:solidFill>
+                <a:schemeClr val="accent1"/>
+              </a:solidFill>
+              <a:effectLst>
+                <a:outerShdw blurRad="38100" dist="25400" dir="5400000" algn="ctr" rotWithShape="0">
+                  <a:srgbClr val="6E747A">
+                    <a:alpha val="43000"/>
+                  </a:srgbClr>
+                </a:outerShdw>
+              </a:effectLst>
+            </a:endParaRPr>
+          </a:p>
+        </p:txBody>
+      </p:sp>
+      <p:sp>
+        <p:nvSpPr>
+          <p:cNvPr id="27" name="矩形 26"/>
+          <p:cNvSpPr/>
+          <p:nvPr/>
+        </p:nvSpPr>
+        <p:spPr>
+          <a:xfrm>
+            <a:off x="7991928" y="2029232"/>
+            <a:ext cx="1025410" cy="369332"/>
+          </a:xfrm>
+          <a:prstGeom prst="rect">
+            <a:avLst/>
+          </a:prstGeom>
+          <a:noFill/>
+          <a:ln w="12700">
+            <a:solidFill>
+              <a:schemeClr val="tx1"/>
+            </a:solidFill>
+            <a:prstDash val="solid"/>
+          </a:ln>
+        </p:spPr>
+        <p:txBody>
+          <a:bodyPr wrap="none" lIns="91440" tIns="45720" rIns="91440" bIns="45720">
+            <a:spAutoFit/>
+          </a:bodyPr>
+          <a:lstStyle/>
+          <a:p>
+            <a:pPr algn="ctr"/>
+            <a:r>
+              <a:rPr lang="en-US" altLang="zh-CN" dirty="0">
+                <a:ln w="0"/>
+                <a:solidFill>
+                  <a:schemeClr val="accent1"/>
+                </a:solidFill>
+                <a:effectLst>
+                  <a:outerShdw blurRad="38100" dist="25400" dir="5400000" algn="ctr" rotWithShape="0">
+                    <a:srgbClr val="6E747A">
+                      <a:alpha val="43000"/>
+                    </a:srgbClr>
+                  </a:outerShdw>
+                </a:effectLst>
+              </a:rPr>
+              <a:t>r</a:t>
+            </a:r>
+            <a:r>
+              <a:rPr lang="en-US" altLang="zh-CN" b="0" cap="none" spc="0" dirty="0">
+                <a:ln w="0"/>
+                <a:solidFill>
+                  <a:schemeClr val="accent1"/>
+                </a:solidFill>
+                <a:effectLst>
+                  <a:outerShdw blurRad="38100" dist="25400" dir="5400000" algn="ctr" rotWithShape="0">
+                    <a:srgbClr val="6E747A">
+                      <a:alpha val="43000"/>
+                    </a:srgbClr>
+                  </a:outerShdw>
+                </a:effectLst>
+              </a:rPr>
+              <a:t>esult.txt</a:t>
+            </a:r>
+            <a:endParaRPr lang="zh-CN" altLang="en-US" b="0" cap="none" spc="0" dirty="0">
+              <a:ln w="0"/>
+              <a:solidFill>
+                <a:schemeClr val="accent1"/>
+              </a:solidFill>
+              <a:effectLst>
+                <a:outerShdw blurRad="38100" dist="25400" dir="5400000" algn="ctr" rotWithShape="0">
+                  <a:srgbClr val="6E747A">
+                    <a:alpha val="43000"/>
+                  </a:srgbClr>
+                </a:outerShdw>
+              </a:effectLst>
+            </a:endParaRPr>
+          </a:p>
+        </p:txBody>
+      </p:sp>
+      <p:cxnSp>
+        <p:nvCxnSpPr>
+          <p:cNvPr id="29" name="直接箭头连接符 28"/>
+          <p:cNvCxnSpPr>
+            <a:cxnSpLocks/>
+            <a:stCxn id="28" idx="0"/>
+            <a:endCxn id="26" idx="2"/>
+          </p:cNvCxnSpPr>
+          <p:nvPr/>
+        </p:nvCxnSpPr>
+        <p:spPr>
+          <a:xfrm flipV="1">
+            <a:off x="5873031" y="2402695"/>
+            <a:ext cx="925341" cy="1286547"/>
+          </a:xfrm>
+          <a:prstGeom prst="straightConnector1">
+            <a:avLst/>
+          </a:prstGeom>
+          <a:ln>
+            <a:tailEnd type="triangle"/>
+          </a:ln>
+        </p:spPr>
+        <p:style>
+          <a:lnRef idx="2">
+            <a:schemeClr val="accent1"/>
+          </a:lnRef>
+          <a:fillRef idx="0">
+            <a:schemeClr val="accent1"/>
+          </a:fillRef>
+          <a:effectRef idx="1">
+            <a:schemeClr val="accent1"/>
+          </a:effectRef>
+          <a:fontRef idx="minor">
+            <a:schemeClr val="tx1"/>
+          </a:fontRef>
+        </p:style>
+      </p:cxnSp>
+      <p:cxnSp>
+        <p:nvCxnSpPr>
+          <p:cNvPr id="31" name="直接箭头连接符 30"/>
+          <p:cNvCxnSpPr>
+            <a:endCxn id="27" idx="1"/>
+          </p:cNvCxnSpPr>
+          <p:nvPr/>
+        </p:nvCxnSpPr>
+        <p:spPr>
+          <a:xfrm flipV="1">
+            <a:off x="7284530" y="2213898"/>
+            <a:ext cx="707398" cy="5895"/>
+          </a:xfrm>
+          <a:prstGeom prst="straightConnector1">
+            <a:avLst/>
+          </a:prstGeom>
+          <a:ln>
+            <a:tailEnd type="triangle"/>
+          </a:ln>
+        </p:spPr>
+        <p:style>
+          <a:lnRef idx="2">
+            <a:schemeClr val="accent1"/>
+          </a:lnRef>
+          <a:fillRef idx="0">
+            <a:schemeClr val="accent1"/>
+          </a:fillRef>
+          <a:effectRef idx="1">
+            <a:schemeClr val="accent1"/>
+          </a:effectRef>
+          <a:fontRef idx="minor">
+            <a:schemeClr val="tx1"/>
+          </a:fontRef>
+        </p:style>
+      </p:cxnSp>
+      <p:cxnSp>
+        <p:nvCxnSpPr>
+          <p:cNvPr id="38" name="直接箭头连接符 37"/>
+          <p:cNvCxnSpPr>
+            <a:cxnSpLocks/>
+            <a:stCxn id="40" idx="2"/>
+            <a:endCxn id="8" idx="0"/>
+          </p:cNvCxnSpPr>
+          <p:nvPr/>
+        </p:nvCxnSpPr>
+        <p:spPr>
+          <a:xfrm flipH="1">
+            <a:off x="4256433" y="1734741"/>
+            <a:ext cx="1277842" cy="1954501"/>
+          </a:xfrm>
+          <a:prstGeom prst="straightConnector1">
+            <a:avLst/>
+          </a:prstGeom>
+          <a:ln>
+            <a:tailEnd type="triangle"/>
+          </a:ln>
+        </p:spPr>
+        <p:style>
+          <a:lnRef idx="2">
+            <a:schemeClr val="accent1"/>
+          </a:lnRef>
+          <a:fillRef idx="0">
+            <a:schemeClr val="accent1"/>
+          </a:fillRef>
+          <a:effectRef idx="1">
+            <a:schemeClr val="accent1"/>
+          </a:effectRef>
+          <a:fontRef idx="minor">
+            <a:schemeClr val="tx1"/>
+          </a:fontRef>
+        </p:style>
+      </p:cxnSp>
+      <p:sp>
+        <p:nvSpPr>
+          <p:cNvPr id="40" name="矩形 39"/>
+          <p:cNvSpPr/>
+          <p:nvPr/>
+        </p:nvSpPr>
+        <p:spPr>
+          <a:xfrm>
+            <a:off x="4671731" y="1396187"/>
+            <a:ext cx="1725088" cy="338554"/>
+          </a:xfrm>
+          <a:prstGeom prst="rect">
+            <a:avLst/>
+          </a:prstGeom>
+          <a:noFill/>
+          <a:ln w="12700">
+            <a:solidFill>
+              <a:schemeClr val="tx1"/>
+            </a:solidFill>
+            <a:prstDash val="solid"/>
+          </a:ln>
+        </p:spPr>
+        <p:txBody>
+          <a:bodyPr wrap="none" lIns="91440" tIns="45720" rIns="91440" bIns="45720">
+            <a:spAutoFit/>
+          </a:bodyPr>
+          <a:lstStyle/>
+          <a:p>
+            <a:pPr algn="ctr"/>
+            <a:r>
+              <a:rPr lang="en-US" altLang="zh-CN" sz="1600" b="0" cap="none" spc="0" dirty="0" err="1">
+                <a:ln w="0"/>
+                <a:solidFill>
+                  <a:schemeClr val="accent1"/>
+                </a:solidFill>
+                <a:effectLst>
+                  <a:outerShdw blurRad="38100" dist="25400" dir="5400000" algn="ctr" rotWithShape="0">
+                    <a:srgbClr val="6E747A">
+                      <a:alpha val="43000"/>
+                    </a:srgbClr>
+                  </a:outerShdw>
+                </a:effectLst>
+              </a:rPr>
+              <a:t>Fichiers</a:t>
+            </a:r>
+            <a:r>
+              <a:rPr lang="en-US" altLang="zh-CN" sz="1600" b="0" cap="none" spc="0" dirty="0">
+                <a:ln w="0"/>
+                <a:solidFill>
+                  <a:schemeClr val="accent1"/>
+                </a:solidFill>
+                <a:effectLst>
+                  <a:outerShdw blurRad="38100" dist="25400" dir="5400000" algn="ctr" rotWithShape="0">
+                    <a:srgbClr val="6E747A">
+                      <a:alpha val="43000"/>
+                    </a:srgbClr>
+                  </a:outerShdw>
+                </a:effectLst>
+              </a:rPr>
+              <a:t> de </a:t>
+            </a:r>
+            <a:r>
+              <a:rPr lang="en-US" altLang="zh-CN" sz="1600" b="0" cap="none" spc="0" dirty="0" err="1">
+                <a:ln w="0"/>
+                <a:solidFill>
+                  <a:schemeClr val="accent1"/>
+                </a:solidFill>
+                <a:effectLst>
+                  <a:outerShdw blurRad="38100" dist="25400" dir="5400000" algn="ctr" rotWithShape="0">
+                    <a:srgbClr val="6E747A">
+                      <a:alpha val="43000"/>
+                    </a:srgbClr>
+                  </a:outerShdw>
+                </a:effectLst>
+              </a:rPr>
+              <a:t>conflits</a:t>
+            </a:r>
+            <a:endParaRPr lang="zh-CN" altLang="en-US" sz="1600" b="0" cap="none" spc="0" dirty="0">
+              <a:ln w="0"/>
+              <a:solidFill>
+                <a:schemeClr val="accent1"/>
+              </a:solidFill>
+              <a:effectLst>
+                <a:outerShdw blurRad="38100" dist="25400" dir="5400000" algn="ctr" rotWithShape="0">
+                  <a:srgbClr val="6E747A">
+                    <a:alpha val="43000"/>
+                  </a:srgbClr>
+                </a:outerShdw>
+              </a:effectLst>
+            </a:endParaRPr>
+          </a:p>
+        </p:txBody>
+      </p:sp>
+      <p:sp>
+        <p:nvSpPr>
+          <p:cNvPr id="47" name="矩形 46"/>
+          <p:cNvSpPr/>
+          <p:nvPr/>
+        </p:nvSpPr>
+        <p:spPr>
+          <a:xfrm>
+            <a:off x="492369" y="1871005"/>
+            <a:ext cx="4375053" cy="2539218"/>
+          </a:xfrm>
+          <a:prstGeom prst="rect">
+            <a:avLst/>
+          </a:prstGeom>
+          <a:noFill/>
+          <a:ln>
+            <a:prstDash val="dash"/>
+          </a:ln>
+        </p:spPr>
+        <p:style>
+          <a:lnRef idx="1">
+            <a:schemeClr val="accent1"/>
+          </a:lnRef>
+          <a:fillRef idx="3">
+            <a:schemeClr val="accent1"/>
+          </a:fillRef>
+          <a:effectRef idx="2">
+            <a:schemeClr val="accent1"/>
+          </a:effectRef>
+          <a:fontRef idx="minor">
+            <a:schemeClr val="lt1"/>
+          </a:fontRef>
+        </p:style>
+        <p:txBody>
+          <a:bodyPr rtlCol="0" anchor="ctr"/>
+          <a:lstStyle/>
+          <a:p>
+            <a:pPr algn="ctr"/>
+            <a:endParaRPr lang="zh-CN" altLang="en-US"/>
+          </a:p>
+        </p:txBody>
+      </p:sp>
+      <p:sp>
+        <p:nvSpPr>
+          <p:cNvPr id="48" name="Content Placeholder 2">
             <a:extLst>
               <a:ext uri="{FF2B5EF4-FFF2-40B4-BE49-F238E27FC236}">
-                <a16:creationId xmlns:a16="http://schemas.microsoft.com/office/drawing/2014/main" id="{C375FF70-D5FF-6149-8B91-D6D441965858}"/>
+                <a16:creationId xmlns:a16="http://schemas.microsoft.com/office/drawing/2014/main" id="{D43EA66C-DF35-5441-80CB-52513DF7AB9F}"/>
               </a:ext>
             </a:extLst>
           </p:cNvPr>
-          <p:cNvSpPr>
-            <a:spLocks noGrp="1"/>
+          <p:cNvSpPr txBox="1">
+            <a:spLocks/>
           </p:cNvSpPr>
-          <p:nvPr>
-            <p:ph idx="1"/>
-          </p:nvPr>
+          <p:nvPr/>
+        </p:nvSpPr>
+        <p:spPr bwMode="auto">
+          <a:xfrm>
+            <a:off x="1937160" y="4414479"/>
+            <a:ext cx="1229298" cy="349504"/>
+          </a:xfrm>
+          <a:prstGeom prst="rect">
+            <a:avLst/>
+          </a:prstGeom>
+          <a:noFill/>
+          <a:ln>
+            <a:noFill/>
+          </a:ln>
+          <a:extLst>
+            <a:ext uri="{909E8E84-426E-40dd-AFC4-6F175D3DCCD1}">
+              <a14:hiddenFill xmlns="" xmlns:a14="http://schemas.microsoft.com/office/drawing/2010/main">
+                <a:solidFill>
+                  <a:srgbClr val="FFFFFF"/>
+                </a:solidFill>
+              </a14:hiddenFill>
+            </a:ext>
+            <a:ext uri="{91240B29-F687-4f45-9708-019B960494DF}">
+              <a14:hiddenLine xmlns="" xmlns:a14="http://schemas.microsoft.com/office/drawing/2010/main" w="9525">
+                <a:solidFill>
+                  <a:srgbClr val="000000"/>
+                </a:solidFill>
+                <a:miter lim="800000"/>
+                <a:headEnd/>
+                <a:tailEnd/>
+              </a14:hiddenLine>
+            </a:ext>
+            <a:ext uri="{FAA26D3D-D897-4be2-8F04-BA451C77F1D7}">
+              <ma14:placeholderFlag xmlns="" xmlns:ma14="http://schemas.microsoft.com/office/mac/drawingml/2011/main" val="1"/>
+            </a:ext>
+          </a:extLst>
+        </p:spPr>
+        <p:txBody>
+          <a:bodyPr vert="horz" wrap="square" lIns="91440" tIns="45720" rIns="91440" bIns="45720" numCol="1" anchor="t" anchorCtr="0" compatLnSpc="1">
+            <a:prstTxWarp prst="textNoShape">
+              <a:avLst/>
+            </a:prstTxWarp>
+            <a:noAutofit/>
+          </a:bodyPr>
+          <a:lstStyle>
+            <a:lvl1pPr marL="342900" indent="-342900" algn="l" defTabSz="457200" rtl="0" eaLnBrk="1" fontAlgn="base" hangingPunct="1">
+              <a:spcBef>
+                <a:spcPct val="20000"/>
+              </a:spcBef>
+              <a:spcAft>
+                <a:spcPct val="0"/>
+              </a:spcAft>
+              <a:buFont typeface="Arial" charset="0"/>
+              <a:buChar char="•"/>
+              <a:defRPr sz="3200" kern="1200">
+                <a:solidFill>
+                  <a:schemeClr val="tx1"/>
+                </a:solidFill>
+                <a:latin typeface="+mn-lt"/>
+                <a:ea typeface="ＭＳ Ｐゴシック" charset="0"/>
+                <a:cs typeface="ＭＳ Ｐゴシック" charset="0"/>
+              </a:defRPr>
+            </a:lvl1pPr>
+            <a:lvl2pPr marL="742950" indent="-285750" algn="l" defTabSz="457200" rtl="0" eaLnBrk="1" fontAlgn="base" hangingPunct="1">
+              <a:spcBef>
+                <a:spcPct val="20000"/>
+              </a:spcBef>
+              <a:spcAft>
+                <a:spcPct val="0"/>
+              </a:spcAft>
+              <a:buFont typeface="Arial" charset="0"/>
+              <a:buChar char="–"/>
+              <a:defRPr sz="2800" kern="1200">
+                <a:solidFill>
+                  <a:schemeClr val="tx1"/>
+                </a:solidFill>
+                <a:latin typeface="+mn-lt"/>
+                <a:ea typeface="ＭＳ Ｐゴシック" charset="0"/>
+                <a:cs typeface="+mn-cs"/>
+              </a:defRPr>
+            </a:lvl2pPr>
+            <a:lvl3pPr marL="1143000" indent="-228600" algn="l" defTabSz="457200" rtl="0" eaLnBrk="1" fontAlgn="base" hangingPunct="1">
+              <a:spcBef>
+                <a:spcPct val="20000"/>
+              </a:spcBef>
+              <a:spcAft>
+                <a:spcPct val="0"/>
+              </a:spcAft>
+              <a:buFont typeface="Arial" charset="0"/>
+              <a:buChar char="•"/>
+              <a:defRPr sz="2400" kern="1200">
+                <a:solidFill>
+                  <a:schemeClr val="tx1"/>
+                </a:solidFill>
+                <a:latin typeface="+mn-lt"/>
+                <a:ea typeface="ＭＳ Ｐゴシック" charset="0"/>
+                <a:cs typeface="+mn-cs"/>
+              </a:defRPr>
+            </a:lvl3pPr>
+            <a:lvl4pPr marL="1600200" indent="-228600" algn="l" defTabSz="457200" rtl="0" eaLnBrk="1" fontAlgn="base" hangingPunct="1">
+              <a:spcBef>
+                <a:spcPct val="20000"/>
+              </a:spcBef>
+              <a:spcAft>
+                <a:spcPct val="0"/>
+              </a:spcAft>
+              <a:buFont typeface="Arial" charset="0"/>
+              <a:buChar char="–"/>
+              <a:defRPr sz="2000" kern="1200">
+                <a:solidFill>
+                  <a:schemeClr val="tx1"/>
+                </a:solidFill>
+                <a:latin typeface="+mn-lt"/>
+                <a:ea typeface="ＭＳ Ｐゴシック" charset="0"/>
+                <a:cs typeface="+mn-cs"/>
+              </a:defRPr>
+            </a:lvl4pPr>
+            <a:lvl5pPr marL="2057400" indent="-228600" algn="l" defTabSz="457200" rtl="0" eaLnBrk="1" fontAlgn="base" hangingPunct="1">
+              <a:spcBef>
+                <a:spcPct val="20000"/>
+              </a:spcBef>
+              <a:spcAft>
+                <a:spcPct val="0"/>
+              </a:spcAft>
+              <a:buFont typeface="Arial" charset="0"/>
+              <a:buChar char="»"/>
+              <a:defRPr sz="2000" kern="1200">
+                <a:solidFill>
+                  <a:schemeClr val="tx1"/>
+                </a:solidFill>
+                <a:latin typeface="+mn-lt"/>
+                <a:ea typeface="ＭＳ Ｐゴシック" charset="0"/>
+                <a:cs typeface="+mn-cs"/>
+              </a:defRPr>
+            </a:lvl5pPr>
+            <a:lvl6pPr marL="2514600" indent="-228600" algn="l" defTabSz="457200" rtl="0" eaLnBrk="1" latinLnBrk="0" hangingPunct="1">
+              <a:spcBef>
+                <a:spcPct val="20000"/>
+              </a:spcBef>
+              <a:buFont typeface="Arial"/>
+              <a:buChar char="•"/>
+              <a:defRPr sz="2000" kern="1200">
+                <a:solidFill>
+                  <a:schemeClr val="tx1"/>
+                </a:solidFill>
+                <a:latin typeface="+mn-lt"/>
+                <a:ea typeface="+mn-ea"/>
+                <a:cs typeface="+mn-cs"/>
+              </a:defRPr>
+            </a:lvl6pPr>
+            <a:lvl7pPr marL="2971800" indent="-228600" algn="l" defTabSz="457200" rtl="0" eaLnBrk="1" latinLnBrk="0" hangingPunct="1">
+              <a:spcBef>
+                <a:spcPct val="20000"/>
+              </a:spcBef>
+              <a:buFont typeface="Arial"/>
+              <a:buChar char="•"/>
+              <a:defRPr sz="2000" kern="1200">
+                <a:solidFill>
+                  <a:schemeClr val="tx1"/>
+                </a:solidFill>
+                <a:latin typeface="+mn-lt"/>
+                <a:ea typeface="+mn-ea"/>
+                <a:cs typeface="+mn-cs"/>
+              </a:defRPr>
+            </a:lvl7pPr>
+            <a:lvl8pPr marL="3429000" indent="-228600" algn="l" defTabSz="457200" rtl="0" eaLnBrk="1" latinLnBrk="0" hangingPunct="1">
+              <a:spcBef>
+                <a:spcPct val="20000"/>
+              </a:spcBef>
+              <a:buFont typeface="Arial"/>
+              <a:buChar char="•"/>
+              <a:defRPr sz="2000" kern="1200">
+                <a:solidFill>
+                  <a:schemeClr val="tx1"/>
+                </a:solidFill>
+                <a:latin typeface="+mn-lt"/>
+                <a:ea typeface="+mn-ea"/>
+                <a:cs typeface="+mn-cs"/>
+              </a:defRPr>
+            </a:lvl8pPr>
+            <a:lvl9pPr marL="3886200" indent="-228600" algn="l" defTabSz="457200" rtl="0" eaLnBrk="1" latinLnBrk="0" hangingPunct="1">
+              <a:spcBef>
+                <a:spcPct val="20000"/>
+              </a:spcBef>
+              <a:buFont typeface="Arial"/>
+              <a:buChar char="•"/>
+              <a:defRPr sz="2000" kern="1200">
+                <a:solidFill>
+                  <a:schemeClr val="tx1"/>
+                </a:solidFill>
+                <a:latin typeface="+mn-lt"/>
+                <a:ea typeface="+mn-ea"/>
+                <a:cs typeface="+mn-cs"/>
+              </a:defRPr>
+            </a:lvl9pPr>
+          </a:lstStyle>
+          <a:p>
+            <a:pPr marL="0" indent="0">
+              <a:buFont typeface="Arial" charset="0"/>
+              <a:buNone/>
+            </a:pPr>
+            <a:r>
+              <a:rPr lang="en-US" altLang="zh-CN" sz="1200" dirty="0" err="1">
+                <a:solidFill>
+                  <a:srgbClr val="404040"/>
+                </a:solidFill>
+              </a:rPr>
+              <a:t>Ocaml</a:t>
+            </a:r>
+            <a:r>
+              <a:rPr lang="en-US" altLang="zh-CN" sz="1200" dirty="0">
+                <a:solidFill>
+                  <a:srgbClr val="404040"/>
+                </a:solidFill>
+              </a:rPr>
+              <a:t> Modules</a:t>
+            </a:r>
+            <a:endParaRPr lang="fr-FR" sz="1200" dirty="0">
+              <a:solidFill>
+                <a:srgbClr val="404040"/>
+              </a:solidFill>
+            </a:endParaRPr>
+          </a:p>
+        </p:txBody>
+      </p:sp>
+      <p:sp>
+        <p:nvSpPr>
+          <p:cNvPr id="28" name="矩形 25">
+            <a:extLst>
+              <a:ext uri="{FF2B5EF4-FFF2-40B4-BE49-F238E27FC236}">
+                <a16:creationId xmlns:a16="http://schemas.microsoft.com/office/drawing/2014/main" id="{028E546F-8B9A-5C48-810C-C01835D33CB4}"/>
+              </a:ext>
+            </a:extLst>
+          </p:cNvPr>
+          <p:cNvSpPr/>
+          <p:nvPr/>
         </p:nvSpPr>
         <p:spPr>
           <a:xfrm>
-            <a:off x="1279547" y="1718447"/>
-            <a:ext cx="6584634" cy="2159442"/>
-          </a:xfrm>
-        </p:spPr>
-        <p:txBody>
-          <a:bodyPr>
-            <a:normAutofit/>
+            <a:off x="5272995" y="3689242"/>
+            <a:ext cx="1200072" cy="369332"/>
+          </a:xfrm>
+          <a:prstGeom prst="rect">
+            <a:avLst/>
+          </a:prstGeom>
+          <a:noFill/>
+          <a:ln w="12700">
+            <a:solidFill>
+              <a:schemeClr val="tx1"/>
+            </a:solidFill>
+            <a:prstDash val="solid"/>
+          </a:ln>
+        </p:spPr>
+        <p:txBody>
+          <a:bodyPr wrap="none" lIns="91440" tIns="45720" rIns="91440" bIns="45720">
+            <a:spAutoFit/>
           </a:bodyPr>
           <a:lstStyle/>
           <a:p>
-            <a:r>
-              <a:rPr lang="fr-FR">
-                <a:solidFill>
-                  <a:srgbClr val="404040"/>
-                </a:solidFill>
+            <a:pPr algn="ctr"/>
+            <a:r>
+              <a:rPr lang="en-US" altLang="zh-CN" b="0" cap="none" spc="0" dirty="0">
+                <a:ln w="0"/>
+                <a:solidFill>
+                  <a:schemeClr val="accent1"/>
+                </a:solidFill>
+                <a:effectLst>
+                  <a:outerShdw blurRad="38100" dist="25400" dir="5400000" algn="ctr" rotWithShape="0">
+                    <a:srgbClr val="6E747A">
+                      <a:alpha val="43000"/>
+                    </a:srgbClr>
+                  </a:outerShdw>
+                </a:effectLst>
               </a:rPr>
-              <a:t>Il faudra certainement plusieurs diapos</a:t>
-            </a:r>
-          </a:p>
-        </p:txBody>
-      </p:sp>
+              <a:t>Executable</a:t>
+            </a:r>
+            <a:endParaRPr lang="zh-CN" altLang="en-US" b="0" cap="none" spc="0" dirty="0">
+              <a:ln w="0"/>
+              <a:solidFill>
+                <a:schemeClr val="accent1"/>
+              </a:solidFill>
+              <a:effectLst>
+                <a:outerShdw blurRad="38100" dist="25400" dir="5400000" algn="ctr" rotWithShape="0">
+                  <a:srgbClr val="6E747A">
+                    <a:alpha val="43000"/>
+                  </a:srgbClr>
+                </a:outerShdw>
+              </a:effectLst>
+            </a:endParaRPr>
+          </a:p>
+        </p:txBody>
+      </p:sp>
+      <p:cxnSp>
+        <p:nvCxnSpPr>
+          <p:cNvPr id="30" name="直接箭头连接符 28">
+            <a:extLst>
+              <a:ext uri="{FF2B5EF4-FFF2-40B4-BE49-F238E27FC236}">
+                <a16:creationId xmlns:a16="http://schemas.microsoft.com/office/drawing/2014/main" id="{AEE54C1A-F9FE-F149-8EE0-06CBCF5E13CF}"/>
+              </a:ext>
+            </a:extLst>
+          </p:cNvPr>
+          <p:cNvCxnSpPr>
+            <a:cxnSpLocks/>
+            <a:endCxn id="28" idx="1"/>
+          </p:cNvCxnSpPr>
+          <p:nvPr/>
+        </p:nvCxnSpPr>
+        <p:spPr>
+          <a:xfrm flipV="1">
+            <a:off x="4607911" y="3873908"/>
+            <a:ext cx="665084" cy="4268"/>
+          </a:xfrm>
+          <a:prstGeom prst="straightConnector1">
+            <a:avLst/>
+          </a:prstGeom>
+          <a:ln>
+            <a:tailEnd type="triangle"/>
+          </a:ln>
+        </p:spPr>
+        <p:style>
+          <a:lnRef idx="2">
+            <a:schemeClr val="accent1"/>
+          </a:lnRef>
+          <a:fillRef idx="0">
+            <a:schemeClr val="accent1"/>
+          </a:fillRef>
+          <a:effectRef idx="1">
+            <a:schemeClr val="accent1"/>
+          </a:effectRef>
+          <a:fontRef idx="minor">
+            <a:schemeClr val="tx1"/>
+          </a:fontRef>
+        </p:style>
+      </p:cxnSp>
     </p:spTree>
     <p:extLst>
       <p:ext uri="{BB962C8B-B14F-4D97-AF65-F5344CB8AC3E}">
-        <p14:creationId xmlns:p14="http://schemas.microsoft.com/office/powerpoint/2010/main" val="3368598807"/>
+        <p14:creationId xmlns:p14="http://schemas.microsoft.com/office/powerpoint/2010/main" val="4017441055"/>
       </p:ext>
     </p:extLst>
   </p:cSld>
@@ -4553,7 +10105,7 @@
           <p:cNvPr id="2" name="Title 1">
             <a:extLst>
               <a:ext uri="{FF2B5EF4-FFF2-40B4-BE49-F238E27FC236}">
-                <a16:creationId xmlns:a16="http://schemas.microsoft.com/office/drawing/2014/main" id="{2DBA6965-7C27-9A4D-97D6-57DDA9195A60}"/>
+                <a16:creationId xmlns:a16="http://schemas.microsoft.com/office/drawing/2014/main" id="{3C9AB30C-CCB4-B84C-AB50-33258E521156}"/>
               </a:ext>
             </a:extLst>
           </p:cNvPr>
@@ -4566,21 +10118,20 @@
         </p:nvSpPr>
         <p:spPr>
           <a:xfrm>
-            <a:off x="1673352" y="350564"/>
+            <a:off x="1673216" y="287104"/>
             <a:ext cx="5797296" cy="891540"/>
           </a:xfrm>
         </p:spPr>
         <p:txBody>
           <a:bodyPr>
-            <a:normAutofit/>
+            <a:noAutofit/>
           </a:bodyPr>
           <a:lstStyle/>
           <a:p>
             <a:r>
-              <a:rPr lang="fr-FR"/>
-              <a:t>Conclusion et ouverture</a:t>
-            </a:r>
-            <a:endParaRPr lang="fr-FR" dirty="0"/>
+              <a:rPr lang="fr-FR" sz="4000" dirty="0"/>
+              <a:t>II-3.Différents filtres</a:t>
+            </a:r>
           </a:p>
         </p:txBody>
       </p:sp>
@@ -4589,7 +10140,7 @@
           <p:cNvPr id="3" name="Content Placeholder 2">
             <a:extLst>
               <a:ext uri="{FF2B5EF4-FFF2-40B4-BE49-F238E27FC236}">
-                <a16:creationId xmlns:a16="http://schemas.microsoft.com/office/drawing/2014/main" id="{B6A1F5A7-46E0-D64E-A84F-CBBEFB1D9118}"/>
+                <a16:creationId xmlns:a16="http://schemas.microsoft.com/office/drawing/2014/main" id="{278CC9C8-0C8E-C441-AE32-6DC5051E84F0}"/>
               </a:ext>
             </a:extLst>
           </p:cNvPr>
@@ -4602,34 +10153,66 @@
         </p:nvSpPr>
         <p:spPr>
           <a:xfrm>
-            <a:off x="1279547" y="1718447"/>
+            <a:off x="1279547" y="1908185"/>
             <a:ext cx="6584634" cy="2159442"/>
           </a:xfrm>
         </p:spPr>
         <p:txBody>
           <a:bodyPr>
-            <a:normAutofit/>
+            <a:normAutofit lnSpcReduction="10000"/>
           </a:bodyPr>
           <a:lstStyle/>
           <a:p>
             <a:r>
-              <a:rPr lang="fr-FR">
+              <a:rPr lang="fr-FR" dirty="0">
                 <a:solidFill>
                   <a:srgbClr val="404040"/>
                 </a:solidFill>
               </a:rPr>
-              <a:t>Impact du filtre AC3 vs impact de la borne mij </a:t>
-            </a:r>
-            <a:r>
-              <a:rPr lang="fr-FR">
+              <a:t>Le filtre permet de gérer les conflits entre les avions</a:t>
+            </a:r>
+          </a:p>
+          <a:p>
+            <a:r>
+              <a:rPr lang="fr-FR" dirty="0">
                 <a:solidFill>
                   <a:srgbClr val="404040"/>
                 </a:solidFill>
-                <a:sym typeface="Wingdings" pitchFamily="2" charset="2"/>
               </a:rPr>
-              <a:t> indique la direction à suivre pour améliorer efficacement notre algorithme</a:t>
-            </a:r>
-            <a:endParaRPr lang="fr-FR">
+              <a:t>Filtre naïf et filtre utilisant AC3</a:t>
+            </a:r>
+          </a:p>
+          <a:p>
+            <a:r>
+              <a:rPr lang="fr-FR" dirty="0">
+                <a:solidFill>
+                  <a:srgbClr val="404040"/>
+                </a:solidFill>
+              </a:rPr>
+              <a:t>AC3 : ‘arc </a:t>
+            </a:r>
+            <a:r>
+              <a:rPr lang="fr-FR" dirty="0" err="1">
+                <a:solidFill>
+                  <a:srgbClr val="404040"/>
+                </a:solidFill>
+              </a:rPr>
+              <a:t>consistency</a:t>
+            </a:r>
+            <a:r>
+              <a:rPr lang="fr-FR" dirty="0">
+                <a:solidFill>
+                  <a:srgbClr val="404040"/>
+                </a:solidFill>
+              </a:rPr>
+              <a:t>’ algorithme #3</a:t>
+            </a:r>
+          </a:p>
+          <a:p>
+            <a:pPr marL="0" indent="0">
+              <a:buNone/>
+            </a:pPr>
+            <a:endParaRPr lang="fr-FR" dirty="0">
               <a:solidFill>
                 <a:srgbClr val="404040"/>
               </a:solidFill>
@@ -4640,7 +10223,956 @@
     </p:spTree>
     <p:extLst>
       <p:ext uri="{BB962C8B-B14F-4D97-AF65-F5344CB8AC3E}">
-        <p14:creationId xmlns:p14="http://schemas.microsoft.com/office/powerpoint/2010/main" val="4154592623"/>
+        <p14:creationId xmlns:p14="http://schemas.microsoft.com/office/powerpoint/2010/main" val="3747876547"/>
+      </p:ext>
+    </p:extLst>
+  </p:cSld>
+  <p:clrMapOvr>
+    <a:masterClrMapping/>
+  </p:clrMapOvr>
+</p:sld>
+</file>
+
+<file path=ppt/slides/slide9.xml><?xml version="1.0" encoding="utf-8"?>
+<p:sld xmlns:a="http://schemas.openxmlformats.org/drawingml/2006/main" xmlns:r="http://schemas.openxmlformats.org/officeDocument/2006/relationships" xmlns:p="http://schemas.openxmlformats.org/presentationml/2006/main">
+  <p:cSld>
+    <p:spTree>
+      <p:nvGrpSpPr>
+        <p:cNvPr id="1" name=""/>
+        <p:cNvGrpSpPr/>
+        <p:nvPr/>
+      </p:nvGrpSpPr>
+      <p:grpSpPr>
+        <a:xfrm>
+          <a:off x="0" y="0"/>
+          <a:ext cx="0" cy="0"/>
+          <a:chOff x="0" y="0"/>
+          <a:chExt cx="0" cy="0"/>
+        </a:xfrm>
+      </p:grpSpPr>
+      <p:sp>
+        <p:nvSpPr>
+          <p:cNvPr id="2" name="Titre 1">
+            <a:extLst>
+              <a:ext uri="{FF2B5EF4-FFF2-40B4-BE49-F238E27FC236}">
+                <a16:creationId xmlns:a16="http://schemas.microsoft.com/office/drawing/2014/main" id="{44B76778-818F-4843-8604-95BF169BC201}"/>
+              </a:ext>
+            </a:extLst>
+          </p:cNvPr>
+          <p:cNvSpPr>
+            <a:spLocks noGrp="1"/>
+          </p:cNvSpPr>
+          <p:nvPr>
+            <p:ph type="title"/>
+          </p:nvPr>
+        </p:nvSpPr>
+        <p:spPr/>
+        <p:txBody>
+          <a:bodyPr/>
+          <a:lstStyle/>
+          <a:p>
+            <a:r>
+              <a:rPr lang="fr-FR" dirty="0"/>
+              <a:t>Filtre naïf</a:t>
+            </a:r>
+          </a:p>
+        </p:txBody>
+      </p:sp>
+      <p:sp>
+        <p:nvSpPr>
+          <p:cNvPr id="3" name="Espace réservé du contenu 2">
+            <a:extLst>
+              <a:ext uri="{FF2B5EF4-FFF2-40B4-BE49-F238E27FC236}">
+                <a16:creationId xmlns:a16="http://schemas.microsoft.com/office/drawing/2014/main" id="{7D6B4643-F3C2-4B41-97B5-076BB2889B37}"/>
+              </a:ext>
+            </a:extLst>
+          </p:cNvPr>
+          <p:cNvSpPr>
+            <a:spLocks noGrp="1"/>
+          </p:cNvSpPr>
+          <p:nvPr>
+            <p:ph idx="1"/>
+          </p:nvPr>
+        </p:nvSpPr>
+        <p:spPr>
+          <a:xfrm>
+            <a:off x="457200" y="1063229"/>
+            <a:ext cx="2734056" cy="3394472"/>
+          </a:xfrm>
+        </p:spPr>
+        <p:txBody>
+          <a:bodyPr/>
+          <a:lstStyle/>
+          <a:p>
+            <a:pPr marL="0" indent="0">
+              <a:buNone/>
+            </a:pPr>
+            <a:r>
+              <a:rPr lang="fr-FR" sz="2000" dirty="0"/>
+              <a:t>Avion </a:t>
+            </a:r>
+            <a:r>
+              <a:rPr lang="fr-FR" sz="2000" dirty="0">
+                <a:sym typeface="Wingdings" pitchFamily="2" charset="2"/>
+              </a:rPr>
+              <a:t> manœuvres possibles</a:t>
+            </a:r>
+            <a:endParaRPr lang="fr-FR" sz="2000" dirty="0"/>
+          </a:p>
+          <a:p>
+            <a:pPr marL="0" indent="0" algn="ctr">
+              <a:buNone/>
+            </a:pPr>
+            <a:r>
+              <a:rPr lang="fr-FR" sz="2800" dirty="0"/>
+              <a:t>i</a:t>
+            </a:r>
+            <a:r>
+              <a:rPr lang="fr-FR" sz="2800" dirty="0">
+                <a:sym typeface="Wingdings" pitchFamily="2" charset="2"/>
+              </a:rPr>
+              <a:t> {1,2,3,4}</a:t>
+            </a:r>
+            <a:endParaRPr lang="fr-FR" sz="2800" dirty="0"/>
+          </a:p>
+          <a:p>
+            <a:pPr marL="0" indent="0" algn="ctr">
+              <a:buNone/>
+            </a:pPr>
+            <a:r>
+              <a:rPr lang="fr-FR" sz="2800" dirty="0"/>
+              <a:t>j </a:t>
+            </a:r>
+            <a:r>
+              <a:rPr lang="fr-FR" sz="2800" dirty="0">
+                <a:sym typeface="Wingdings" pitchFamily="2" charset="2"/>
+              </a:rPr>
+              <a:t> {1,2,3,4}</a:t>
+            </a:r>
+            <a:endParaRPr lang="fr-FR" sz="2800" dirty="0"/>
+          </a:p>
+          <a:p>
+            <a:pPr marL="0" indent="0" algn="ctr">
+              <a:buNone/>
+            </a:pPr>
+            <a:r>
+              <a:rPr lang="fr-FR" sz="2800" dirty="0"/>
+              <a:t>k</a:t>
+            </a:r>
+            <a:r>
+              <a:rPr lang="fr-FR" sz="2800" dirty="0">
+                <a:sym typeface="Wingdings" pitchFamily="2" charset="2"/>
+              </a:rPr>
+              <a:t> {1,2,3,4}</a:t>
+            </a:r>
+            <a:endParaRPr lang="fr-FR" sz="2800" dirty="0"/>
+          </a:p>
+          <a:p>
+            <a:pPr marL="0" indent="0" algn="ctr">
+              <a:buNone/>
+            </a:pPr>
+            <a:r>
+              <a:rPr lang="fr-FR" sz="2800" dirty="0"/>
+              <a:t>Avant filtrage</a:t>
+            </a:r>
+          </a:p>
+        </p:txBody>
+      </p:sp>
+      <p:sp>
+        <p:nvSpPr>
+          <p:cNvPr id="6" name="Espace réservé du contenu 2">
+            <a:extLst>
+              <a:ext uri="{FF2B5EF4-FFF2-40B4-BE49-F238E27FC236}">
+                <a16:creationId xmlns:a16="http://schemas.microsoft.com/office/drawing/2014/main" id="{49271543-FE90-914B-AB98-8BD9810ED333}"/>
+              </a:ext>
+            </a:extLst>
+          </p:cNvPr>
+          <p:cNvSpPr txBox="1">
+            <a:spLocks/>
+          </p:cNvSpPr>
+          <p:nvPr/>
+        </p:nvSpPr>
+        <p:spPr bwMode="auto">
+          <a:xfrm>
+            <a:off x="3204972" y="1063229"/>
+            <a:ext cx="2734056" cy="3394472"/>
+          </a:xfrm>
+          <a:prstGeom prst="rect">
+            <a:avLst/>
+          </a:prstGeom>
+          <a:noFill/>
+          <a:ln>
+            <a:noFill/>
+          </a:ln>
+          <a:extLst>
+            <a:ext uri="{909E8E84-426E-40dd-AFC4-6F175D3DCCD1}">
+              <a14:hiddenFill xmlns="" xmlns:a14="http://schemas.microsoft.com/office/drawing/2010/main">
+                <a:solidFill>
+                  <a:srgbClr val="FFFFFF"/>
+                </a:solidFill>
+              </a14:hiddenFill>
+            </a:ext>
+            <a:ext uri="{91240B29-F687-4f45-9708-019B960494DF}">
+              <a14:hiddenLine xmlns="" xmlns:a14="http://schemas.microsoft.com/office/drawing/2010/main" w="9525">
+                <a:solidFill>
+                  <a:srgbClr val="000000"/>
+                </a:solidFill>
+                <a:miter lim="800000"/>
+                <a:headEnd/>
+                <a:tailEnd/>
+              </a14:hiddenLine>
+            </a:ext>
+            <a:ext uri="{FAA26D3D-D897-4be2-8F04-BA451C77F1D7}">
+              <ma14:placeholderFlag xmlns="" xmlns:ma14="http://schemas.microsoft.com/office/mac/drawingml/2011/main" val="1"/>
+            </a:ext>
+          </a:extLst>
+        </p:spPr>
+        <p:txBody>
+          <a:bodyPr vert="horz" wrap="square" lIns="91440" tIns="45720" rIns="91440" bIns="45720" numCol="1" anchor="t" anchorCtr="0" compatLnSpc="1">
+            <a:prstTxWarp prst="textNoShape">
+              <a:avLst/>
+            </a:prstTxWarp>
+          </a:bodyPr>
+          <a:lstStyle>
+            <a:lvl1pPr marL="342900" indent="-342900" algn="l" defTabSz="457200" rtl="0" eaLnBrk="1" fontAlgn="base" hangingPunct="1">
+              <a:spcBef>
+                <a:spcPct val="20000"/>
+              </a:spcBef>
+              <a:spcAft>
+                <a:spcPct val="0"/>
+              </a:spcAft>
+              <a:buFont typeface="Arial" charset="0"/>
+              <a:buChar char="•"/>
+              <a:defRPr sz="3200" kern="1200">
+                <a:solidFill>
+                  <a:schemeClr val="tx1"/>
+                </a:solidFill>
+                <a:latin typeface="+mn-lt"/>
+                <a:ea typeface="ＭＳ Ｐゴシック" charset="0"/>
+                <a:cs typeface="ＭＳ Ｐゴシック" charset="0"/>
+              </a:defRPr>
+            </a:lvl1pPr>
+            <a:lvl2pPr marL="742950" indent="-285750" algn="l" defTabSz="457200" rtl="0" eaLnBrk="1" fontAlgn="base" hangingPunct="1">
+              <a:spcBef>
+                <a:spcPct val="20000"/>
+              </a:spcBef>
+              <a:spcAft>
+                <a:spcPct val="0"/>
+              </a:spcAft>
+              <a:buFont typeface="Arial" charset="0"/>
+              <a:buChar char="–"/>
+              <a:defRPr sz="2800" kern="1200">
+                <a:solidFill>
+                  <a:schemeClr val="tx1"/>
+                </a:solidFill>
+                <a:latin typeface="+mn-lt"/>
+                <a:ea typeface="ＭＳ Ｐゴシック" charset="0"/>
+                <a:cs typeface="+mn-cs"/>
+              </a:defRPr>
+            </a:lvl2pPr>
+            <a:lvl3pPr marL="1143000" indent="-228600" algn="l" defTabSz="457200" rtl="0" eaLnBrk="1" fontAlgn="base" hangingPunct="1">
+              <a:spcBef>
+                <a:spcPct val="20000"/>
+              </a:spcBef>
+              <a:spcAft>
+                <a:spcPct val="0"/>
+              </a:spcAft>
+              <a:buFont typeface="Arial" charset="0"/>
+              <a:buChar char="•"/>
+              <a:defRPr sz="2400" kern="1200">
+                <a:solidFill>
+                  <a:schemeClr val="tx1"/>
+                </a:solidFill>
+                <a:latin typeface="+mn-lt"/>
+                <a:ea typeface="ＭＳ Ｐゴシック" charset="0"/>
+                <a:cs typeface="+mn-cs"/>
+              </a:defRPr>
+            </a:lvl3pPr>
+            <a:lvl4pPr marL="1600200" indent="-228600" algn="l" defTabSz="457200" rtl="0" eaLnBrk="1" fontAlgn="base" hangingPunct="1">
+              <a:spcBef>
+                <a:spcPct val="20000"/>
+              </a:spcBef>
+              <a:spcAft>
+                <a:spcPct val="0"/>
+              </a:spcAft>
+              <a:buFont typeface="Arial" charset="0"/>
+              <a:buChar char="–"/>
+              <a:defRPr sz="2000" kern="1200">
+                <a:solidFill>
+                  <a:schemeClr val="tx1"/>
+                </a:solidFill>
+                <a:latin typeface="+mn-lt"/>
+                <a:ea typeface="ＭＳ Ｐゴシック" charset="0"/>
+                <a:cs typeface="+mn-cs"/>
+              </a:defRPr>
+            </a:lvl4pPr>
+            <a:lvl5pPr marL="2057400" indent="-228600" algn="l" defTabSz="457200" rtl="0" eaLnBrk="1" fontAlgn="base" hangingPunct="1">
+              <a:spcBef>
+                <a:spcPct val="20000"/>
+              </a:spcBef>
+              <a:spcAft>
+                <a:spcPct val="0"/>
+              </a:spcAft>
+              <a:buFont typeface="Arial" charset="0"/>
+              <a:buChar char="»"/>
+              <a:defRPr sz="2000" kern="1200">
+                <a:solidFill>
+                  <a:schemeClr val="tx1"/>
+                </a:solidFill>
+                <a:latin typeface="+mn-lt"/>
+                <a:ea typeface="ＭＳ Ｐゴシック" charset="0"/>
+                <a:cs typeface="+mn-cs"/>
+              </a:defRPr>
+            </a:lvl5pPr>
+            <a:lvl6pPr marL="2514600" indent="-228600" algn="l" defTabSz="457200" rtl="0" eaLnBrk="1" latinLnBrk="0" hangingPunct="1">
+              <a:spcBef>
+                <a:spcPct val="20000"/>
+              </a:spcBef>
+              <a:buFont typeface="Arial"/>
+              <a:buChar char="•"/>
+              <a:defRPr sz="2000" kern="1200">
+                <a:solidFill>
+                  <a:schemeClr val="tx1"/>
+                </a:solidFill>
+                <a:latin typeface="+mn-lt"/>
+                <a:ea typeface="+mn-ea"/>
+                <a:cs typeface="+mn-cs"/>
+              </a:defRPr>
+            </a:lvl6pPr>
+            <a:lvl7pPr marL="2971800" indent="-228600" algn="l" defTabSz="457200" rtl="0" eaLnBrk="1" latinLnBrk="0" hangingPunct="1">
+              <a:spcBef>
+                <a:spcPct val="20000"/>
+              </a:spcBef>
+              <a:buFont typeface="Arial"/>
+              <a:buChar char="•"/>
+              <a:defRPr sz="2000" kern="1200">
+                <a:solidFill>
+                  <a:schemeClr val="tx1"/>
+                </a:solidFill>
+                <a:latin typeface="+mn-lt"/>
+                <a:ea typeface="+mn-ea"/>
+                <a:cs typeface="+mn-cs"/>
+              </a:defRPr>
+            </a:lvl7pPr>
+            <a:lvl8pPr marL="3429000" indent="-228600" algn="l" defTabSz="457200" rtl="0" eaLnBrk="1" latinLnBrk="0" hangingPunct="1">
+              <a:spcBef>
+                <a:spcPct val="20000"/>
+              </a:spcBef>
+              <a:buFont typeface="Arial"/>
+              <a:buChar char="•"/>
+              <a:defRPr sz="2000" kern="1200">
+                <a:solidFill>
+                  <a:schemeClr val="tx1"/>
+                </a:solidFill>
+                <a:latin typeface="+mn-lt"/>
+                <a:ea typeface="+mn-ea"/>
+                <a:cs typeface="+mn-cs"/>
+              </a:defRPr>
+            </a:lvl8pPr>
+            <a:lvl9pPr marL="3886200" indent="-228600" algn="l" defTabSz="457200" rtl="0" eaLnBrk="1" latinLnBrk="0" hangingPunct="1">
+              <a:spcBef>
+                <a:spcPct val="20000"/>
+              </a:spcBef>
+              <a:buFont typeface="Arial"/>
+              <a:buChar char="•"/>
+              <a:defRPr sz="2000" kern="1200">
+                <a:solidFill>
+                  <a:schemeClr val="tx1"/>
+                </a:solidFill>
+                <a:latin typeface="+mn-lt"/>
+                <a:ea typeface="+mn-ea"/>
+                <a:cs typeface="+mn-cs"/>
+              </a:defRPr>
+            </a:lvl9pPr>
+          </a:lstStyle>
+          <a:p>
+            <a:pPr marL="0" indent="0">
+              <a:buFont typeface="Arial" charset="0"/>
+              <a:buNone/>
+            </a:pPr>
+            <a:r>
+              <a:rPr lang="fr-FR" sz="2000" dirty="0"/>
+              <a:t>Avion </a:t>
+            </a:r>
+            <a:r>
+              <a:rPr lang="fr-FR" sz="2000" dirty="0">
+                <a:sym typeface="Wingdings" pitchFamily="2" charset="2"/>
+              </a:rPr>
+              <a:t> manœuvres possibles</a:t>
+            </a:r>
+            <a:endParaRPr lang="fr-FR" sz="2000" dirty="0"/>
+          </a:p>
+          <a:p>
+            <a:pPr marL="0" indent="0" algn="ctr">
+              <a:buFont typeface="Arial" charset="0"/>
+              <a:buNone/>
+            </a:pPr>
+            <a:r>
+              <a:rPr lang="fr-FR" sz="2800" dirty="0"/>
+              <a:t>i</a:t>
+            </a:r>
+            <a:r>
+              <a:rPr lang="fr-FR" sz="2800" dirty="0">
+                <a:sym typeface="Wingdings" pitchFamily="2" charset="2"/>
+              </a:rPr>
+              <a:t> {</a:t>
+            </a:r>
+            <a:r>
+              <a:rPr lang="fr-FR" sz="2800" dirty="0">
+                <a:solidFill>
+                  <a:srgbClr val="00B050"/>
+                </a:solidFill>
+                <a:sym typeface="Wingdings" pitchFamily="2" charset="2"/>
+              </a:rPr>
+              <a:t>1</a:t>
+            </a:r>
+            <a:r>
+              <a:rPr lang="fr-FR" sz="2800" dirty="0">
+                <a:sym typeface="Wingdings" pitchFamily="2" charset="2"/>
+              </a:rPr>
+              <a:t>,2,3,4}</a:t>
+            </a:r>
+            <a:endParaRPr lang="fr-FR" sz="2800" dirty="0"/>
+          </a:p>
+          <a:p>
+            <a:pPr marL="0" indent="0" algn="ctr">
+              <a:buFont typeface="Arial" charset="0"/>
+              <a:buNone/>
+            </a:pPr>
+            <a:r>
+              <a:rPr lang="fr-FR" sz="2800" dirty="0"/>
+              <a:t>j </a:t>
+            </a:r>
+            <a:r>
+              <a:rPr lang="fr-FR" sz="2800" dirty="0">
+                <a:sym typeface="Wingdings" pitchFamily="2" charset="2"/>
+              </a:rPr>
+              <a:t> {</a:t>
+            </a:r>
+            <a:r>
+              <a:rPr lang="fr-FR" sz="2800" dirty="0">
+                <a:solidFill>
+                  <a:srgbClr val="00B050"/>
+                </a:solidFill>
+                <a:sym typeface="Wingdings" pitchFamily="2" charset="2"/>
+              </a:rPr>
+              <a:t>1</a:t>
+            </a:r>
+            <a:r>
+              <a:rPr lang="fr-FR" sz="2800" dirty="0">
+                <a:sym typeface="Wingdings" pitchFamily="2" charset="2"/>
+              </a:rPr>
+              <a:t>,</a:t>
+            </a:r>
+            <a:r>
+              <a:rPr lang="fr-FR" sz="2800" strike="sngStrike" dirty="0">
+                <a:solidFill>
+                  <a:srgbClr val="FF0000"/>
+                </a:solidFill>
+                <a:sym typeface="Wingdings" pitchFamily="2" charset="2"/>
+              </a:rPr>
+              <a:t>2</a:t>
+            </a:r>
+            <a:r>
+              <a:rPr lang="fr-FR" sz="2800" dirty="0">
+                <a:sym typeface="Wingdings" pitchFamily="2" charset="2"/>
+              </a:rPr>
+              <a:t>,</a:t>
+            </a:r>
+            <a:r>
+              <a:rPr lang="fr-FR" sz="2800" dirty="0">
+                <a:solidFill>
+                  <a:srgbClr val="00B050"/>
+                </a:solidFill>
+                <a:sym typeface="Wingdings" pitchFamily="2" charset="2"/>
+              </a:rPr>
+              <a:t>3</a:t>
+            </a:r>
+            <a:r>
+              <a:rPr lang="fr-FR" sz="2800" dirty="0">
+                <a:sym typeface="Wingdings" pitchFamily="2" charset="2"/>
+              </a:rPr>
+              <a:t>,</a:t>
+            </a:r>
+            <a:r>
+              <a:rPr lang="fr-FR" sz="2800" strike="sngStrike" dirty="0">
+                <a:solidFill>
+                  <a:srgbClr val="FF0000"/>
+                </a:solidFill>
+                <a:sym typeface="Wingdings" pitchFamily="2" charset="2"/>
+              </a:rPr>
+              <a:t>4</a:t>
+            </a:r>
+            <a:r>
+              <a:rPr lang="fr-FR" sz="2800" dirty="0">
+                <a:sym typeface="Wingdings" pitchFamily="2" charset="2"/>
+              </a:rPr>
+              <a:t>}</a:t>
+            </a:r>
+            <a:endParaRPr lang="fr-FR" sz="2800" dirty="0"/>
+          </a:p>
+          <a:p>
+            <a:pPr marL="0" indent="0" algn="ctr">
+              <a:buFont typeface="Arial" charset="0"/>
+              <a:buNone/>
+            </a:pPr>
+            <a:r>
+              <a:rPr lang="fr-FR" sz="2800" dirty="0"/>
+              <a:t>k</a:t>
+            </a:r>
+            <a:r>
+              <a:rPr lang="fr-FR" sz="2800" dirty="0">
+                <a:sym typeface="Wingdings" pitchFamily="2" charset="2"/>
+              </a:rPr>
+              <a:t> {</a:t>
+            </a:r>
+            <a:r>
+              <a:rPr lang="fr-FR" sz="2800" dirty="0">
+                <a:solidFill>
+                  <a:srgbClr val="00B050"/>
+                </a:solidFill>
+                <a:sym typeface="Wingdings" pitchFamily="2" charset="2"/>
+              </a:rPr>
+              <a:t>1</a:t>
+            </a:r>
+            <a:r>
+              <a:rPr lang="fr-FR" sz="2800" dirty="0">
+                <a:sym typeface="Wingdings" pitchFamily="2" charset="2"/>
+              </a:rPr>
+              <a:t>,</a:t>
+            </a:r>
+            <a:r>
+              <a:rPr lang="fr-FR" sz="2800" dirty="0">
+                <a:solidFill>
+                  <a:srgbClr val="00B050"/>
+                </a:solidFill>
+                <a:sym typeface="Wingdings" pitchFamily="2" charset="2"/>
+              </a:rPr>
+              <a:t>2</a:t>
+            </a:r>
+            <a:r>
+              <a:rPr lang="fr-FR" sz="2800" dirty="0">
+                <a:sym typeface="Wingdings" pitchFamily="2" charset="2"/>
+              </a:rPr>
+              <a:t>,</a:t>
+            </a:r>
+            <a:r>
+              <a:rPr lang="fr-FR" sz="2800" strike="sngStrike" dirty="0">
+                <a:solidFill>
+                  <a:srgbClr val="FF0000"/>
+                </a:solidFill>
+                <a:sym typeface="Wingdings" pitchFamily="2" charset="2"/>
+              </a:rPr>
+              <a:t>3</a:t>
+            </a:r>
+            <a:r>
+              <a:rPr lang="fr-FR" sz="2800" dirty="0">
+                <a:sym typeface="Wingdings" pitchFamily="2" charset="2"/>
+              </a:rPr>
+              <a:t>,</a:t>
+            </a:r>
+            <a:r>
+              <a:rPr lang="fr-FR" sz="2800" strike="sngStrike" dirty="0">
+                <a:solidFill>
+                  <a:srgbClr val="FF0000"/>
+                </a:solidFill>
+                <a:sym typeface="Wingdings" pitchFamily="2" charset="2"/>
+              </a:rPr>
+              <a:t>4</a:t>
+            </a:r>
+            <a:r>
+              <a:rPr lang="fr-FR" sz="2800" dirty="0">
+                <a:sym typeface="Wingdings" pitchFamily="2" charset="2"/>
+              </a:rPr>
+              <a:t>}</a:t>
+            </a:r>
+            <a:endParaRPr lang="fr-FR" sz="2800" dirty="0"/>
+          </a:p>
+          <a:p>
+            <a:pPr marL="0" indent="0" algn="ctr">
+              <a:buFont typeface="Arial" charset="0"/>
+              <a:buNone/>
+            </a:pPr>
+            <a:r>
+              <a:rPr lang="fr-FR" sz="2800" dirty="0"/>
+              <a:t>Etude compatibilité</a:t>
+            </a:r>
+          </a:p>
+        </p:txBody>
+      </p:sp>
+      <p:sp>
+        <p:nvSpPr>
+          <p:cNvPr id="7" name="Espace réservé du contenu 2">
+            <a:extLst>
+              <a:ext uri="{FF2B5EF4-FFF2-40B4-BE49-F238E27FC236}">
+                <a16:creationId xmlns:a16="http://schemas.microsoft.com/office/drawing/2014/main" id="{FAC4366B-292E-CE43-A1A7-420E7636DD01}"/>
+              </a:ext>
+            </a:extLst>
+          </p:cNvPr>
+          <p:cNvSpPr txBox="1">
+            <a:spLocks/>
+          </p:cNvSpPr>
+          <p:nvPr/>
+        </p:nvSpPr>
+        <p:spPr bwMode="auto">
+          <a:xfrm>
+            <a:off x="5939028" y="1063229"/>
+            <a:ext cx="2734056" cy="3394472"/>
+          </a:xfrm>
+          <a:prstGeom prst="rect">
+            <a:avLst/>
+          </a:prstGeom>
+          <a:noFill/>
+          <a:ln>
+            <a:noFill/>
+          </a:ln>
+          <a:extLst>
+            <a:ext uri="{909E8E84-426E-40dd-AFC4-6F175D3DCCD1}">
+              <a14:hiddenFill xmlns="" xmlns:a14="http://schemas.microsoft.com/office/drawing/2010/main">
+                <a:solidFill>
+                  <a:srgbClr val="FFFFFF"/>
+                </a:solidFill>
+              </a14:hiddenFill>
+            </a:ext>
+            <a:ext uri="{91240B29-F687-4f45-9708-019B960494DF}">
+              <a14:hiddenLine xmlns="" xmlns:a14="http://schemas.microsoft.com/office/drawing/2010/main" w="9525">
+                <a:solidFill>
+                  <a:srgbClr val="000000"/>
+                </a:solidFill>
+                <a:miter lim="800000"/>
+                <a:headEnd/>
+                <a:tailEnd/>
+              </a14:hiddenLine>
+            </a:ext>
+            <a:ext uri="{FAA26D3D-D897-4be2-8F04-BA451C77F1D7}">
+              <ma14:placeholderFlag xmlns="" xmlns:ma14="http://schemas.microsoft.com/office/mac/drawingml/2011/main" val="1"/>
+            </a:ext>
+          </a:extLst>
+        </p:spPr>
+        <p:txBody>
+          <a:bodyPr vert="horz" wrap="square" lIns="91440" tIns="45720" rIns="91440" bIns="45720" numCol="1" anchor="t" anchorCtr="0" compatLnSpc="1">
+            <a:prstTxWarp prst="textNoShape">
+              <a:avLst/>
+            </a:prstTxWarp>
+          </a:bodyPr>
+          <a:lstStyle>
+            <a:lvl1pPr marL="342900" indent="-342900" algn="l" defTabSz="457200" rtl="0" eaLnBrk="1" fontAlgn="base" hangingPunct="1">
+              <a:spcBef>
+                <a:spcPct val="20000"/>
+              </a:spcBef>
+              <a:spcAft>
+                <a:spcPct val="0"/>
+              </a:spcAft>
+              <a:buFont typeface="Arial" charset="0"/>
+              <a:buChar char="•"/>
+              <a:defRPr sz="3200" kern="1200">
+                <a:solidFill>
+                  <a:schemeClr val="tx1"/>
+                </a:solidFill>
+                <a:latin typeface="+mn-lt"/>
+                <a:ea typeface="ＭＳ Ｐゴシック" charset="0"/>
+                <a:cs typeface="ＭＳ Ｐゴシック" charset="0"/>
+              </a:defRPr>
+            </a:lvl1pPr>
+            <a:lvl2pPr marL="742950" indent="-285750" algn="l" defTabSz="457200" rtl="0" eaLnBrk="1" fontAlgn="base" hangingPunct="1">
+              <a:spcBef>
+                <a:spcPct val="20000"/>
+              </a:spcBef>
+              <a:spcAft>
+                <a:spcPct val="0"/>
+              </a:spcAft>
+              <a:buFont typeface="Arial" charset="0"/>
+              <a:buChar char="–"/>
+              <a:defRPr sz="2800" kern="1200">
+                <a:solidFill>
+                  <a:schemeClr val="tx1"/>
+                </a:solidFill>
+                <a:latin typeface="+mn-lt"/>
+                <a:ea typeface="ＭＳ Ｐゴシック" charset="0"/>
+                <a:cs typeface="+mn-cs"/>
+              </a:defRPr>
+            </a:lvl2pPr>
+            <a:lvl3pPr marL="1143000" indent="-228600" algn="l" defTabSz="457200" rtl="0" eaLnBrk="1" fontAlgn="base" hangingPunct="1">
+              <a:spcBef>
+                <a:spcPct val="20000"/>
+              </a:spcBef>
+              <a:spcAft>
+                <a:spcPct val="0"/>
+              </a:spcAft>
+              <a:buFont typeface="Arial" charset="0"/>
+              <a:buChar char="•"/>
+              <a:defRPr sz="2400" kern="1200">
+                <a:solidFill>
+                  <a:schemeClr val="tx1"/>
+                </a:solidFill>
+                <a:latin typeface="+mn-lt"/>
+                <a:ea typeface="ＭＳ Ｐゴシック" charset="0"/>
+                <a:cs typeface="+mn-cs"/>
+              </a:defRPr>
+            </a:lvl3pPr>
+            <a:lvl4pPr marL="1600200" indent="-228600" algn="l" defTabSz="457200" rtl="0" eaLnBrk="1" fontAlgn="base" hangingPunct="1">
+              <a:spcBef>
+                <a:spcPct val="20000"/>
+              </a:spcBef>
+              <a:spcAft>
+                <a:spcPct val="0"/>
+              </a:spcAft>
+              <a:buFont typeface="Arial" charset="0"/>
+              <a:buChar char="–"/>
+              <a:defRPr sz="2000" kern="1200">
+                <a:solidFill>
+                  <a:schemeClr val="tx1"/>
+                </a:solidFill>
+                <a:latin typeface="+mn-lt"/>
+                <a:ea typeface="ＭＳ Ｐゴシック" charset="0"/>
+                <a:cs typeface="+mn-cs"/>
+              </a:defRPr>
+            </a:lvl4pPr>
+            <a:lvl5pPr marL="2057400" indent="-228600" algn="l" defTabSz="457200" rtl="0" eaLnBrk="1" fontAlgn="base" hangingPunct="1">
+              <a:spcBef>
+                <a:spcPct val="20000"/>
+              </a:spcBef>
+              <a:spcAft>
+                <a:spcPct val="0"/>
+              </a:spcAft>
+              <a:buFont typeface="Arial" charset="0"/>
+              <a:buChar char="»"/>
+              <a:defRPr sz="2000" kern="1200">
+                <a:solidFill>
+                  <a:schemeClr val="tx1"/>
+                </a:solidFill>
+                <a:latin typeface="+mn-lt"/>
+                <a:ea typeface="ＭＳ Ｐゴシック" charset="0"/>
+                <a:cs typeface="+mn-cs"/>
+              </a:defRPr>
+            </a:lvl5pPr>
+            <a:lvl6pPr marL="2514600" indent="-228600" algn="l" defTabSz="457200" rtl="0" eaLnBrk="1" latinLnBrk="0" hangingPunct="1">
+              <a:spcBef>
+                <a:spcPct val="20000"/>
+              </a:spcBef>
+              <a:buFont typeface="Arial"/>
+              <a:buChar char="•"/>
+              <a:defRPr sz="2000" kern="1200">
+                <a:solidFill>
+                  <a:schemeClr val="tx1"/>
+                </a:solidFill>
+                <a:latin typeface="+mn-lt"/>
+                <a:ea typeface="+mn-ea"/>
+                <a:cs typeface="+mn-cs"/>
+              </a:defRPr>
+            </a:lvl6pPr>
+            <a:lvl7pPr marL="2971800" indent="-228600" algn="l" defTabSz="457200" rtl="0" eaLnBrk="1" latinLnBrk="0" hangingPunct="1">
+              <a:spcBef>
+                <a:spcPct val="20000"/>
+              </a:spcBef>
+              <a:buFont typeface="Arial"/>
+              <a:buChar char="•"/>
+              <a:defRPr sz="2000" kern="1200">
+                <a:solidFill>
+                  <a:schemeClr val="tx1"/>
+                </a:solidFill>
+                <a:latin typeface="+mn-lt"/>
+                <a:ea typeface="+mn-ea"/>
+                <a:cs typeface="+mn-cs"/>
+              </a:defRPr>
+            </a:lvl7pPr>
+            <a:lvl8pPr marL="3429000" indent="-228600" algn="l" defTabSz="457200" rtl="0" eaLnBrk="1" latinLnBrk="0" hangingPunct="1">
+              <a:spcBef>
+                <a:spcPct val="20000"/>
+              </a:spcBef>
+              <a:buFont typeface="Arial"/>
+              <a:buChar char="•"/>
+              <a:defRPr sz="2000" kern="1200">
+                <a:solidFill>
+                  <a:schemeClr val="tx1"/>
+                </a:solidFill>
+                <a:latin typeface="+mn-lt"/>
+                <a:ea typeface="+mn-ea"/>
+                <a:cs typeface="+mn-cs"/>
+              </a:defRPr>
+            </a:lvl8pPr>
+            <a:lvl9pPr marL="3886200" indent="-228600" algn="l" defTabSz="457200" rtl="0" eaLnBrk="1" latinLnBrk="0" hangingPunct="1">
+              <a:spcBef>
+                <a:spcPct val="20000"/>
+              </a:spcBef>
+              <a:buFont typeface="Arial"/>
+              <a:buChar char="•"/>
+              <a:defRPr sz="2000" kern="1200">
+                <a:solidFill>
+                  <a:schemeClr val="tx1"/>
+                </a:solidFill>
+                <a:latin typeface="+mn-lt"/>
+                <a:ea typeface="+mn-ea"/>
+                <a:cs typeface="+mn-cs"/>
+              </a:defRPr>
+            </a:lvl9pPr>
+          </a:lstStyle>
+          <a:p>
+            <a:pPr marL="0" indent="0">
+              <a:buFont typeface="Arial" charset="0"/>
+              <a:buNone/>
+            </a:pPr>
+            <a:r>
+              <a:rPr lang="fr-FR" sz="2000" dirty="0"/>
+              <a:t>Avion </a:t>
+            </a:r>
+            <a:r>
+              <a:rPr lang="fr-FR" sz="2000" dirty="0">
+                <a:sym typeface="Wingdings" pitchFamily="2" charset="2"/>
+              </a:rPr>
+              <a:t> manœuvres possibles</a:t>
+            </a:r>
+            <a:endParaRPr lang="fr-FR" sz="2000" dirty="0"/>
+          </a:p>
+          <a:p>
+            <a:pPr marL="0" indent="0" algn="ctr">
+              <a:buFont typeface="Arial" charset="0"/>
+              <a:buNone/>
+            </a:pPr>
+            <a:r>
+              <a:rPr lang="fr-FR" sz="2800" dirty="0"/>
+              <a:t>i</a:t>
+            </a:r>
+            <a:r>
+              <a:rPr lang="fr-FR" sz="2800" dirty="0">
+                <a:sym typeface="Wingdings" pitchFamily="2" charset="2"/>
+              </a:rPr>
+              <a:t> {1}</a:t>
+            </a:r>
+            <a:endParaRPr lang="fr-FR" sz="2800" dirty="0"/>
+          </a:p>
+          <a:p>
+            <a:pPr marL="0" indent="0" algn="ctr">
+              <a:buFont typeface="Arial" charset="0"/>
+              <a:buNone/>
+            </a:pPr>
+            <a:r>
+              <a:rPr lang="fr-FR" sz="2800" dirty="0"/>
+              <a:t>j </a:t>
+            </a:r>
+            <a:r>
+              <a:rPr lang="fr-FR" sz="2800" dirty="0">
+                <a:sym typeface="Wingdings" pitchFamily="2" charset="2"/>
+              </a:rPr>
+              <a:t> {1,3}</a:t>
+            </a:r>
+            <a:endParaRPr lang="fr-FR" sz="2800" dirty="0"/>
+          </a:p>
+          <a:p>
+            <a:pPr marL="0" indent="0" algn="ctr">
+              <a:buFont typeface="Arial" charset="0"/>
+              <a:buNone/>
+            </a:pPr>
+            <a:r>
+              <a:rPr lang="fr-FR" sz="2800" dirty="0"/>
+              <a:t>k</a:t>
+            </a:r>
+            <a:r>
+              <a:rPr lang="fr-FR" sz="2800" dirty="0">
+                <a:sym typeface="Wingdings" pitchFamily="2" charset="2"/>
+              </a:rPr>
+              <a:t> {1,2}</a:t>
+            </a:r>
+            <a:endParaRPr lang="fr-FR" sz="2800" dirty="0"/>
+          </a:p>
+          <a:p>
+            <a:pPr marL="0" indent="0" algn="ctr">
+              <a:buFont typeface="Arial" charset="0"/>
+              <a:buNone/>
+            </a:pPr>
+            <a:r>
+              <a:rPr lang="fr-FR" sz="2800" dirty="0"/>
+              <a:t>Après filtrage</a:t>
+            </a:r>
+          </a:p>
+        </p:txBody>
+      </p:sp>
+      <p:cxnSp>
+        <p:nvCxnSpPr>
+          <p:cNvPr id="9" name="Connecteur droit 8">
+            <a:extLst>
+              <a:ext uri="{FF2B5EF4-FFF2-40B4-BE49-F238E27FC236}">
+                <a16:creationId xmlns:a16="http://schemas.microsoft.com/office/drawing/2014/main" id="{79DB0AC6-B8D3-F84F-A0E3-685F3810AC02}"/>
+              </a:ext>
+            </a:extLst>
+          </p:cNvPr>
+          <p:cNvCxnSpPr/>
+          <p:nvPr/>
+        </p:nvCxnSpPr>
+        <p:spPr>
+          <a:xfrm>
+            <a:off x="3090672" y="1063229"/>
+            <a:ext cx="0" cy="3280171"/>
+          </a:xfrm>
+          <a:prstGeom prst="line">
+            <a:avLst/>
+          </a:prstGeom>
+          <a:ln>
+            <a:solidFill>
+              <a:srgbClr val="CBCCCB"/>
+            </a:solidFill>
+          </a:ln>
+        </p:spPr>
+        <p:style>
+          <a:lnRef idx="2">
+            <a:schemeClr val="accent1"/>
+          </a:lnRef>
+          <a:fillRef idx="0">
+            <a:schemeClr val="accent1"/>
+          </a:fillRef>
+          <a:effectRef idx="1">
+            <a:schemeClr val="accent1"/>
+          </a:effectRef>
+          <a:fontRef idx="minor">
+            <a:schemeClr val="tx1"/>
+          </a:fontRef>
+        </p:style>
+      </p:cxnSp>
+      <p:cxnSp>
+        <p:nvCxnSpPr>
+          <p:cNvPr id="10" name="Connecteur droit 9">
+            <a:extLst>
+              <a:ext uri="{FF2B5EF4-FFF2-40B4-BE49-F238E27FC236}">
+                <a16:creationId xmlns:a16="http://schemas.microsoft.com/office/drawing/2014/main" id="{FDD33AB1-C84C-8C45-B8AF-27BEBC7C57FF}"/>
+              </a:ext>
+            </a:extLst>
+          </p:cNvPr>
+          <p:cNvCxnSpPr/>
+          <p:nvPr/>
+        </p:nvCxnSpPr>
+        <p:spPr>
+          <a:xfrm>
+            <a:off x="5775960" y="1063229"/>
+            <a:ext cx="0" cy="3280171"/>
+          </a:xfrm>
+          <a:prstGeom prst="line">
+            <a:avLst/>
+          </a:prstGeom>
+          <a:ln>
+            <a:solidFill>
+              <a:srgbClr val="CBCCCB"/>
+            </a:solidFill>
+          </a:ln>
+        </p:spPr>
+        <p:style>
+          <a:lnRef idx="2">
+            <a:schemeClr val="dk1"/>
+          </a:lnRef>
+          <a:fillRef idx="0">
+            <a:schemeClr val="dk1"/>
+          </a:fillRef>
+          <a:effectRef idx="1">
+            <a:schemeClr val="dk1"/>
+          </a:effectRef>
+          <a:fontRef idx="minor">
+            <a:schemeClr val="tx1"/>
+          </a:fontRef>
+        </p:style>
+      </p:cxnSp>
+    </p:spTree>
+    <p:extLst>
+      <p:ext uri="{BB962C8B-B14F-4D97-AF65-F5344CB8AC3E}">
+        <p14:creationId xmlns:p14="http://schemas.microsoft.com/office/powerpoint/2010/main" val="2585269986"/>
       </p:ext>
     </p:extLst>
   </p:cSld>
